--- a/chapters/PIE/images/systemDesign.pptx
+++ b/chapters/PIE/images/systemDesign.pptx
@@ -5,7 +5,7 @@
     <p:sldMasterId id="2147483648" r:id="rId1"/>
   </p:sldMasterIdLst>
   <p:notesMasterIdLst>
-    <p:notesMasterId r:id="rId26"/>
+    <p:notesMasterId r:id="rId27"/>
   </p:notesMasterIdLst>
   <p:sldIdLst>
     <p:sldId id="296" r:id="rId2"/>
@@ -15,23 +15,24 @@
     <p:sldId id="299" r:id="rId6"/>
     <p:sldId id="300" r:id="rId7"/>
     <p:sldId id="312" r:id="rId8"/>
-    <p:sldId id="313" r:id="rId9"/>
-    <p:sldId id="321" r:id="rId10"/>
-    <p:sldId id="301" r:id="rId11"/>
-    <p:sldId id="316" r:id="rId12"/>
-    <p:sldId id="303" r:id="rId13"/>
-    <p:sldId id="306" r:id="rId14"/>
-    <p:sldId id="314" r:id="rId15"/>
-    <p:sldId id="315" r:id="rId16"/>
-    <p:sldId id="318" r:id="rId17"/>
-    <p:sldId id="304" r:id="rId18"/>
-    <p:sldId id="305" r:id="rId19"/>
-    <p:sldId id="319" r:id="rId20"/>
-    <p:sldId id="320" r:id="rId21"/>
-    <p:sldId id="311" r:id="rId22"/>
-    <p:sldId id="307" r:id="rId23"/>
-    <p:sldId id="308" r:id="rId24"/>
-    <p:sldId id="310" r:id="rId25"/>
+    <p:sldId id="322" r:id="rId9"/>
+    <p:sldId id="313" r:id="rId10"/>
+    <p:sldId id="321" r:id="rId11"/>
+    <p:sldId id="301" r:id="rId12"/>
+    <p:sldId id="316" r:id="rId13"/>
+    <p:sldId id="303" r:id="rId14"/>
+    <p:sldId id="306" r:id="rId15"/>
+    <p:sldId id="314" r:id="rId16"/>
+    <p:sldId id="315" r:id="rId17"/>
+    <p:sldId id="318" r:id="rId18"/>
+    <p:sldId id="304" r:id="rId19"/>
+    <p:sldId id="305" r:id="rId20"/>
+    <p:sldId id="319" r:id="rId21"/>
+    <p:sldId id="320" r:id="rId22"/>
+    <p:sldId id="311" r:id="rId23"/>
+    <p:sldId id="307" r:id="rId24"/>
+    <p:sldId id="308" r:id="rId25"/>
+    <p:sldId id="310" r:id="rId26"/>
   </p:sldIdLst>
   <p:sldSz cx="12192000" cy="6858000"/>
   <p:notesSz cx="6858000" cy="9144000"/>
@@ -220,7 +221,7 @@
           <a:p>
             <a:fld id="{5B11293D-E459-4260-BA99-BB88A0E693DB}" type="datetimeFigureOut">
               <a:rPr lang="en-US" smtClean="0"/>
-              <a:t>1/18/2021</a:t>
+              <a:t>2/12/2021</a:t>
             </a:fld>
             <a:endParaRPr lang="en-US"/>
           </a:p>
@@ -734,7 +735,7 @@
           <a:p>
             <a:fld id="{416DC33F-4D47-49F4-BC1A-19DAAE572217}" type="slidenum">
               <a:rPr lang="en-US" smtClean="0"/>
-              <a:t>14</a:t>
+              <a:t>15</a:t>
             </a:fld>
             <a:endParaRPr lang="en-US"/>
           </a:p>
@@ -826,7 +827,7 @@
           <a:p>
             <a:fld id="{416DC33F-4D47-49F4-BC1A-19DAAE572217}" type="slidenum">
               <a:rPr lang="en-US" smtClean="0"/>
-              <a:t>15</a:t>
+              <a:t>16</a:t>
             </a:fld>
             <a:endParaRPr lang="en-US"/>
           </a:p>
@@ -913,7 +914,7 @@
           <a:p>
             <a:fld id="{416DC33F-4D47-49F4-BC1A-19DAAE572217}" type="slidenum">
               <a:rPr lang="en-US" smtClean="0"/>
-              <a:t>16</a:t>
+              <a:t>17</a:t>
             </a:fld>
             <a:endParaRPr lang="en-US"/>
           </a:p>
@@ -1061,7 +1062,7 @@
           <a:p>
             <a:fld id="{AAB2D3D3-1E26-436C-8467-9F82561659A6}" type="datetimeFigureOut">
               <a:rPr lang="en-US" smtClean="0"/>
-              <a:t>1/18/2021</a:t>
+              <a:t>2/12/2021</a:t>
             </a:fld>
             <a:endParaRPr lang="en-US"/>
           </a:p>
@@ -1229,7 +1230,7 @@
           <a:p>
             <a:fld id="{AAB2D3D3-1E26-436C-8467-9F82561659A6}" type="datetimeFigureOut">
               <a:rPr lang="en-US" smtClean="0"/>
-              <a:t>1/18/2021</a:t>
+              <a:t>2/12/2021</a:t>
             </a:fld>
             <a:endParaRPr lang="en-US"/>
           </a:p>
@@ -1407,7 +1408,7 @@
           <a:p>
             <a:fld id="{AAB2D3D3-1E26-436C-8467-9F82561659A6}" type="datetimeFigureOut">
               <a:rPr lang="en-US" smtClean="0"/>
-              <a:t>1/18/2021</a:t>
+              <a:t>2/12/2021</a:t>
             </a:fld>
             <a:endParaRPr lang="en-US"/>
           </a:p>
@@ -1575,7 +1576,7 @@
           <a:p>
             <a:fld id="{AAB2D3D3-1E26-436C-8467-9F82561659A6}" type="datetimeFigureOut">
               <a:rPr lang="en-US" smtClean="0"/>
-              <a:t>1/18/2021</a:t>
+              <a:t>2/12/2021</a:t>
             </a:fld>
             <a:endParaRPr lang="en-US"/>
           </a:p>
@@ -1820,7 +1821,7 @@
           <a:p>
             <a:fld id="{AAB2D3D3-1E26-436C-8467-9F82561659A6}" type="datetimeFigureOut">
               <a:rPr lang="en-US" smtClean="0"/>
-              <a:t>1/18/2021</a:t>
+              <a:t>2/12/2021</a:t>
             </a:fld>
             <a:endParaRPr lang="en-US"/>
           </a:p>
@@ -2049,7 +2050,7 @@
           <a:p>
             <a:fld id="{AAB2D3D3-1E26-436C-8467-9F82561659A6}" type="datetimeFigureOut">
               <a:rPr lang="en-US" smtClean="0"/>
-              <a:t>1/18/2021</a:t>
+              <a:t>2/12/2021</a:t>
             </a:fld>
             <a:endParaRPr lang="en-US"/>
           </a:p>
@@ -2413,7 +2414,7 @@
           <a:p>
             <a:fld id="{AAB2D3D3-1E26-436C-8467-9F82561659A6}" type="datetimeFigureOut">
               <a:rPr lang="en-US" smtClean="0"/>
-              <a:t>1/18/2021</a:t>
+              <a:t>2/12/2021</a:t>
             </a:fld>
             <a:endParaRPr lang="en-US"/>
           </a:p>
@@ -2530,7 +2531,7 @@
           <a:p>
             <a:fld id="{AAB2D3D3-1E26-436C-8467-9F82561659A6}" type="datetimeFigureOut">
               <a:rPr lang="en-US" smtClean="0"/>
-              <a:t>1/18/2021</a:t>
+              <a:t>2/12/2021</a:t>
             </a:fld>
             <a:endParaRPr lang="en-US"/>
           </a:p>
@@ -2625,7 +2626,7 @@
           <a:p>
             <a:fld id="{AAB2D3D3-1E26-436C-8467-9F82561659A6}" type="datetimeFigureOut">
               <a:rPr lang="en-US" smtClean="0"/>
-              <a:t>1/18/2021</a:t>
+              <a:t>2/12/2021</a:t>
             </a:fld>
             <a:endParaRPr lang="en-US"/>
           </a:p>
@@ -2900,7 +2901,7 @@
           <a:p>
             <a:fld id="{AAB2D3D3-1E26-436C-8467-9F82561659A6}" type="datetimeFigureOut">
               <a:rPr lang="en-US" smtClean="0"/>
-              <a:t>1/18/2021</a:t>
+              <a:t>2/12/2021</a:t>
             </a:fld>
             <a:endParaRPr lang="en-US"/>
           </a:p>
@@ -3152,7 +3153,7 @@
           <a:p>
             <a:fld id="{AAB2D3D3-1E26-436C-8467-9F82561659A6}" type="datetimeFigureOut">
               <a:rPr lang="en-US" smtClean="0"/>
-              <a:t>1/18/2021</a:t>
+              <a:t>2/12/2021</a:t>
             </a:fld>
             <a:endParaRPr lang="en-US"/>
           </a:p>
@@ -3363,7 +3364,7 @@
           <a:p>
             <a:fld id="{AAB2D3D3-1E26-436C-8467-9F82561659A6}" type="datetimeFigureOut">
               <a:rPr lang="en-US" smtClean="0"/>
-              <a:t>1/18/2021</a:t>
+              <a:t>2/12/2021</a:t>
             </a:fld>
             <a:endParaRPr lang="en-US"/>
           </a:p>
@@ -4550,6 +4551,1569 @@
           <a:chExt cx="0" cy="0"/>
         </a:xfrm>
       </p:grpSpPr>
+      <p:cxnSp>
+        <p:nvCxnSpPr>
+          <p:cNvPr id="47" name="Straight Arrow Connector 46"/>
+          <p:cNvCxnSpPr/>
+          <p:nvPr/>
+        </p:nvCxnSpPr>
+        <p:spPr>
+          <a:xfrm>
+            <a:off x="495319" y="2511590"/>
+            <a:ext cx="2164399" cy="0"/>
+          </a:xfrm>
+          <a:prstGeom prst="straightConnector1">
+            <a:avLst/>
+          </a:prstGeom>
+          <a:ln w="19050">
+            <a:headEnd type="none" w="med" len="med"/>
+            <a:tailEnd type="triangle" w="med" len="med"/>
+          </a:ln>
+        </p:spPr>
+        <p:style>
+          <a:lnRef idx="1">
+            <a:schemeClr val="dk1"/>
+          </a:lnRef>
+          <a:fillRef idx="0">
+            <a:schemeClr val="dk1"/>
+          </a:fillRef>
+          <a:effectRef idx="0">
+            <a:schemeClr val="dk1"/>
+          </a:effectRef>
+          <a:fontRef idx="minor">
+            <a:schemeClr val="tx1"/>
+          </a:fontRef>
+        </p:style>
+      </p:cxnSp>
+      <p:sp>
+        <p:nvSpPr>
+          <p:cNvPr id="50" name="TextBox 49"/>
+          <p:cNvSpPr txBox="1"/>
+          <p:nvPr/>
+        </p:nvSpPr>
+        <p:spPr>
+          <a:xfrm>
+            <a:off x="680323" y="2324088"/>
+            <a:ext cx="1718163" cy="369332"/>
+          </a:xfrm>
+          <a:prstGeom prst="rect">
+            <a:avLst/>
+          </a:prstGeom>
+          <a:solidFill>
+            <a:schemeClr val="bg1"/>
+          </a:solidFill>
+        </p:spPr>
+        <p:txBody>
+          <a:bodyPr wrap="none" rtlCol="0">
+            <a:spAutoFit/>
+          </a:bodyPr>
+          <a:lstStyle/>
+          <a:p>
+            <a:r>
+              <a:rPr lang="en-US" dirty="0"/>
+              <a:t>Firmware report</a:t>
+            </a:r>
+          </a:p>
+        </p:txBody>
+      </p:sp>
+      <p:cxnSp>
+        <p:nvCxnSpPr>
+          <p:cNvPr id="46" name="Straight Arrow Connector 45"/>
+          <p:cNvCxnSpPr/>
+          <p:nvPr/>
+        </p:nvCxnSpPr>
+        <p:spPr>
+          <a:xfrm>
+            <a:off x="4830617" y="3319736"/>
+            <a:ext cx="1474077" cy="0"/>
+          </a:xfrm>
+          <a:prstGeom prst="straightConnector1">
+            <a:avLst/>
+          </a:prstGeom>
+          <a:ln w="19050">
+            <a:tailEnd type="triangle"/>
+          </a:ln>
+        </p:spPr>
+        <p:style>
+          <a:lnRef idx="1">
+            <a:schemeClr val="dk1"/>
+          </a:lnRef>
+          <a:fillRef idx="0">
+            <a:schemeClr val="dk1"/>
+          </a:fillRef>
+          <a:effectRef idx="0">
+            <a:schemeClr val="dk1"/>
+          </a:effectRef>
+          <a:fontRef idx="minor">
+            <a:schemeClr val="tx1"/>
+          </a:fontRef>
+        </p:style>
+      </p:cxnSp>
+      <p:cxnSp>
+        <p:nvCxnSpPr>
+          <p:cNvPr id="51" name="Straight Arrow Connector 50"/>
+          <p:cNvCxnSpPr/>
+          <p:nvPr/>
+        </p:nvCxnSpPr>
+        <p:spPr>
+          <a:xfrm flipH="1">
+            <a:off x="4817899" y="4447237"/>
+            <a:ext cx="1474073" cy="0"/>
+          </a:xfrm>
+          <a:prstGeom prst="straightConnector1">
+            <a:avLst/>
+          </a:prstGeom>
+          <a:ln w="19050">
+            <a:tailEnd type="triangle"/>
+          </a:ln>
+        </p:spPr>
+        <p:style>
+          <a:lnRef idx="1">
+            <a:schemeClr val="dk1"/>
+          </a:lnRef>
+          <a:fillRef idx="0">
+            <a:schemeClr val="dk1"/>
+          </a:fillRef>
+          <a:effectRef idx="0">
+            <a:schemeClr val="dk1"/>
+          </a:effectRef>
+          <a:fontRef idx="minor">
+            <a:schemeClr val="tx1"/>
+          </a:fontRef>
+        </p:style>
+      </p:cxnSp>
+      <p:sp>
+        <p:nvSpPr>
+          <p:cNvPr id="45" name="TextBox 44"/>
+          <p:cNvSpPr txBox="1"/>
+          <p:nvPr/>
+        </p:nvSpPr>
+        <p:spPr>
+          <a:xfrm>
+            <a:off x="4951169" y="3017102"/>
+            <a:ext cx="1237052" cy="646331"/>
+          </a:xfrm>
+          <a:prstGeom prst="rect">
+            <a:avLst/>
+          </a:prstGeom>
+          <a:solidFill>
+            <a:schemeClr val="bg1"/>
+          </a:solidFill>
+        </p:spPr>
+        <p:txBody>
+          <a:bodyPr wrap="square" rtlCol="0">
+            <a:spAutoFit/>
+          </a:bodyPr>
+          <a:lstStyle/>
+          <a:p>
+            <a:pPr algn="ctr"/>
+            <a:r>
+              <a:rPr lang="en-US" dirty="0"/>
+              <a:t>AE report + </a:t>
+            </a:r>
+          </a:p>
+          <a:p>
+            <a:pPr algn="ctr"/>
+            <a:r>
+              <a:rPr lang="en-US" dirty="0"/>
+              <a:t>CE list</a:t>
+            </a:r>
+          </a:p>
+        </p:txBody>
+      </p:sp>
+      <p:sp>
+        <p:nvSpPr>
+          <p:cNvPr id="27" name="Rounded Rectangle 26"/>
+          <p:cNvSpPr/>
+          <p:nvPr/>
+        </p:nvSpPr>
+        <p:spPr>
+          <a:xfrm>
+            <a:off x="13782" y="9390"/>
+            <a:ext cx="1022487" cy="1506154"/>
+          </a:xfrm>
+          <a:prstGeom prst="roundRect">
+            <a:avLst>
+              <a:gd name="adj" fmla="val 8425"/>
+            </a:avLst>
+          </a:prstGeom>
+          <a:solidFill>
+            <a:srgbClr val="EBD481"/>
+          </a:solidFill>
+          <a:ln>
+            <a:solidFill>
+              <a:schemeClr val="tx1"/>
+            </a:solidFill>
+          </a:ln>
+        </p:spPr>
+        <p:style>
+          <a:lnRef idx="2">
+            <a:schemeClr val="accent4">
+              <a:shade val="50000"/>
+            </a:schemeClr>
+          </a:lnRef>
+          <a:fillRef idx="1">
+            <a:schemeClr val="accent4"/>
+          </a:fillRef>
+          <a:effectRef idx="0">
+            <a:schemeClr val="accent4"/>
+          </a:effectRef>
+          <a:fontRef idx="minor">
+            <a:schemeClr val="lt1"/>
+          </a:fontRef>
+        </p:style>
+        <p:txBody>
+          <a:bodyPr rtlCol="0" anchor="ctr"/>
+          <a:lstStyle/>
+          <a:p>
+            <a:pPr algn="ctr"/>
+            <a:endParaRPr lang="en-US"/>
+          </a:p>
+        </p:txBody>
+      </p:sp>
+      <p:sp>
+        <p:nvSpPr>
+          <p:cNvPr id="2" name="Rounded Rectangle 1"/>
+          <p:cNvSpPr/>
+          <p:nvPr/>
+        </p:nvSpPr>
+        <p:spPr>
+          <a:xfrm>
+            <a:off x="1549272" y="9390"/>
+            <a:ext cx="4032031" cy="1492117"/>
+          </a:xfrm>
+          <a:prstGeom prst="roundRect">
+            <a:avLst>
+              <a:gd name="adj" fmla="val 5919"/>
+            </a:avLst>
+          </a:prstGeom>
+          <a:solidFill>
+            <a:srgbClr val="E2F0D9"/>
+          </a:solidFill>
+          <a:ln>
+            <a:solidFill>
+              <a:schemeClr val="tx1"/>
+            </a:solidFill>
+          </a:ln>
+        </p:spPr>
+        <p:style>
+          <a:lnRef idx="2">
+            <a:schemeClr val="accent4">
+              <a:shade val="50000"/>
+            </a:schemeClr>
+          </a:lnRef>
+          <a:fillRef idx="1">
+            <a:schemeClr val="accent4"/>
+          </a:fillRef>
+          <a:effectRef idx="0">
+            <a:schemeClr val="accent4"/>
+          </a:effectRef>
+          <a:fontRef idx="minor">
+            <a:schemeClr val="lt1"/>
+          </a:fontRef>
+        </p:style>
+        <p:txBody>
+          <a:bodyPr rtlCol="0" anchor="ctr"/>
+          <a:lstStyle/>
+          <a:p>
+            <a:pPr algn="ctr"/>
+            <a:endParaRPr lang="en-US"/>
+          </a:p>
+        </p:txBody>
+      </p:sp>
+      <p:pic>
+        <p:nvPicPr>
+          <p:cNvPr id="4" name="Picture 3"/>
+          <p:cNvPicPr>
+            <a:picLocks noChangeAspect="1"/>
+          </p:cNvPicPr>
+          <p:nvPr/>
+        </p:nvPicPr>
+        <p:blipFill>
+          <a:blip r:embed="rId2" cstate="print">
+            <a:extLst>
+              <a:ext uri="{28A0092B-C50C-407E-A947-70E740481C1C}">
+                <a14:useLocalDpi xmlns:a14="http://schemas.microsoft.com/office/drawing/2010/main" val="0"/>
+              </a:ext>
+            </a:extLst>
+          </a:blip>
+          <a:stretch>
+            <a:fillRect/>
+          </a:stretch>
+        </p:blipFill>
+        <p:spPr>
+          <a:xfrm>
+            <a:off x="3265728" y="114421"/>
+            <a:ext cx="556685" cy="556685"/>
+          </a:xfrm>
+          <a:prstGeom prst="rect">
+            <a:avLst/>
+          </a:prstGeom>
+        </p:spPr>
+      </p:pic>
+      <p:pic>
+        <p:nvPicPr>
+          <p:cNvPr id="10" name="Picture 9"/>
+          <p:cNvPicPr>
+            <a:picLocks noChangeAspect="1"/>
+          </p:cNvPicPr>
+          <p:nvPr/>
+        </p:nvPicPr>
+        <p:blipFill rotWithShape="1">
+          <a:blip r:embed="rId3" cstate="print">
+            <a:extLst>
+              <a:ext uri="{28A0092B-C50C-407E-A947-70E740481C1C}">
+                <a14:useLocalDpi xmlns:a14="http://schemas.microsoft.com/office/drawing/2010/main" val="0"/>
+              </a:ext>
+            </a:extLst>
+          </a:blip>
+          <a:srcRect t="5113" b="5382"/>
+          <a:stretch/>
+        </p:blipFill>
+        <p:spPr>
+          <a:xfrm>
+            <a:off x="4310196" y="449384"/>
+            <a:ext cx="611155" cy="547005"/>
+          </a:xfrm>
+          <a:prstGeom prst="rect">
+            <a:avLst/>
+          </a:prstGeom>
+        </p:spPr>
+      </p:pic>
+      <p:grpSp>
+        <p:nvGrpSpPr>
+          <p:cNvPr id="14" name="Group 13"/>
+          <p:cNvGrpSpPr/>
+          <p:nvPr/>
+        </p:nvGrpSpPr>
+        <p:grpSpPr>
+          <a:xfrm>
+            <a:off x="2137924" y="449384"/>
+            <a:ext cx="761394" cy="701823"/>
+            <a:chOff x="2454472" y="621868"/>
+            <a:chExt cx="761394" cy="701823"/>
+          </a:xfrm>
+        </p:grpSpPr>
+        <p:pic>
+          <p:nvPicPr>
+            <p:cNvPr id="11" name="Picture 10"/>
+            <p:cNvPicPr>
+              <a:picLocks noChangeAspect="1"/>
+            </p:cNvPicPr>
+            <p:nvPr/>
+          </p:nvPicPr>
+          <p:blipFill rotWithShape="1">
+            <a:blip r:embed="rId3" cstate="print">
+              <a:extLst>
+                <a:ext uri="{28A0092B-C50C-407E-A947-70E740481C1C}">
+                  <a14:useLocalDpi xmlns:a14="http://schemas.microsoft.com/office/drawing/2010/main" val="0"/>
+                </a:ext>
+              </a:extLst>
+            </a:blip>
+            <a:srcRect t="5113" b="5382"/>
+            <a:stretch/>
+          </p:blipFill>
+          <p:spPr>
+            <a:xfrm>
+              <a:off x="2454472" y="621868"/>
+              <a:ext cx="611155" cy="547005"/>
+            </a:xfrm>
+            <a:prstGeom prst="rect">
+              <a:avLst/>
+            </a:prstGeom>
+          </p:spPr>
+        </p:pic>
+        <p:pic>
+          <p:nvPicPr>
+            <p:cNvPr id="12" name="Picture 11"/>
+            <p:cNvPicPr>
+              <a:picLocks noChangeAspect="1"/>
+            </p:cNvPicPr>
+            <p:nvPr/>
+          </p:nvPicPr>
+          <p:blipFill>
+            <a:blip r:embed="rId4" cstate="print">
+              <a:extLst>
+                <a:ext uri="{28A0092B-C50C-407E-A947-70E740481C1C}">
+                  <a14:useLocalDpi xmlns:a14="http://schemas.microsoft.com/office/drawing/2010/main" val="0"/>
+                </a:ext>
+              </a:extLst>
+            </a:blip>
+            <a:stretch>
+              <a:fillRect/>
+            </a:stretch>
+          </p:blipFill>
+          <p:spPr>
+            <a:xfrm>
+              <a:off x="2672963" y="780788"/>
+              <a:ext cx="542903" cy="542903"/>
+            </a:xfrm>
+            <a:prstGeom prst="rect">
+              <a:avLst/>
+            </a:prstGeom>
+          </p:spPr>
+        </p:pic>
+      </p:grpSp>
+      <p:pic>
+        <p:nvPicPr>
+          <p:cNvPr id="13" name="Picture 12"/>
+          <p:cNvPicPr>
+            <a:picLocks noChangeAspect="1"/>
+          </p:cNvPicPr>
+          <p:nvPr/>
+        </p:nvPicPr>
+        <p:blipFill>
+          <a:blip r:embed="rId4" cstate="print">
+            <a:extLst>
+              <a:ext uri="{28A0092B-C50C-407E-A947-70E740481C1C}">
+                <a14:useLocalDpi xmlns:a14="http://schemas.microsoft.com/office/drawing/2010/main" val="0"/>
+              </a:ext>
+            </a:extLst>
+          </a:blip>
+          <a:stretch>
+            <a:fillRect/>
+          </a:stretch>
+        </p:blipFill>
+        <p:spPr>
+          <a:xfrm>
+            <a:off x="218241" y="530282"/>
+            <a:ext cx="542903" cy="542903"/>
+          </a:xfrm>
+          <a:prstGeom prst="rect">
+            <a:avLst/>
+          </a:prstGeom>
+        </p:spPr>
+      </p:pic>
+      <p:cxnSp>
+        <p:nvCxnSpPr>
+          <p:cNvPr id="16" name="Straight Arrow Connector 15"/>
+          <p:cNvCxnSpPr/>
+          <p:nvPr/>
+        </p:nvCxnSpPr>
+        <p:spPr>
+          <a:xfrm>
+            <a:off x="497593" y="1771769"/>
+            <a:ext cx="2164399" cy="0"/>
+          </a:xfrm>
+          <a:prstGeom prst="straightConnector1">
+            <a:avLst/>
+          </a:prstGeom>
+          <a:ln w="19050">
+            <a:tailEnd type="triangle"/>
+          </a:ln>
+        </p:spPr>
+        <p:style>
+          <a:lnRef idx="1">
+            <a:schemeClr val="dk1"/>
+          </a:lnRef>
+          <a:fillRef idx="0">
+            <a:schemeClr val="dk1"/>
+          </a:fillRef>
+          <a:effectRef idx="0">
+            <a:schemeClr val="dk1"/>
+          </a:effectRef>
+          <a:fontRef idx="minor">
+            <a:schemeClr val="tx1"/>
+          </a:fontRef>
+        </p:style>
+      </p:cxnSp>
+      <p:sp>
+        <p:nvSpPr>
+          <p:cNvPr id="17" name="TextBox 16"/>
+          <p:cNvSpPr txBox="1"/>
+          <p:nvPr/>
+        </p:nvSpPr>
+        <p:spPr>
+          <a:xfrm>
+            <a:off x="1199128" y="1589828"/>
+            <a:ext cx="789896" cy="369332"/>
+          </a:xfrm>
+          <a:prstGeom prst="rect">
+            <a:avLst/>
+          </a:prstGeom>
+          <a:solidFill>
+            <a:schemeClr val="bg1"/>
+          </a:solidFill>
+        </p:spPr>
+        <p:txBody>
+          <a:bodyPr wrap="none" rtlCol="0">
+            <a:spAutoFit/>
+          </a:bodyPr>
+          <a:lstStyle/>
+          <a:p>
+            <a:r>
+              <a:rPr lang="en-US" dirty="0"/>
+              <a:t>Attach</a:t>
+            </a:r>
+          </a:p>
+        </p:txBody>
+      </p:sp>
+      <p:cxnSp>
+        <p:nvCxnSpPr>
+          <p:cNvPr id="20" name="Straight Arrow Connector 19"/>
+          <p:cNvCxnSpPr/>
+          <p:nvPr/>
+        </p:nvCxnSpPr>
+        <p:spPr>
+          <a:xfrm flipH="1">
+            <a:off x="2672924" y="2629712"/>
+            <a:ext cx="2157693" cy="0"/>
+          </a:xfrm>
+          <a:prstGeom prst="straightConnector1">
+            <a:avLst/>
+          </a:prstGeom>
+          <a:ln w="19050">
+            <a:tailEnd type="triangle"/>
+          </a:ln>
+        </p:spPr>
+        <p:style>
+          <a:lnRef idx="1">
+            <a:schemeClr val="dk1"/>
+          </a:lnRef>
+          <a:fillRef idx="0">
+            <a:schemeClr val="dk1"/>
+          </a:fillRef>
+          <a:effectRef idx="0">
+            <a:schemeClr val="dk1"/>
+          </a:effectRef>
+          <a:fontRef idx="minor">
+            <a:schemeClr val="tx1"/>
+          </a:fontRef>
+        </p:style>
+      </p:cxnSp>
+      <p:cxnSp>
+        <p:nvCxnSpPr>
+          <p:cNvPr id="23" name="Straight Connector 22"/>
+          <p:cNvCxnSpPr/>
+          <p:nvPr/>
+        </p:nvCxnSpPr>
+        <p:spPr>
+          <a:xfrm>
+            <a:off x="497593" y="1669244"/>
+            <a:ext cx="0" cy="2921236"/>
+          </a:xfrm>
+          <a:prstGeom prst="line">
+            <a:avLst/>
+          </a:prstGeom>
+          <a:ln w="12700"/>
+        </p:spPr>
+        <p:style>
+          <a:lnRef idx="1">
+            <a:schemeClr val="dk1"/>
+          </a:lnRef>
+          <a:fillRef idx="0">
+            <a:schemeClr val="dk1"/>
+          </a:fillRef>
+          <a:effectRef idx="0">
+            <a:schemeClr val="dk1"/>
+          </a:effectRef>
+          <a:fontRef idx="minor">
+            <a:schemeClr val="tx1"/>
+          </a:fontRef>
+        </p:style>
+      </p:cxnSp>
+      <p:cxnSp>
+        <p:nvCxnSpPr>
+          <p:cNvPr id="24" name="Straight Connector 23"/>
+          <p:cNvCxnSpPr/>
+          <p:nvPr/>
+        </p:nvCxnSpPr>
+        <p:spPr>
+          <a:xfrm>
+            <a:off x="2672923" y="1501507"/>
+            <a:ext cx="0" cy="3531332"/>
+          </a:xfrm>
+          <a:prstGeom prst="line">
+            <a:avLst/>
+          </a:prstGeom>
+          <a:ln w="12700"/>
+        </p:spPr>
+        <p:style>
+          <a:lnRef idx="1">
+            <a:schemeClr val="dk1"/>
+          </a:lnRef>
+          <a:fillRef idx="0">
+            <a:schemeClr val="dk1"/>
+          </a:fillRef>
+          <a:effectRef idx="0">
+            <a:schemeClr val="dk1"/>
+          </a:effectRef>
+          <a:fontRef idx="minor">
+            <a:schemeClr val="tx1"/>
+          </a:fontRef>
+        </p:style>
+      </p:cxnSp>
+      <p:cxnSp>
+        <p:nvCxnSpPr>
+          <p:cNvPr id="25" name="Straight Connector 24"/>
+          <p:cNvCxnSpPr/>
+          <p:nvPr/>
+        </p:nvCxnSpPr>
+        <p:spPr>
+          <a:xfrm>
+            <a:off x="4830618" y="1669244"/>
+            <a:ext cx="0" cy="3363595"/>
+          </a:xfrm>
+          <a:prstGeom prst="line">
+            <a:avLst/>
+          </a:prstGeom>
+          <a:ln w="12700"/>
+        </p:spPr>
+        <p:style>
+          <a:lnRef idx="1">
+            <a:schemeClr val="dk1"/>
+          </a:lnRef>
+          <a:fillRef idx="0">
+            <a:schemeClr val="dk1"/>
+          </a:fillRef>
+          <a:effectRef idx="0">
+            <a:schemeClr val="dk1"/>
+          </a:effectRef>
+          <a:fontRef idx="minor">
+            <a:schemeClr val="tx1"/>
+          </a:fontRef>
+        </p:style>
+      </p:cxnSp>
+      <p:sp>
+        <p:nvSpPr>
+          <p:cNvPr id="21" name="TextBox 20"/>
+          <p:cNvSpPr txBox="1"/>
+          <p:nvPr/>
+        </p:nvSpPr>
+        <p:spPr>
+          <a:xfrm>
+            <a:off x="-19247" y="1146212"/>
+            <a:ext cx="1091517" cy="369332"/>
+          </a:xfrm>
+          <a:prstGeom prst="rect">
+            <a:avLst/>
+          </a:prstGeom>
+          <a:noFill/>
+        </p:spPr>
+        <p:txBody>
+          <a:bodyPr wrap="none" rtlCol="0">
+            <a:spAutoFit/>
+          </a:bodyPr>
+          <a:lstStyle/>
+          <a:p>
+            <a:r>
+              <a:rPr lang="en-US" b="1" dirty="0"/>
+              <a:t>Firmware</a:t>
+            </a:r>
+          </a:p>
+        </p:txBody>
+      </p:sp>
+      <p:sp>
+        <p:nvSpPr>
+          <p:cNvPr id="22" name="TextBox 21"/>
+          <p:cNvSpPr txBox="1"/>
+          <p:nvPr/>
+        </p:nvSpPr>
+        <p:spPr>
+          <a:xfrm>
+            <a:off x="1484167" y="1146212"/>
+            <a:ext cx="1918667" cy="369332"/>
+          </a:xfrm>
+          <a:prstGeom prst="rect">
+            <a:avLst/>
+          </a:prstGeom>
+          <a:noFill/>
+        </p:spPr>
+        <p:txBody>
+          <a:bodyPr wrap="none" rtlCol="0">
+            <a:spAutoFit/>
+          </a:bodyPr>
+          <a:lstStyle/>
+          <a:p>
+            <a:r>
+              <a:rPr lang="en-US" b="1" dirty="0"/>
+              <a:t>Controller enclave</a:t>
+            </a:r>
+          </a:p>
+        </p:txBody>
+      </p:sp>
+      <p:sp>
+        <p:nvSpPr>
+          <p:cNvPr id="26" name="TextBox 25"/>
+          <p:cNvSpPr txBox="1"/>
+          <p:nvPr/>
+        </p:nvSpPr>
+        <p:spPr>
+          <a:xfrm>
+            <a:off x="3565706" y="1146212"/>
+            <a:ext cx="2049728" cy="369332"/>
+          </a:xfrm>
+          <a:prstGeom prst="rect">
+            <a:avLst/>
+          </a:prstGeom>
+          <a:noFill/>
+        </p:spPr>
+        <p:txBody>
+          <a:bodyPr wrap="none" rtlCol="0">
+            <a:spAutoFit/>
+          </a:bodyPr>
+          <a:lstStyle/>
+          <a:p>
+            <a:r>
+              <a:rPr lang="en-US" b="1" dirty="0"/>
+              <a:t>Application enclave</a:t>
+            </a:r>
+          </a:p>
+        </p:txBody>
+      </p:sp>
+      <p:sp>
+        <p:nvSpPr>
+          <p:cNvPr id="30" name="TextBox 29"/>
+          <p:cNvSpPr txBox="1"/>
+          <p:nvPr/>
+        </p:nvSpPr>
+        <p:spPr>
+          <a:xfrm>
+            <a:off x="3212500" y="2450085"/>
+            <a:ext cx="963725" cy="369332"/>
+          </a:xfrm>
+          <a:prstGeom prst="rect">
+            <a:avLst/>
+          </a:prstGeom>
+          <a:solidFill>
+            <a:schemeClr val="bg1"/>
+          </a:solidFill>
+        </p:spPr>
+        <p:txBody>
+          <a:bodyPr wrap="none" rtlCol="0">
+            <a:spAutoFit/>
+          </a:bodyPr>
+          <a:lstStyle/>
+          <a:p>
+            <a:r>
+              <a:rPr lang="en-US" dirty="0"/>
+              <a:t>Connect</a:t>
+            </a:r>
+          </a:p>
+        </p:txBody>
+      </p:sp>
+      <p:pic>
+        <p:nvPicPr>
+          <p:cNvPr id="31" name="Picture 30"/>
+          <p:cNvPicPr>
+            <a:picLocks noChangeAspect="1"/>
+          </p:cNvPicPr>
+          <p:nvPr/>
+        </p:nvPicPr>
+        <p:blipFill>
+          <a:blip r:embed="rId5" cstate="print">
+            <a:extLst>
+              <a:ext uri="{28A0092B-C50C-407E-A947-70E740481C1C}">
+                <a14:useLocalDpi xmlns:a14="http://schemas.microsoft.com/office/drawing/2010/main" val="0"/>
+              </a:ext>
+            </a:extLst>
+          </a:blip>
+          <a:stretch>
+            <a:fillRect/>
+          </a:stretch>
+        </p:blipFill>
+        <p:spPr>
+          <a:xfrm>
+            <a:off x="5873013" y="239941"/>
+            <a:ext cx="736725" cy="736725"/>
+          </a:xfrm>
+          <a:prstGeom prst="rect">
+            <a:avLst/>
+          </a:prstGeom>
+        </p:spPr>
+      </p:pic>
+      <p:sp>
+        <p:nvSpPr>
+          <p:cNvPr id="34" name="TextBox 33"/>
+          <p:cNvSpPr txBox="1"/>
+          <p:nvPr/>
+        </p:nvSpPr>
+        <p:spPr>
+          <a:xfrm>
+            <a:off x="5697837" y="1024267"/>
+            <a:ext cx="1188269" cy="646331"/>
+          </a:xfrm>
+          <a:prstGeom prst="rect">
+            <a:avLst/>
+          </a:prstGeom>
+          <a:noFill/>
+        </p:spPr>
+        <p:txBody>
+          <a:bodyPr wrap="square" rtlCol="0">
+            <a:spAutoFit/>
+          </a:bodyPr>
+          <a:lstStyle/>
+          <a:p>
+            <a:pPr algn="ctr"/>
+            <a:r>
+              <a:rPr lang="en-US" b="1" dirty="0"/>
+              <a:t>Remote verifier</a:t>
+            </a:r>
+          </a:p>
+        </p:txBody>
+      </p:sp>
+      <p:cxnSp>
+        <p:nvCxnSpPr>
+          <p:cNvPr id="39" name="Straight Arrow Connector 38"/>
+          <p:cNvCxnSpPr/>
+          <p:nvPr/>
+        </p:nvCxnSpPr>
+        <p:spPr>
+          <a:xfrm flipH="1">
+            <a:off x="4830621" y="2275568"/>
+            <a:ext cx="1474073" cy="0"/>
+          </a:xfrm>
+          <a:prstGeom prst="straightConnector1">
+            <a:avLst/>
+          </a:prstGeom>
+          <a:ln w="19050">
+            <a:tailEnd type="triangle"/>
+          </a:ln>
+        </p:spPr>
+        <p:style>
+          <a:lnRef idx="1">
+            <a:schemeClr val="dk1"/>
+          </a:lnRef>
+          <a:fillRef idx="0">
+            <a:schemeClr val="dk1"/>
+          </a:fillRef>
+          <a:effectRef idx="0">
+            <a:schemeClr val="dk1"/>
+          </a:effectRef>
+          <a:fontRef idx="minor">
+            <a:schemeClr val="tx1"/>
+          </a:fontRef>
+        </p:style>
+      </p:cxnSp>
+      <p:sp>
+        <p:nvSpPr>
+          <p:cNvPr id="40" name="TextBox 39"/>
+          <p:cNvSpPr txBox="1"/>
+          <p:nvPr/>
+        </p:nvSpPr>
+        <p:spPr>
+          <a:xfrm>
+            <a:off x="4981299" y="1936304"/>
+            <a:ext cx="1200008" cy="646331"/>
+          </a:xfrm>
+          <a:prstGeom prst="rect">
+            <a:avLst/>
+          </a:prstGeom>
+          <a:solidFill>
+            <a:schemeClr val="bg1"/>
+          </a:solidFill>
+        </p:spPr>
+        <p:txBody>
+          <a:bodyPr wrap="none" rtlCol="0">
+            <a:spAutoFit/>
+          </a:bodyPr>
+          <a:lstStyle/>
+          <a:p>
+            <a:pPr algn="ctr"/>
+            <a:r>
+              <a:rPr lang="en-US" dirty="0"/>
+              <a:t>Remote </a:t>
+            </a:r>
+          </a:p>
+          <a:p>
+            <a:pPr algn="ctr"/>
+            <a:r>
+              <a:rPr lang="en-US" dirty="0"/>
+              <a:t>attestation</a:t>
+            </a:r>
+          </a:p>
+        </p:txBody>
+      </p:sp>
+      <p:cxnSp>
+        <p:nvCxnSpPr>
+          <p:cNvPr id="41" name="Straight Connector 40"/>
+          <p:cNvCxnSpPr/>
+          <p:nvPr/>
+        </p:nvCxnSpPr>
+        <p:spPr>
+          <a:xfrm>
+            <a:off x="6298516" y="1700136"/>
+            <a:ext cx="0" cy="2747101"/>
+          </a:xfrm>
+          <a:prstGeom prst="line">
+            <a:avLst/>
+          </a:prstGeom>
+          <a:ln w="12700"/>
+        </p:spPr>
+        <p:style>
+          <a:lnRef idx="1">
+            <a:schemeClr val="dk1"/>
+          </a:lnRef>
+          <a:fillRef idx="0">
+            <a:schemeClr val="dk1"/>
+          </a:fillRef>
+          <a:effectRef idx="0">
+            <a:schemeClr val="dk1"/>
+          </a:effectRef>
+          <a:fontRef idx="minor">
+            <a:schemeClr val="tx1"/>
+          </a:fontRef>
+        </p:style>
+      </p:cxnSp>
+      <p:cxnSp>
+        <p:nvCxnSpPr>
+          <p:cNvPr id="48" name="Straight Arrow Connector 47"/>
+          <p:cNvCxnSpPr/>
+          <p:nvPr/>
+        </p:nvCxnSpPr>
+        <p:spPr>
+          <a:xfrm flipH="1">
+            <a:off x="4833287" y="1814638"/>
+            <a:ext cx="1471407" cy="0"/>
+          </a:xfrm>
+          <a:prstGeom prst="straightConnector1">
+            <a:avLst/>
+          </a:prstGeom>
+          <a:ln w="19050">
+            <a:tailEnd type="triangle"/>
+          </a:ln>
+        </p:spPr>
+        <p:style>
+          <a:lnRef idx="1">
+            <a:schemeClr val="dk1"/>
+          </a:lnRef>
+          <a:fillRef idx="0">
+            <a:schemeClr val="dk1"/>
+          </a:fillRef>
+          <a:effectRef idx="0">
+            <a:schemeClr val="dk1"/>
+          </a:effectRef>
+          <a:fontRef idx="minor">
+            <a:schemeClr val="tx1"/>
+          </a:fontRef>
+        </p:style>
+      </p:cxnSp>
+      <p:sp>
+        <p:nvSpPr>
+          <p:cNvPr id="49" name="TextBox 48"/>
+          <p:cNvSpPr txBox="1"/>
+          <p:nvPr/>
+        </p:nvSpPr>
+        <p:spPr>
+          <a:xfrm>
+            <a:off x="5093069" y="1635011"/>
+            <a:ext cx="842282" cy="369332"/>
+          </a:xfrm>
+          <a:prstGeom prst="rect">
+            <a:avLst/>
+          </a:prstGeom>
+          <a:solidFill>
+            <a:schemeClr val="bg1"/>
+          </a:solidFill>
+        </p:spPr>
+        <p:txBody>
+          <a:bodyPr wrap="none" rtlCol="0">
+            <a:spAutoFit/>
+          </a:bodyPr>
+          <a:lstStyle/>
+          <a:p>
+            <a:r>
+              <a:rPr lang="en-US" dirty="0"/>
+              <a:t>Deploy</a:t>
+            </a:r>
+          </a:p>
+        </p:txBody>
+      </p:sp>
+      <p:sp>
+        <p:nvSpPr>
+          <p:cNvPr id="36" name="Rounded Rectangle 35"/>
+          <p:cNvSpPr/>
+          <p:nvPr/>
+        </p:nvSpPr>
+        <p:spPr>
+          <a:xfrm>
+            <a:off x="307034" y="1945489"/>
+            <a:ext cx="2484475" cy="357082"/>
+          </a:xfrm>
+          <a:prstGeom prst="roundRect">
+            <a:avLst>
+              <a:gd name="adj" fmla="val 5919"/>
+            </a:avLst>
+          </a:prstGeom>
+          <a:solidFill>
+            <a:srgbClr val="E2F0D9"/>
+          </a:solidFill>
+          <a:ln>
+            <a:solidFill>
+              <a:schemeClr val="tx1"/>
+            </a:solidFill>
+          </a:ln>
+        </p:spPr>
+        <p:style>
+          <a:lnRef idx="2">
+            <a:schemeClr val="accent4">
+              <a:shade val="50000"/>
+            </a:schemeClr>
+          </a:lnRef>
+          <a:fillRef idx="1">
+            <a:schemeClr val="accent4"/>
+          </a:fillRef>
+          <a:effectRef idx="0">
+            <a:schemeClr val="accent4"/>
+          </a:effectRef>
+          <a:fontRef idx="minor">
+            <a:schemeClr val="lt1"/>
+          </a:fontRef>
+        </p:style>
+        <p:txBody>
+          <a:bodyPr rtlCol="0" anchor="ctr"/>
+          <a:lstStyle/>
+          <a:p>
+            <a:pPr algn="ctr"/>
+            <a:endParaRPr lang="en-US"/>
+          </a:p>
+        </p:txBody>
+      </p:sp>
+      <p:sp>
+        <p:nvSpPr>
+          <p:cNvPr id="37" name="TextBox 36"/>
+          <p:cNvSpPr txBox="1"/>
+          <p:nvPr/>
+        </p:nvSpPr>
+        <p:spPr>
+          <a:xfrm>
+            <a:off x="272727" y="1933239"/>
+            <a:ext cx="2530476" cy="369332"/>
+          </a:xfrm>
+          <a:prstGeom prst="rect">
+            <a:avLst/>
+          </a:prstGeom>
+          <a:noFill/>
+        </p:spPr>
+        <p:txBody>
+          <a:bodyPr wrap="square" rtlCol="0">
+            <a:spAutoFit/>
+          </a:bodyPr>
+          <a:lstStyle/>
+          <a:p>
+            <a:pPr algn="ctr"/>
+            <a:r>
+              <a:rPr lang="en-US" dirty="0"/>
+              <a:t>Establish shared memory</a:t>
+            </a:r>
+          </a:p>
+        </p:txBody>
+      </p:sp>
+      <p:sp>
+        <p:nvSpPr>
+          <p:cNvPr id="43" name="Rounded Rectangle 42"/>
+          <p:cNvSpPr/>
+          <p:nvPr/>
+        </p:nvSpPr>
+        <p:spPr>
+          <a:xfrm>
+            <a:off x="2561561" y="2760612"/>
+            <a:ext cx="2484475" cy="357082"/>
+          </a:xfrm>
+          <a:prstGeom prst="roundRect">
+            <a:avLst>
+              <a:gd name="adj" fmla="val 5919"/>
+            </a:avLst>
+          </a:prstGeom>
+          <a:solidFill>
+            <a:srgbClr val="E2F0D9"/>
+          </a:solidFill>
+          <a:ln>
+            <a:solidFill>
+              <a:schemeClr val="tx1"/>
+            </a:solidFill>
+          </a:ln>
+        </p:spPr>
+        <p:style>
+          <a:lnRef idx="2">
+            <a:schemeClr val="accent4">
+              <a:shade val="50000"/>
+            </a:schemeClr>
+          </a:lnRef>
+          <a:fillRef idx="1">
+            <a:schemeClr val="accent4"/>
+          </a:fillRef>
+          <a:effectRef idx="0">
+            <a:schemeClr val="accent4"/>
+          </a:effectRef>
+          <a:fontRef idx="minor">
+            <a:schemeClr val="lt1"/>
+          </a:fontRef>
+        </p:style>
+        <p:txBody>
+          <a:bodyPr rtlCol="0" anchor="ctr"/>
+          <a:lstStyle/>
+          <a:p>
+            <a:pPr algn="ctr"/>
+            <a:endParaRPr lang="en-US"/>
+          </a:p>
+        </p:txBody>
+      </p:sp>
+      <p:sp>
+        <p:nvSpPr>
+          <p:cNvPr id="44" name="TextBox 43"/>
+          <p:cNvSpPr txBox="1"/>
+          <p:nvPr/>
+        </p:nvSpPr>
+        <p:spPr>
+          <a:xfrm>
+            <a:off x="2531195" y="2748362"/>
+            <a:ext cx="2530476" cy="369332"/>
+          </a:xfrm>
+          <a:prstGeom prst="rect">
+            <a:avLst/>
+          </a:prstGeom>
+          <a:noFill/>
+        </p:spPr>
+        <p:txBody>
+          <a:bodyPr wrap="square" rtlCol="0">
+            <a:spAutoFit/>
+          </a:bodyPr>
+          <a:lstStyle/>
+          <a:p>
+            <a:pPr algn="ctr"/>
+            <a:r>
+              <a:rPr lang="en-US" dirty="0"/>
+              <a:t>Establish shared memory</a:t>
+            </a:r>
+          </a:p>
+        </p:txBody>
+      </p:sp>
+      <p:sp>
+        <p:nvSpPr>
+          <p:cNvPr id="53" name="Rounded Rectangle 52"/>
+          <p:cNvSpPr/>
+          <p:nvPr/>
+        </p:nvSpPr>
+        <p:spPr>
+          <a:xfrm>
+            <a:off x="314864" y="4553401"/>
+            <a:ext cx="2484475" cy="357082"/>
+          </a:xfrm>
+          <a:prstGeom prst="roundRect">
+            <a:avLst>
+              <a:gd name="adj" fmla="val 5919"/>
+            </a:avLst>
+          </a:prstGeom>
+          <a:solidFill>
+            <a:srgbClr val="E2F0D9"/>
+          </a:solidFill>
+          <a:ln>
+            <a:solidFill>
+              <a:schemeClr val="tx1"/>
+            </a:solidFill>
+          </a:ln>
+        </p:spPr>
+        <p:style>
+          <a:lnRef idx="2">
+            <a:schemeClr val="accent4">
+              <a:shade val="50000"/>
+            </a:schemeClr>
+          </a:lnRef>
+          <a:fillRef idx="1">
+            <a:schemeClr val="accent4"/>
+          </a:fillRef>
+          <a:effectRef idx="0">
+            <a:schemeClr val="accent4"/>
+          </a:effectRef>
+          <a:fontRef idx="minor">
+            <a:schemeClr val="lt1"/>
+          </a:fontRef>
+        </p:style>
+        <p:txBody>
+          <a:bodyPr rtlCol="0" anchor="ctr"/>
+          <a:lstStyle/>
+          <a:p>
+            <a:pPr algn="ctr"/>
+            <a:endParaRPr lang="en-US"/>
+          </a:p>
+        </p:txBody>
+      </p:sp>
+      <p:sp>
+        <p:nvSpPr>
+          <p:cNvPr id="54" name="TextBox 53"/>
+          <p:cNvSpPr txBox="1"/>
+          <p:nvPr/>
+        </p:nvSpPr>
+        <p:spPr>
+          <a:xfrm>
+            <a:off x="276280" y="4541151"/>
+            <a:ext cx="2530476" cy="369332"/>
+          </a:xfrm>
+          <a:prstGeom prst="rect">
+            <a:avLst/>
+          </a:prstGeom>
+          <a:noFill/>
+        </p:spPr>
+        <p:txBody>
+          <a:bodyPr wrap="square" rtlCol="0">
+            <a:spAutoFit/>
+          </a:bodyPr>
+          <a:lstStyle/>
+          <a:p>
+            <a:pPr algn="ctr"/>
+            <a:r>
+              <a:rPr lang="en-US" dirty="0"/>
+              <a:t>Shared memory </a:t>
+            </a:r>
+            <a:r>
+              <a:rPr lang="en-US" dirty="0" err="1"/>
+              <a:t>comm</a:t>
+            </a:r>
+            <a:endParaRPr lang="en-US" dirty="0"/>
+          </a:p>
+        </p:txBody>
+      </p:sp>
+      <p:sp>
+        <p:nvSpPr>
+          <p:cNvPr id="55" name="Rounded Rectangle 54"/>
+          <p:cNvSpPr/>
+          <p:nvPr/>
+        </p:nvSpPr>
+        <p:spPr>
+          <a:xfrm>
+            <a:off x="2508005" y="4995760"/>
+            <a:ext cx="2484475" cy="357082"/>
+          </a:xfrm>
+          <a:prstGeom prst="roundRect">
+            <a:avLst>
+              <a:gd name="adj" fmla="val 5919"/>
+            </a:avLst>
+          </a:prstGeom>
+          <a:solidFill>
+            <a:srgbClr val="E2F0D9"/>
+          </a:solidFill>
+          <a:ln>
+            <a:solidFill>
+              <a:schemeClr val="tx1"/>
+            </a:solidFill>
+          </a:ln>
+        </p:spPr>
+        <p:style>
+          <a:lnRef idx="2">
+            <a:schemeClr val="accent4">
+              <a:shade val="50000"/>
+            </a:schemeClr>
+          </a:lnRef>
+          <a:fillRef idx="1">
+            <a:schemeClr val="accent4"/>
+          </a:fillRef>
+          <a:effectRef idx="0">
+            <a:schemeClr val="accent4"/>
+          </a:effectRef>
+          <a:fontRef idx="minor">
+            <a:schemeClr val="lt1"/>
+          </a:fontRef>
+        </p:style>
+        <p:txBody>
+          <a:bodyPr rtlCol="0" anchor="ctr"/>
+          <a:lstStyle/>
+          <a:p>
+            <a:pPr algn="ctr"/>
+            <a:endParaRPr lang="en-US"/>
+          </a:p>
+        </p:txBody>
+      </p:sp>
+      <p:sp>
+        <p:nvSpPr>
+          <p:cNvPr id="56" name="TextBox 55"/>
+          <p:cNvSpPr txBox="1"/>
+          <p:nvPr/>
+        </p:nvSpPr>
+        <p:spPr>
+          <a:xfrm>
+            <a:off x="2469421" y="4983510"/>
+            <a:ext cx="2530476" cy="369332"/>
+          </a:xfrm>
+          <a:prstGeom prst="rect">
+            <a:avLst/>
+          </a:prstGeom>
+          <a:noFill/>
+        </p:spPr>
+        <p:txBody>
+          <a:bodyPr wrap="square" rtlCol="0">
+            <a:spAutoFit/>
+          </a:bodyPr>
+          <a:lstStyle/>
+          <a:p>
+            <a:pPr algn="ctr"/>
+            <a:r>
+              <a:rPr lang="en-US" dirty="0"/>
+              <a:t>Shared memory </a:t>
+            </a:r>
+            <a:r>
+              <a:rPr lang="en-US" dirty="0" err="1"/>
+              <a:t>comm</a:t>
+            </a:r>
+            <a:endParaRPr lang="en-US" dirty="0"/>
+          </a:p>
+        </p:txBody>
+      </p:sp>
+      <p:cxnSp>
+        <p:nvCxnSpPr>
+          <p:cNvPr id="58" name="Curved Connector 57"/>
+          <p:cNvCxnSpPr>
+            <a:stCxn id="54" idx="3"/>
+            <a:endCxn id="56" idx="0"/>
+          </p:cNvCxnSpPr>
+          <p:nvPr/>
+        </p:nvCxnSpPr>
+        <p:spPr>
+          <a:xfrm>
+            <a:off x="2806756" y="4725817"/>
+            <a:ext cx="927903" cy="257693"/>
+          </a:xfrm>
+          <a:prstGeom prst="curvedConnector2">
+            <a:avLst/>
+          </a:prstGeom>
+          <a:ln w="12700">
+            <a:headEnd type="triangle"/>
+            <a:tailEnd type="triangle"/>
+          </a:ln>
+        </p:spPr>
+        <p:style>
+          <a:lnRef idx="1">
+            <a:schemeClr val="dk1"/>
+          </a:lnRef>
+          <a:fillRef idx="0">
+            <a:schemeClr val="dk1"/>
+          </a:fillRef>
+          <a:effectRef idx="0">
+            <a:schemeClr val="dk1"/>
+          </a:effectRef>
+          <a:fontRef idx="minor">
+            <a:schemeClr val="tx1"/>
+          </a:fontRef>
+        </p:style>
+      </p:cxnSp>
+      <p:cxnSp>
+        <p:nvCxnSpPr>
+          <p:cNvPr id="57" name="Straight Arrow Connector 56"/>
+          <p:cNvCxnSpPr/>
+          <p:nvPr/>
+        </p:nvCxnSpPr>
+        <p:spPr>
+          <a:xfrm flipH="1">
+            <a:off x="2672924" y="3732606"/>
+            <a:ext cx="3631770" cy="0"/>
+          </a:xfrm>
+          <a:prstGeom prst="straightConnector1">
+            <a:avLst/>
+          </a:prstGeom>
+          <a:ln w="19050">
+            <a:tailEnd type="triangle"/>
+          </a:ln>
+        </p:spPr>
+        <p:style>
+          <a:lnRef idx="1">
+            <a:schemeClr val="dk1"/>
+          </a:lnRef>
+          <a:fillRef idx="0">
+            <a:schemeClr val="dk1"/>
+          </a:fillRef>
+          <a:effectRef idx="0">
+            <a:schemeClr val="dk1"/>
+          </a:effectRef>
+          <a:fontRef idx="minor">
+            <a:schemeClr val="tx1"/>
+          </a:fontRef>
+        </p:style>
+      </p:cxnSp>
+      <p:sp>
+        <p:nvSpPr>
+          <p:cNvPr id="59" name="TextBox 58"/>
+          <p:cNvSpPr txBox="1"/>
+          <p:nvPr/>
+        </p:nvSpPr>
+        <p:spPr>
+          <a:xfrm>
+            <a:off x="3356823" y="3537851"/>
+            <a:ext cx="1972944" cy="369332"/>
+          </a:xfrm>
+          <a:prstGeom prst="rect">
+            <a:avLst/>
+          </a:prstGeom>
+          <a:solidFill>
+            <a:schemeClr val="bg1"/>
+          </a:solidFill>
+        </p:spPr>
+        <p:txBody>
+          <a:bodyPr wrap="square" rtlCol="0">
+            <a:spAutoFit/>
+          </a:bodyPr>
+          <a:lstStyle/>
+          <a:p>
+            <a:pPr algn="ctr"/>
+            <a:r>
+              <a:rPr lang="en-US" dirty="0"/>
+              <a:t>Remote attestation</a:t>
+            </a:r>
+          </a:p>
+        </p:txBody>
+      </p:sp>
+      <p:cxnSp>
+        <p:nvCxnSpPr>
+          <p:cNvPr id="60" name="Straight Arrow Connector 59"/>
+          <p:cNvCxnSpPr/>
+          <p:nvPr/>
+        </p:nvCxnSpPr>
+        <p:spPr>
+          <a:xfrm flipV="1">
+            <a:off x="2672642" y="4082907"/>
+            <a:ext cx="3632052" cy="14030"/>
+          </a:xfrm>
+          <a:prstGeom prst="straightConnector1">
+            <a:avLst/>
+          </a:prstGeom>
+          <a:ln w="19050">
+            <a:tailEnd type="triangle"/>
+          </a:ln>
+        </p:spPr>
+        <p:style>
+          <a:lnRef idx="1">
+            <a:schemeClr val="dk1"/>
+          </a:lnRef>
+          <a:fillRef idx="0">
+            <a:schemeClr val="dk1"/>
+          </a:fillRef>
+          <a:effectRef idx="0">
+            <a:schemeClr val="dk1"/>
+          </a:effectRef>
+          <a:fontRef idx="minor">
+            <a:schemeClr val="tx1"/>
+          </a:fontRef>
+        </p:style>
+      </p:cxnSp>
+      <p:sp>
+        <p:nvSpPr>
+          <p:cNvPr id="61" name="TextBox 60"/>
+          <p:cNvSpPr txBox="1"/>
+          <p:nvPr/>
+        </p:nvSpPr>
+        <p:spPr>
+          <a:xfrm>
+            <a:off x="3356823" y="3912271"/>
+            <a:ext cx="2139753" cy="369332"/>
+          </a:xfrm>
+          <a:prstGeom prst="rect">
+            <a:avLst/>
+          </a:prstGeom>
+          <a:solidFill>
+            <a:schemeClr val="bg1"/>
+          </a:solidFill>
+        </p:spPr>
+        <p:txBody>
+          <a:bodyPr wrap="none" rtlCol="0">
+            <a:spAutoFit/>
+          </a:bodyPr>
+          <a:lstStyle/>
+          <a:p>
+            <a:pPr algn="ctr"/>
+            <a:r>
+              <a:rPr lang="en-US" dirty="0"/>
+              <a:t>CE + firmware report</a:t>
+            </a:r>
+          </a:p>
+        </p:txBody>
+      </p:sp>
+      <p:sp>
+        <p:nvSpPr>
+          <p:cNvPr id="52" name="TextBox 51"/>
+          <p:cNvSpPr txBox="1"/>
+          <p:nvPr/>
+        </p:nvSpPr>
+        <p:spPr>
+          <a:xfrm>
+            <a:off x="5042960" y="4192077"/>
+            <a:ext cx="1047146" cy="646331"/>
+          </a:xfrm>
+          <a:prstGeom prst="rect">
+            <a:avLst/>
+          </a:prstGeom>
+          <a:solidFill>
+            <a:schemeClr val="bg1"/>
+          </a:solidFill>
+        </p:spPr>
+        <p:txBody>
+          <a:bodyPr wrap="none" rtlCol="0">
+            <a:spAutoFit/>
+          </a:bodyPr>
+          <a:lstStyle/>
+          <a:p>
+            <a:pPr algn="ctr"/>
+            <a:r>
+              <a:rPr lang="en-US" dirty="0"/>
+              <a:t>Secret</a:t>
+            </a:r>
+          </a:p>
+          <a:p>
+            <a:pPr algn="ctr"/>
+            <a:r>
+              <a:rPr lang="en-US" dirty="0"/>
+              <a:t>provision</a:t>
+            </a:r>
+          </a:p>
+        </p:txBody>
+      </p:sp>
+      <p:pic>
+        <p:nvPicPr>
+          <p:cNvPr id="6" name="Picture 5"/>
+          <p:cNvPicPr>
+            <a:picLocks noChangeAspect="1"/>
+          </p:cNvPicPr>
+          <p:nvPr/>
+        </p:nvPicPr>
+        <p:blipFill rotWithShape="1">
+          <a:blip r:embed="rId6" cstate="print">
+            <a:extLst>
+              <a:ext uri="{28A0092B-C50C-407E-A947-70E740481C1C}">
+                <a14:useLocalDpi xmlns:a14="http://schemas.microsoft.com/office/drawing/2010/main" val="0"/>
+              </a:ext>
+            </a:extLst>
+          </a:blip>
+          <a:srcRect t="11125" b="11634"/>
+          <a:stretch/>
+        </p:blipFill>
+        <p:spPr>
+          <a:xfrm>
+            <a:off x="241503" y="78009"/>
+            <a:ext cx="507631" cy="392096"/>
+          </a:xfrm>
+          <a:prstGeom prst="rect">
+            <a:avLst/>
+          </a:prstGeom>
+        </p:spPr>
+      </p:pic>
+    </p:spTree>
+    <p:extLst>
+      <p:ext uri="{BB962C8B-B14F-4D97-AF65-F5344CB8AC3E}">
+        <p14:creationId xmlns:p14="http://schemas.microsoft.com/office/powerpoint/2010/main" val="4265577516"/>
+      </p:ext>
+    </p:extLst>
+  </p:cSld>
+  <p:clrMapOvr>
+    <a:masterClrMapping/>
+  </p:clrMapOvr>
+</p:sld>
+</file>
+
+<file path=ppt/slides/slide11.xml><?xml version="1.0" encoding="utf-8"?>
+<p:sld xmlns:a="http://schemas.openxmlformats.org/drawingml/2006/main" xmlns:r="http://schemas.openxmlformats.org/officeDocument/2006/relationships" xmlns:p="http://schemas.openxmlformats.org/presentationml/2006/main">
+  <p:cSld>
+    <p:spTree>
+      <p:nvGrpSpPr>
+        <p:cNvPr id="1" name=""/>
+        <p:cNvGrpSpPr/>
+        <p:nvPr/>
+      </p:nvGrpSpPr>
+      <p:grpSpPr>
+        <a:xfrm>
+          <a:off x="0" y="0"/>
+          <a:ext cx="0" cy="0"/>
+          <a:chOff x="0" y="0"/>
+          <a:chExt cx="0" cy="0"/>
+        </a:xfrm>
+      </p:grpSpPr>
       <p:sp>
         <p:nvSpPr>
           <p:cNvPr id="4" name="Rectangle 3"/>
@@ -5244,7 +6808,7 @@
 </p:sld>
 </file>
 
-<file path=ppt/slides/slide11.xml><?xml version="1.0" encoding="utf-8"?>
+<file path=ppt/slides/slide12.xml><?xml version="1.0" encoding="utf-8"?>
 <p:sld xmlns:a="http://schemas.openxmlformats.org/drawingml/2006/main" xmlns:r="http://schemas.openxmlformats.org/officeDocument/2006/relationships" xmlns:p="http://schemas.openxmlformats.org/presentationml/2006/main">
   <p:cSld>
     <p:spTree>
@@ -7272,7 +8836,7 @@
 </p:sld>
 </file>
 
-<file path=ppt/slides/slide12.xml><?xml version="1.0" encoding="utf-8"?>
+<file path=ppt/slides/slide13.xml><?xml version="1.0" encoding="utf-8"?>
 <p:sld xmlns:a="http://schemas.openxmlformats.org/drawingml/2006/main" xmlns:r="http://schemas.openxmlformats.org/officeDocument/2006/relationships" xmlns:p="http://schemas.openxmlformats.org/presentationml/2006/main">
   <p:cSld>
     <p:spTree>
@@ -8898,7 +10462,7 @@
 </p:sld>
 </file>
 
-<file path=ppt/slides/slide13.xml><?xml version="1.0" encoding="utf-8"?>
+<file path=ppt/slides/slide14.xml><?xml version="1.0" encoding="utf-8"?>
 <p:sld xmlns:a="http://schemas.openxmlformats.org/drawingml/2006/main" xmlns:r="http://schemas.openxmlformats.org/officeDocument/2006/relationships" xmlns:p="http://schemas.openxmlformats.org/presentationml/2006/main">
   <p:cSld>
     <p:spTree>
@@ -10614,7 +12178,7 @@
 </p:sld>
 </file>
 
-<file path=ppt/slides/slide14.xml><?xml version="1.0" encoding="utf-8"?>
+<file path=ppt/slides/slide15.xml><?xml version="1.0" encoding="utf-8"?>
 <p:sld xmlns:a="http://schemas.openxmlformats.org/drawingml/2006/main" xmlns:r="http://schemas.openxmlformats.org/officeDocument/2006/relationships" xmlns:p="http://schemas.openxmlformats.org/presentationml/2006/main">
   <p:cSld>
     <p:spTree>
@@ -12482,7 +14046,7 @@
 </p:sld>
 </file>
 
-<file path=ppt/slides/slide15.xml><?xml version="1.0" encoding="utf-8"?>
+<file path=ppt/slides/slide16.xml><?xml version="1.0" encoding="utf-8"?>
 <p:sld xmlns:a="http://schemas.openxmlformats.org/drawingml/2006/main" xmlns:r="http://schemas.openxmlformats.org/officeDocument/2006/relationships" xmlns:p="http://schemas.openxmlformats.org/presentationml/2006/main">
   <p:cSld>
     <p:spTree>
@@ -14102,7 +15666,7 @@
 </p:sld>
 </file>
 
-<file path=ppt/slides/slide16.xml><?xml version="1.0" encoding="utf-8"?>
+<file path=ppt/slides/slide17.xml><?xml version="1.0" encoding="utf-8"?>
 <p:sld xmlns:a="http://schemas.openxmlformats.org/drawingml/2006/main" xmlns:r="http://schemas.openxmlformats.org/officeDocument/2006/relationships" xmlns:p="http://schemas.openxmlformats.org/presentationml/2006/main">
   <p:cSld>
     <p:spTree>
@@ -16952,7 +18516,7 @@
 </p:sld>
 </file>
 
-<file path=ppt/slides/slide17.xml><?xml version="1.0" encoding="utf-8"?>
+<file path=ppt/slides/slide18.xml><?xml version="1.0" encoding="utf-8"?>
 <p:sld xmlns:a="http://schemas.openxmlformats.org/drawingml/2006/main" xmlns:r="http://schemas.openxmlformats.org/officeDocument/2006/relationships" xmlns:p="http://schemas.openxmlformats.org/presentationml/2006/main">
   <p:cSld>
     <p:spTree>
@@ -18198,7 +19762,7 @@
 </p:sld>
 </file>
 
-<file path=ppt/slides/slide18.xml><?xml version="1.0" encoding="utf-8"?>
+<file path=ppt/slides/slide19.xml><?xml version="1.0" encoding="utf-8"?>
 <p:sld xmlns:a="http://schemas.openxmlformats.org/drawingml/2006/main" xmlns:r="http://schemas.openxmlformats.org/officeDocument/2006/relationships" xmlns:p="http://schemas.openxmlformats.org/presentationml/2006/main">
   <p:cSld>
     <p:spTree>
@@ -20892,7 +22456,831 @@
 </p:sld>
 </file>
 
-<file path=ppt/slides/slide19.xml><?xml version="1.0" encoding="utf-8"?>
+<file path=ppt/slides/slide2.xml><?xml version="1.0" encoding="utf-8"?>
+<p:sld xmlns:a="http://schemas.openxmlformats.org/drawingml/2006/main" xmlns:r="http://schemas.openxmlformats.org/officeDocument/2006/relationships" xmlns:p="http://schemas.openxmlformats.org/presentationml/2006/main">
+  <p:cSld>
+    <p:spTree>
+      <p:nvGrpSpPr>
+        <p:cNvPr id="1" name=""/>
+        <p:cNvGrpSpPr/>
+        <p:nvPr/>
+      </p:nvGrpSpPr>
+      <p:grpSpPr>
+        <a:xfrm>
+          <a:off x="0" y="0"/>
+          <a:ext cx="0" cy="0"/>
+          <a:chOff x="0" y="0"/>
+          <a:chExt cx="0" cy="0"/>
+        </a:xfrm>
+      </p:grpSpPr>
+      <p:sp>
+        <p:nvSpPr>
+          <p:cNvPr id="4" name="Rectangle 3"/>
+          <p:cNvSpPr/>
+          <p:nvPr/>
+        </p:nvSpPr>
+        <p:spPr>
+          <a:xfrm>
+            <a:off x="18535" y="778494"/>
+            <a:ext cx="1198605" cy="654908"/>
+          </a:xfrm>
+          <a:prstGeom prst="rect">
+            <a:avLst/>
+          </a:prstGeom>
+          <a:ln w="19050"/>
+        </p:spPr>
+        <p:style>
+          <a:lnRef idx="2">
+            <a:schemeClr val="dk1"/>
+          </a:lnRef>
+          <a:fillRef idx="1">
+            <a:schemeClr val="lt1"/>
+          </a:fillRef>
+          <a:effectRef idx="0">
+            <a:schemeClr val="dk1"/>
+          </a:effectRef>
+          <a:fontRef idx="minor">
+            <a:schemeClr val="dk1"/>
+          </a:fontRef>
+        </p:style>
+        <p:txBody>
+          <a:bodyPr rtlCol="0" anchor="ctr"/>
+          <a:lstStyle/>
+          <a:p>
+            <a:pPr algn="ctr"/>
+            <a:r>
+              <a:rPr lang="en-US" dirty="0"/>
+              <a:t>Controller enclave</a:t>
+            </a:r>
+          </a:p>
+        </p:txBody>
+      </p:sp>
+      <p:sp>
+        <p:nvSpPr>
+          <p:cNvPr id="5" name="Rectangle 4"/>
+          <p:cNvSpPr/>
+          <p:nvPr/>
+        </p:nvSpPr>
+        <p:spPr>
+          <a:xfrm>
+            <a:off x="1581663" y="778494"/>
+            <a:ext cx="1198605" cy="654908"/>
+          </a:xfrm>
+          <a:prstGeom prst="rect">
+            <a:avLst/>
+          </a:prstGeom>
+          <a:ln w="19050"/>
+        </p:spPr>
+        <p:style>
+          <a:lnRef idx="2">
+            <a:schemeClr val="dk1"/>
+          </a:lnRef>
+          <a:fillRef idx="1">
+            <a:schemeClr val="lt1"/>
+          </a:fillRef>
+          <a:effectRef idx="0">
+            <a:schemeClr val="dk1"/>
+          </a:effectRef>
+          <a:fontRef idx="minor">
+            <a:schemeClr val="dk1"/>
+          </a:fontRef>
+        </p:style>
+        <p:txBody>
+          <a:bodyPr rtlCol="0" anchor="ctr"/>
+          <a:lstStyle/>
+          <a:p>
+            <a:pPr algn="ctr"/>
+            <a:r>
+              <a:rPr lang="en-US" dirty="0"/>
+              <a:t>App enclave 1</a:t>
+            </a:r>
+          </a:p>
+        </p:txBody>
+      </p:sp>
+      <p:sp>
+        <p:nvSpPr>
+          <p:cNvPr id="6" name="Rectangle 5"/>
+          <p:cNvSpPr/>
+          <p:nvPr/>
+        </p:nvSpPr>
+        <p:spPr>
+          <a:xfrm>
+            <a:off x="3144793" y="778494"/>
+            <a:ext cx="1198605" cy="654908"/>
+          </a:xfrm>
+          <a:prstGeom prst="rect">
+            <a:avLst/>
+          </a:prstGeom>
+          <a:ln w="19050"/>
+        </p:spPr>
+        <p:style>
+          <a:lnRef idx="2">
+            <a:schemeClr val="dk1"/>
+          </a:lnRef>
+          <a:fillRef idx="1">
+            <a:schemeClr val="lt1"/>
+          </a:fillRef>
+          <a:effectRef idx="0">
+            <a:schemeClr val="dk1"/>
+          </a:effectRef>
+          <a:fontRef idx="minor">
+            <a:schemeClr val="dk1"/>
+          </a:fontRef>
+        </p:style>
+        <p:txBody>
+          <a:bodyPr rtlCol="0" anchor="ctr"/>
+          <a:lstStyle/>
+          <a:p>
+            <a:pPr algn="ctr"/>
+            <a:r>
+              <a:rPr lang="en-US" dirty="0"/>
+              <a:t>App enclave 2</a:t>
+            </a:r>
+          </a:p>
+        </p:txBody>
+      </p:sp>
+      <p:sp>
+        <p:nvSpPr>
+          <p:cNvPr id="7" name="Rectangle 6"/>
+          <p:cNvSpPr/>
+          <p:nvPr/>
+        </p:nvSpPr>
+        <p:spPr>
+          <a:xfrm>
+            <a:off x="4862385" y="778494"/>
+            <a:ext cx="1198605" cy="654908"/>
+          </a:xfrm>
+          <a:prstGeom prst="rect">
+            <a:avLst/>
+          </a:prstGeom>
+          <a:ln w="19050"/>
+        </p:spPr>
+        <p:style>
+          <a:lnRef idx="2">
+            <a:schemeClr val="dk1"/>
+          </a:lnRef>
+          <a:fillRef idx="1">
+            <a:schemeClr val="lt1"/>
+          </a:fillRef>
+          <a:effectRef idx="0">
+            <a:schemeClr val="dk1"/>
+          </a:effectRef>
+          <a:fontRef idx="minor">
+            <a:schemeClr val="dk1"/>
+          </a:fontRef>
+        </p:style>
+        <p:txBody>
+          <a:bodyPr rtlCol="0" anchor="ctr"/>
+          <a:lstStyle/>
+          <a:p>
+            <a:pPr algn="ctr"/>
+            <a:r>
+              <a:rPr lang="en-US" dirty="0"/>
+              <a:t>App enclave n</a:t>
+            </a:r>
+          </a:p>
+        </p:txBody>
+      </p:sp>
+      <p:sp>
+        <p:nvSpPr>
+          <p:cNvPr id="8" name="Rectangle 7"/>
+          <p:cNvSpPr/>
+          <p:nvPr/>
+        </p:nvSpPr>
+        <p:spPr>
+          <a:xfrm>
+            <a:off x="4452822" y="921282"/>
+            <a:ext cx="343364" cy="369332"/>
+          </a:xfrm>
+          <a:prstGeom prst="rect">
+            <a:avLst/>
+          </a:prstGeom>
+        </p:spPr>
+        <p:txBody>
+          <a:bodyPr wrap="none">
+            <a:spAutoFit/>
+          </a:bodyPr>
+          <a:lstStyle/>
+          <a:p>
+            <a:r>
+              <a:rPr lang="en-US" dirty="0"/>
+              <a:t>…</a:t>
+            </a:r>
+          </a:p>
+        </p:txBody>
+      </p:sp>
+      <p:sp>
+        <p:nvSpPr>
+          <p:cNvPr id="9" name="Rectangle 8"/>
+          <p:cNvSpPr/>
+          <p:nvPr/>
+        </p:nvSpPr>
+        <p:spPr>
+          <a:xfrm>
+            <a:off x="18535" y="24751"/>
+            <a:ext cx="6042455" cy="284193"/>
+          </a:xfrm>
+          <a:prstGeom prst="rect">
+            <a:avLst/>
+          </a:prstGeom>
+          <a:solidFill>
+            <a:schemeClr val="accent2">
+              <a:lumMod val="40000"/>
+              <a:lumOff val="60000"/>
+            </a:schemeClr>
+          </a:solidFill>
+          <a:ln w="19050"/>
+        </p:spPr>
+        <p:style>
+          <a:lnRef idx="2">
+            <a:schemeClr val="dk1"/>
+          </a:lnRef>
+          <a:fillRef idx="1">
+            <a:schemeClr val="lt1"/>
+          </a:fillRef>
+          <a:effectRef idx="0">
+            <a:schemeClr val="dk1"/>
+          </a:effectRef>
+          <a:fontRef idx="minor">
+            <a:schemeClr val="dk1"/>
+          </a:fontRef>
+        </p:style>
+        <p:txBody>
+          <a:bodyPr rtlCol="0" anchor="ctr"/>
+          <a:lstStyle/>
+          <a:p>
+            <a:pPr algn="ctr"/>
+            <a:r>
+              <a:rPr lang="en-US" dirty="0"/>
+              <a:t>Shared memory for inter enclave communication</a:t>
+            </a:r>
+          </a:p>
+        </p:txBody>
+      </p:sp>
+      <p:cxnSp>
+        <p:nvCxnSpPr>
+          <p:cNvPr id="11" name="Straight Arrow Connector 10"/>
+          <p:cNvCxnSpPr/>
+          <p:nvPr/>
+        </p:nvCxnSpPr>
+        <p:spPr>
+          <a:xfrm>
+            <a:off x="2180968" y="308944"/>
+            <a:ext cx="0" cy="469550"/>
+          </a:xfrm>
+          <a:prstGeom prst="straightConnector1">
+            <a:avLst/>
+          </a:prstGeom>
+          <a:ln w="19050">
+            <a:headEnd type="arrow" w="med" len="med"/>
+            <a:tailEnd type="arrow" w="med" len="med"/>
+          </a:ln>
+        </p:spPr>
+        <p:style>
+          <a:lnRef idx="1">
+            <a:schemeClr val="dk1"/>
+          </a:lnRef>
+          <a:fillRef idx="0">
+            <a:schemeClr val="dk1"/>
+          </a:fillRef>
+          <a:effectRef idx="0">
+            <a:schemeClr val="dk1"/>
+          </a:effectRef>
+          <a:fontRef idx="minor">
+            <a:schemeClr val="tx1"/>
+          </a:fontRef>
+        </p:style>
+      </p:cxnSp>
+      <p:cxnSp>
+        <p:nvCxnSpPr>
+          <p:cNvPr id="16" name="Straight Arrow Connector 15"/>
+          <p:cNvCxnSpPr/>
+          <p:nvPr/>
+        </p:nvCxnSpPr>
+        <p:spPr>
+          <a:xfrm>
+            <a:off x="3744089" y="308944"/>
+            <a:ext cx="0" cy="469550"/>
+          </a:xfrm>
+          <a:prstGeom prst="straightConnector1">
+            <a:avLst/>
+          </a:prstGeom>
+          <a:ln w="19050">
+            <a:headEnd type="arrow" w="med" len="med"/>
+            <a:tailEnd type="arrow" w="med" len="med"/>
+          </a:ln>
+        </p:spPr>
+        <p:style>
+          <a:lnRef idx="1">
+            <a:schemeClr val="dk1"/>
+          </a:lnRef>
+          <a:fillRef idx="0">
+            <a:schemeClr val="dk1"/>
+          </a:fillRef>
+          <a:effectRef idx="0">
+            <a:schemeClr val="dk1"/>
+          </a:effectRef>
+          <a:fontRef idx="minor">
+            <a:schemeClr val="tx1"/>
+          </a:fontRef>
+        </p:style>
+      </p:cxnSp>
+      <p:cxnSp>
+        <p:nvCxnSpPr>
+          <p:cNvPr id="17" name="Straight Arrow Connector 16"/>
+          <p:cNvCxnSpPr/>
+          <p:nvPr/>
+        </p:nvCxnSpPr>
+        <p:spPr>
+          <a:xfrm>
+            <a:off x="5480209" y="308944"/>
+            <a:ext cx="0" cy="469550"/>
+          </a:xfrm>
+          <a:prstGeom prst="straightConnector1">
+            <a:avLst/>
+          </a:prstGeom>
+          <a:ln w="19050">
+            <a:headEnd type="arrow" w="med" len="med"/>
+            <a:tailEnd type="arrow" w="med" len="med"/>
+          </a:ln>
+        </p:spPr>
+        <p:style>
+          <a:lnRef idx="1">
+            <a:schemeClr val="dk1"/>
+          </a:lnRef>
+          <a:fillRef idx="0">
+            <a:schemeClr val="dk1"/>
+          </a:fillRef>
+          <a:effectRef idx="0">
+            <a:schemeClr val="dk1"/>
+          </a:effectRef>
+          <a:fontRef idx="minor">
+            <a:schemeClr val="tx1"/>
+          </a:fontRef>
+        </p:style>
+      </p:cxnSp>
+      <p:cxnSp>
+        <p:nvCxnSpPr>
+          <p:cNvPr id="18" name="Straight Arrow Connector 17"/>
+          <p:cNvCxnSpPr/>
+          <p:nvPr/>
+        </p:nvCxnSpPr>
+        <p:spPr>
+          <a:xfrm>
+            <a:off x="617837" y="308944"/>
+            <a:ext cx="0" cy="469550"/>
+          </a:xfrm>
+          <a:prstGeom prst="straightConnector1">
+            <a:avLst/>
+          </a:prstGeom>
+          <a:ln w="19050">
+            <a:headEnd type="arrow" w="med" len="med"/>
+            <a:tailEnd type="arrow" w="med" len="med"/>
+          </a:ln>
+        </p:spPr>
+        <p:style>
+          <a:lnRef idx="1">
+            <a:schemeClr val="dk1"/>
+          </a:lnRef>
+          <a:fillRef idx="0">
+            <a:schemeClr val="dk1"/>
+          </a:fillRef>
+          <a:effectRef idx="0">
+            <a:schemeClr val="dk1"/>
+          </a:effectRef>
+          <a:fontRef idx="minor">
+            <a:schemeClr val="tx1"/>
+          </a:fontRef>
+        </p:style>
+      </p:cxnSp>
+      <p:sp>
+        <p:nvSpPr>
+          <p:cNvPr id="19" name="Rectangle 18"/>
+          <p:cNvSpPr/>
+          <p:nvPr/>
+        </p:nvSpPr>
+        <p:spPr>
+          <a:xfrm>
+            <a:off x="18535" y="1903643"/>
+            <a:ext cx="6042455" cy="284193"/>
+          </a:xfrm>
+          <a:prstGeom prst="rect">
+            <a:avLst/>
+          </a:prstGeom>
+          <a:solidFill>
+            <a:schemeClr val="accent1">
+              <a:lumMod val="40000"/>
+              <a:lumOff val="60000"/>
+            </a:schemeClr>
+          </a:solidFill>
+          <a:ln w="19050"/>
+        </p:spPr>
+        <p:style>
+          <a:lnRef idx="2">
+            <a:schemeClr val="dk1"/>
+          </a:lnRef>
+          <a:fillRef idx="1">
+            <a:schemeClr val="lt1"/>
+          </a:fillRef>
+          <a:effectRef idx="0">
+            <a:schemeClr val="dk1"/>
+          </a:effectRef>
+          <a:fontRef idx="minor">
+            <a:schemeClr val="dk1"/>
+          </a:fontRef>
+        </p:style>
+        <p:txBody>
+          <a:bodyPr rtlCol="0" anchor="ctr"/>
+          <a:lstStyle/>
+          <a:p>
+            <a:pPr algn="ctr"/>
+            <a:r>
+              <a:rPr lang="en-US" dirty="0"/>
+              <a:t>Shared memory for peripheral communication</a:t>
+            </a:r>
+          </a:p>
+        </p:txBody>
+      </p:sp>
+      <p:cxnSp>
+        <p:nvCxnSpPr>
+          <p:cNvPr id="20" name="Straight Arrow Connector 19"/>
+          <p:cNvCxnSpPr/>
+          <p:nvPr/>
+        </p:nvCxnSpPr>
+        <p:spPr>
+          <a:xfrm>
+            <a:off x="617837" y="1433402"/>
+            <a:ext cx="0" cy="469550"/>
+          </a:xfrm>
+          <a:prstGeom prst="straightConnector1">
+            <a:avLst/>
+          </a:prstGeom>
+          <a:ln w="19050">
+            <a:headEnd type="arrow" w="med" len="med"/>
+            <a:tailEnd type="arrow" w="med" len="med"/>
+          </a:ln>
+        </p:spPr>
+        <p:style>
+          <a:lnRef idx="1">
+            <a:schemeClr val="dk1"/>
+          </a:lnRef>
+          <a:fillRef idx="0">
+            <a:schemeClr val="dk1"/>
+          </a:fillRef>
+          <a:effectRef idx="0">
+            <a:schemeClr val="dk1"/>
+          </a:effectRef>
+          <a:fontRef idx="minor">
+            <a:schemeClr val="tx1"/>
+          </a:fontRef>
+        </p:style>
+      </p:cxnSp>
+      <p:sp>
+        <p:nvSpPr>
+          <p:cNvPr id="21" name="Rectangle 20"/>
+          <p:cNvSpPr/>
+          <p:nvPr/>
+        </p:nvSpPr>
+        <p:spPr>
+          <a:xfrm>
+            <a:off x="18535" y="2657386"/>
+            <a:ext cx="1315995" cy="469550"/>
+          </a:xfrm>
+          <a:prstGeom prst="rect">
+            <a:avLst/>
+          </a:prstGeom>
+          <a:ln w="19050"/>
+        </p:spPr>
+        <p:style>
+          <a:lnRef idx="2">
+            <a:schemeClr val="dk1"/>
+          </a:lnRef>
+          <a:fillRef idx="1">
+            <a:schemeClr val="lt1"/>
+          </a:fillRef>
+          <a:effectRef idx="0">
+            <a:schemeClr val="dk1"/>
+          </a:effectRef>
+          <a:fontRef idx="minor">
+            <a:schemeClr val="dk1"/>
+          </a:fontRef>
+        </p:style>
+        <p:txBody>
+          <a:bodyPr rtlCol="0" anchor="ctr"/>
+          <a:lstStyle/>
+          <a:p>
+            <a:pPr algn="ctr"/>
+            <a:r>
+              <a:rPr lang="en-US" dirty="0"/>
+              <a:t>Peripheral 1</a:t>
+            </a:r>
+          </a:p>
+        </p:txBody>
+      </p:sp>
+      <p:sp>
+        <p:nvSpPr>
+          <p:cNvPr id="22" name="Rectangle 21"/>
+          <p:cNvSpPr/>
+          <p:nvPr/>
+        </p:nvSpPr>
+        <p:spPr>
+          <a:xfrm>
+            <a:off x="1461184" y="2657386"/>
+            <a:ext cx="1383960" cy="469550"/>
+          </a:xfrm>
+          <a:prstGeom prst="rect">
+            <a:avLst/>
+          </a:prstGeom>
+          <a:ln w="19050"/>
+        </p:spPr>
+        <p:style>
+          <a:lnRef idx="2">
+            <a:schemeClr val="dk1"/>
+          </a:lnRef>
+          <a:fillRef idx="1">
+            <a:schemeClr val="lt1"/>
+          </a:fillRef>
+          <a:effectRef idx="0">
+            <a:schemeClr val="dk1"/>
+          </a:effectRef>
+          <a:fontRef idx="minor">
+            <a:schemeClr val="dk1"/>
+          </a:fontRef>
+        </p:style>
+        <p:txBody>
+          <a:bodyPr rtlCol="0" anchor="ctr"/>
+          <a:lstStyle/>
+          <a:p>
+            <a:pPr algn="ctr"/>
+            <a:r>
+              <a:rPr lang="en-US" dirty="0"/>
+              <a:t>Peripheral 2</a:t>
+            </a:r>
+          </a:p>
+        </p:txBody>
+      </p:sp>
+      <p:sp>
+        <p:nvSpPr>
+          <p:cNvPr id="23" name="Rectangle 22"/>
+          <p:cNvSpPr/>
+          <p:nvPr/>
+        </p:nvSpPr>
+        <p:spPr>
+          <a:xfrm>
+            <a:off x="2981050" y="2657386"/>
+            <a:ext cx="1383960" cy="469550"/>
+          </a:xfrm>
+          <a:prstGeom prst="rect">
+            <a:avLst/>
+          </a:prstGeom>
+          <a:ln w="19050"/>
+        </p:spPr>
+        <p:style>
+          <a:lnRef idx="2">
+            <a:schemeClr val="dk1"/>
+          </a:lnRef>
+          <a:fillRef idx="1">
+            <a:schemeClr val="lt1"/>
+          </a:fillRef>
+          <a:effectRef idx="0">
+            <a:schemeClr val="dk1"/>
+          </a:effectRef>
+          <a:fontRef idx="minor">
+            <a:schemeClr val="dk1"/>
+          </a:fontRef>
+        </p:style>
+        <p:txBody>
+          <a:bodyPr rtlCol="0" anchor="ctr"/>
+          <a:lstStyle/>
+          <a:p>
+            <a:pPr algn="ctr"/>
+            <a:r>
+              <a:rPr lang="en-US" dirty="0"/>
+              <a:t>Peripheral 3</a:t>
+            </a:r>
+          </a:p>
+        </p:txBody>
+      </p:sp>
+      <p:sp>
+        <p:nvSpPr>
+          <p:cNvPr id="24" name="Rectangle 23"/>
+          <p:cNvSpPr/>
+          <p:nvPr/>
+        </p:nvSpPr>
+        <p:spPr>
+          <a:xfrm>
+            <a:off x="4677030" y="2657386"/>
+            <a:ext cx="1383960" cy="469550"/>
+          </a:xfrm>
+          <a:prstGeom prst="rect">
+            <a:avLst/>
+          </a:prstGeom>
+          <a:ln w="19050"/>
+        </p:spPr>
+        <p:style>
+          <a:lnRef idx="2">
+            <a:schemeClr val="dk1"/>
+          </a:lnRef>
+          <a:fillRef idx="1">
+            <a:schemeClr val="lt1"/>
+          </a:fillRef>
+          <a:effectRef idx="0">
+            <a:schemeClr val="dk1"/>
+          </a:effectRef>
+          <a:fontRef idx="minor">
+            <a:schemeClr val="dk1"/>
+          </a:fontRef>
+        </p:style>
+        <p:txBody>
+          <a:bodyPr rtlCol="0" anchor="ctr"/>
+          <a:lstStyle/>
+          <a:p>
+            <a:pPr algn="ctr"/>
+            <a:r>
+              <a:rPr lang="en-US" dirty="0"/>
+              <a:t>Peripheral n</a:t>
+            </a:r>
+          </a:p>
+        </p:txBody>
+      </p:sp>
+      <p:cxnSp>
+        <p:nvCxnSpPr>
+          <p:cNvPr id="30" name="Straight Arrow Connector 29"/>
+          <p:cNvCxnSpPr/>
+          <p:nvPr/>
+        </p:nvCxnSpPr>
+        <p:spPr>
+          <a:xfrm>
+            <a:off x="710515" y="2187836"/>
+            <a:ext cx="0" cy="469550"/>
+          </a:xfrm>
+          <a:prstGeom prst="straightConnector1">
+            <a:avLst/>
+          </a:prstGeom>
+          <a:ln w="19050">
+            <a:headEnd type="arrow" w="med" len="med"/>
+            <a:tailEnd type="arrow" w="med" len="med"/>
+          </a:ln>
+        </p:spPr>
+        <p:style>
+          <a:lnRef idx="1">
+            <a:schemeClr val="dk1"/>
+          </a:lnRef>
+          <a:fillRef idx="0">
+            <a:schemeClr val="dk1"/>
+          </a:fillRef>
+          <a:effectRef idx="0">
+            <a:schemeClr val="dk1"/>
+          </a:effectRef>
+          <a:fontRef idx="minor">
+            <a:schemeClr val="tx1"/>
+          </a:fontRef>
+        </p:style>
+      </p:cxnSp>
+      <p:sp>
+        <p:nvSpPr>
+          <p:cNvPr id="31" name="Rectangle 30"/>
+          <p:cNvSpPr/>
+          <p:nvPr/>
+        </p:nvSpPr>
+        <p:spPr>
+          <a:xfrm>
+            <a:off x="4343398" y="2657386"/>
+            <a:ext cx="343364" cy="369332"/>
+          </a:xfrm>
+          <a:prstGeom prst="rect">
+            <a:avLst/>
+          </a:prstGeom>
+        </p:spPr>
+        <p:txBody>
+          <a:bodyPr wrap="none">
+            <a:spAutoFit/>
+          </a:bodyPr>
+          <a:lstStyle/>
+          <a:p>
+            <a:r>
+              <a:rPr lang="en-US" dirty="0"/>
+              <a:t>…</a:t>
+            </a:r>
+          </a:p>
+        </p:txBody>
+      </p:sp>
+      <p:cxnSp>
+        <p:nvCxnSpPr>
+          <p:cNvPr id="32" name="Straight Arrow Connector 31"/>
+          <p:cNvCxnSpPr/>
+          <p:nvPr/>
+        </p:nvCxnSpPr>
+        <p:spPr>
+          <a:xfrm>
+            <a:off x="2146986" y="2187836"/>
+            <a:ext cx="0" cy="469550"/>
+          </a:xfrm>
+          <a:prstGeom prst="straightConnector1">
+            <a:avLst/>
+          </a:prstGeom>
+          <a:ln w="19050">
+            <a:headEnd type="arrow" w="med" len="med"/>
+            <a:tailEnd type="arrow" w="med" len="med"/>
+          </a:ln>
+        </p:spPr>
+        <p:style>
+          <a:lnRef idx="1">
+            <a:schemeClr val="dk1"/>
+          </a:lnRef>
+          <a:fillRef idx="0">
+            <a:schemeClr val="dk1"/>
+          </a:fillRef>
+          <a:effectRef idx="0">
+            <a:schemeClr val="dk1"/>
+          </a:effectRef>
+          <a:fontRef idx="minor">
+            <a:schemeClr val="tx1"/>
+          </a:fontRef>
+        </p:style>
+      </p:cxnSp>
+      <p:cxnSp>
+        <p:nvCxnSpPr>
+          <p:cNvPr id="33" name="Straight Arrow Connector 32"/>
+          <p:cNvCxnSpPr/>
+          <p:nvPr/>
+        </p:nvCxnSpPr>
+        <p:spPr>
+          <a:xfrm>
+            <a:off x="3626709" y="2187836"/>
+            <a:ext cx="0" cy="469550"/>
+          </a:xfrm>
+          <a:prstGeom prst="straightConnector1">
+            <a:avLst/>
+          </a:prstGeom>
+          <a:ln w="19050">
+            <a:headEnd type="arrow" w="med" len="med"/>
+            <a:tailEnd type="arrow" w="med" len="med"/>
+          </a:ln>
+        </p:spPr>
+        <p:style>
+          <a:lnRef idx="1">
+            <a:schemeClr val="dk1"/>
+          </a:lnRef>
+          <a:fillRef idx="0">
+            <a:schemeClr val="dk1"/>
+          </a:fillRef>
+          <a:effectRef idx="0">
+            <a:schemeClr val="dk1"/>
+          </a:effectRef>
+          <a:fontRef idx="minor">
+            <a:schemeClr val="tx1"/>
+          </a:fontRef>
+        </p:style>
+      </p:cxnSp>
+      <p:cxnSp>
+        <p:nvCxnSpPr>
+          <p:cNvPr id="34" name="Straight Arrow Connector 33"/>
+          <p:cNvCxnSpPr/>
+          <p:nvPr/>
+        </p:nvCxnSpPr>
+        <p:spPr>
+          <a:xfrm>
+            <a:off x="5263977" y="2187836"/>
+            <a:ext cx="0" cy="469550"/>
+          </a:xfrm>
+          <a:prstGeom prst="straightConnector1">
+            <a:avLst/>
+          </a:prstGeom>
+          <a:ln w="19050">
+            <a:headEnd type="arrow" w="med" len="med"/>
+            <a:tailEnd type="arrow" w="med" len="med"/>
+          </a:ln>
+        </p:spPr>
+        <p:style>
+          <a:lnRef idx="1">
+            <a:schemeClr val="dk1"/>
+          </a:lnRef>
+          <a:fillRef idx="0">
+            <a:schemeClr val="dk1"/>
+          </a:fillRef>
+          <a:effectRef idx="0">
+            <a:schemeClr val="dk1"/>
+          </a:effectRef>
+          <a:fontRef idx="minor">
+            <a:schemeClr val="tx1"/>
+          </a:fontRef>
+        </p:style>
+      </p:cxnSp>
+    </p:spTree>
+    <p:extLst>
+      <p:ext uri="{BB962C8B-B14F-4D97-AF65-F5344CB8AC3E}">
+        <p14:creationId xmlns:p14="http://schemas.microsoft.com/office/powerpoint/2010/main" val="2292267558"/>
+      </p:ext>
+    </p:extLst>
+  </p:cSld>
+  <p:clrMapOvr>
+    <a:masterClrMapping/>
+  </p:clrMapOvr>
+</p:sld>
+</file>
+
+<file path=ppt/slides/slide20.xml><?xml version="1.0" encoding="utf-8"?>
 <p:sld xmlns:a="http://schemas.openxmlformats.org/drawingml/2006/main" xmlns:r="http://schemas.openxmlformats.org/officeDocument/2006/relationships" xmlns:p="http://schemas.openxmlformats.org/presentationml/2006/main">
   <p:cSld>
     <p:spTree>
@@ -21763,831 +24151,7 @@
 </p:sld>
 </file>
 
-<file path=ppt/slides/slide2.xml><?xml version="1.0" encoding="utf-8"?>
-<p:sld xmlns:a="http://schemas.openxmlformats.org/drawingml/2006/main" xmlns:r="http://schemas.openxmlformats.org/officeDocument/2006/relationships" xmlns:p="http://schemas.openxmlformats.org/presentationml/2006/main">
-  <p:cSld>
-    <p:spTree>
-      <p:nvGrpSpPr>
-        <p:cNvPr id="1" name=""/>
-        <p:cNvGrpSpPr/>
-        <p:nvPr/>
-      </p:nvGrpSpPr>
-      <p:grpSpPr>
-        <a:xfrm>
-          <a:off x="0" y="0"/>
-          <a:ext cx="0" cy="0"/>
-          <a:chOff x="0" y="0"/>
-          <a:chExt cx="0" cy="0"/>
-        </a:xfrm>
-      </p:grpSpPr>
-      <p:sp>
-        <p:nvSpPr>
-          <p:cNvPr id="4" name="Rectangle 3"/>
-          <p:cNvSpPr/>
-          <p:nvPr/>
-        </p:nvSpPr>
-        <p:spPr>
-          <a:xfrm>
-            <a:off x="18535" y="778494"/>
-            <a:ext cx="1198605" cy="654908"/>
-          </a:xfrm>
-          <a:prstGeom prst="rect">
-            <a:avLst/>
-          </a:prstGeom>
-          <a:ln w="19050"/>
-        </p:spPr>
-        <p:style>
-          <a:lnRef idx="2">
-            <a:schemeClr val="dk1"/>
-          </a:lnRef>
-          <a:fillRef idx="1">
-            <a:schemeClr val="lt1"/>
-          </a:fillRef>
-          <a:effectRef idx="0">
-            <a:schemeClr val="dk1"/>
-          </a:effectRef>
-          <a:fontRef idx="minor">
-            <a:schemeClr val="dk1"/>
-          </a:fontRef>
-        </p:style>
-        <p:txBody>
-          <a:bodyPr rtlCol="0" anchor="ctr"/>
-          <a:lstStyle/>
-          <a:p>
-            <a:pPr algn="ctr"/>
-            <a:r>
-              <a:rPr lang="en-US" dirty="0"/>
-              <a:t>Controller enclave</a:t>
-            </a:r>
-          </a:p>
-        </p:txBody>
-      </p:sp>
-      <p:sp>
-        <p:nvSpPr>
-          <p:cNvPr id="5" name="Rectangle 4"/>
-          <p:cNvSpPr/>
-          <p:nvPr/>
-        </p:nvSpPr>
-        <p:spPr>
-          <a:xfrm>
-            <a:off x="1581663" y="778494"/>
-            <a:ext cx="1198605" cy="654908"/>
-          </a:xfrm>
-          <a:prstGeom prst="rect">
-            <a:avLst/>
-          </a:prstGeom>
-          <a:ln w="19050"/>
-        </p:spPr>
-        <p:style>
-          <a:lnRef idx="2">
-            <a:schemeClr val="dk1"/>
-          </a:lnRef>
-          <a:fillRef idx="1">
-            <a:schemeClr val="lt1"/>
-          </a:fillRef>
-          <a:effectRef idx="0">
-            <a:schemeClr val="dk1"/>
-          </a:effectRef>
-          <a:fontRef idx="minor">
-            <a:schemeClr val="dk1"/>
-          </a:fontRef>
-        </p:style>
-        <p:txBody>
-          <a:bodyPr rtlCol="0" anchor="ctr"/>
-          <a:lstStyle/>
-          <a:p>
-            <a:pPr algn="ctr"/>
-            <a:r>
-              <a:rPr lang="en-US" dirty="0"/>
-              <a:t>App enclave 1</a:t>
-            </a:r>
-          </a:p>
-        </p:txBody>
-      </p:sp>
-      <p:sp>
-        <p:nvSpPr>
-          <p:cNvPr id="6" name="Rectangle 5"/>
-          <p:cNvSpPr/>
-          <p:nvPr/>
-        </p:nvSpPr>
-        <p:spPr>
-          <a:xfrm>
-            <a:off x="3144793" y="778494"/>
-            <a:ext cx="1198605" cy="654908"/>
-          </a:xfrm>
-          <a:prstGeom prst="rect">
-            <a:avLst/>
-          </a:prstGeom>
-          <a:ln w="19050"/>
-        </p:spPr>
-        <p:style>
-          <a:lnRef idx="2">
-            <a:schemeClr val="dk1"/>
-          </a:lnRef>
-          <a:fillRef idx="1">
-            <a:schemeClr val="lt1"/>
-          </a:fillRef>
-          <a:effectRef idx="0">
-            <a:schemeClr val="dk1"/>
-          </a:effectRef>
-          <a:fontRef idx="minor">
-            <a:schemeClr val="dk1"/>
-          </a:fontRef>
-        </p:style>
-        <p:txBody>
-          <a:bodyPr rtlCol="0" anchor="ctr"/>
-          <a:lstStyle/>
-          <a:p>
-            <a:pPr algn="ctr"/>
-            <a:r>
-              <a:rPr lang="en-US" dirty="0"/>
-              <a:t>App enclave 2</a:t>
-            </a:r>
-          </a:p>
-        </p:txBody>
-      </p:sp>
-      <p:sp>
-        <p:nvSpPr>
-          <p:cNvPr id="7" name="Rectangle 6"/>
-          <p:cNvSpPr/>
-          <p:nvPr/>
-        </p:nvSpPr>
-        <p:spPr>
-          <a:xfrm>
-            <a:off x="4862385" y="778494"/>
-            <a:ext cx="1198605" cy="654908"/>
-          </a:xfrm>
-          <a:prstGeom prst="rect">
-            <a:avLst/>
-          </a:prstGeom>
-          <a:ln w="19050"/>
-        </p:spPr>
-        <p:style>
-          <a:lnRef idx="2">
-            <a:schemeClr val="dk1"/>
-          </a:lnRef>
-          <a:fillRef idx="1">
-            <a:schemeClr val="lt1"/>
-          </a:fillRef>
-          <a:effectRef idx="0">
-            <a:schemeClr val="dk1"/>
-          </a:effectRef>
-          <a:fontRef idx="minor">
-            <a:schemeClr val="dk1"/>
-          </a:fontRef>
-        </p:style>
-        <p:txBody>
-          <a:bodyPr rtlCol="0" anchor="ctr"/>
-          <a:lstStyle/>
-          <a:p>
-            <a:pPr algn="ctr"/>
-            <a:r>
-              <a:rPr lang="en-US" dirty="0"/>
-              <a:t>App enclave n</a:t>
-            </a:r>
-          </a:p>
-        </p:txBody>
-      </p:sp>
-      <p:sp>
-        <p:nvSpPr>
-          <p:cNvPr id="8" name="Rectangle 7"/>
-          <p:cNvSpPr/>
-          <p:nvPr/>
-        </p:nvSpPr>
-        <p:spPr>
-          <a:xfrm>
-            <a:off x="4452822" y="921282"/>
-            <a:ext cx="343364" cy="369332"/>
-          </a:xfrm>
-          <a:prstGeom prst="rect">
-            <a:avLst/>
-          </a:prstGeom>
-        </p:spPr>
-        <p:txBody>
-          <a:bodyPr wrap="none">
-            <a:spAutoFit/>
-          </a:bodyPr>
-          <a:lstStyle/>
-          <a:p>
-            <a:r>
-              <a:rPr lang="en-US" dirty="0"/>
-              <a:t>…</a:t>
-            </a:r>
-          </a:p>
-        </p:txBody>
-      </p:sp>
-      <p:sp>
-        <p:nvSpPr>
-          <p:cNvPr id="9" name="Rectangle 8"/>
-          <p:cNvSpPr/>
-          <p:nvPr/>
-        </p:nvSpPr>
-        <p:spPr>
-          <a:xfrm>
-            <a:off x="18535" y="24751"/>
-            <a:ext cx="6042455" cy="284193"/>
-          </a:xfrm>
-          <a:prstGeom prst="rect">
-            <a:avLst/>
-          </a:prstGeom>
-          <a:solidFill>
-            <a:schemeClr val="accent2">
-              <a:lumMod val="40000"/>
-              <a:lumOff val="60000"/>
-            </a:schemeClr>
-          </a:solidFill>
-          <a:ln w="19050"/>
-        </p:spPr>
-        <p:style>
-          <a:lnRef idx="2">
-            <a:schemeClr val="dk1"/>
-          </a:lnRef>
-          <a:fillRef idx="1">
-            <a:schemeClr val="lt1"/>
-          </a:fillRef>
-          <a:effectRef idx="0">
-            <a:schemeClr val="dk1"/>
-          </a:effectRef>
-          <a:fontRef idx="minor">
-            <a:schemeClr val="dk1"/>
-          </a:fontRef>
-        </p:style>
-        <p:txBody>
-          <a:bodyPr rtlCol="0" anchor="ctr"/>
-          <a:lstStyle/>
-          <a:p>
-            <a:pPr algn="ctr"/>
-            <a:r>
-              <a:rPr lang="en-US" dirty="0"/>
-              <a:t>Shared memory for inter enclave communication</a:t>
-            </a:r>
-          </a:p>
-        </p:txBody>
-      </p:sp>
-      <p:cxnSp>
-        <p:nvCxnSpPr>
-          <p:cNvPr id="11" name="Straight Arrow Connector 10"/>
-          <p:cNvCxnSpPr/>
-          <p:nvPr/>
-        </p:nvCxnSpPr>
-        <p:spPr>
-          <a:xfrm>
-            <a:off x="2180968" y="308944"/>
-            <a:ext cx="0" cy="469550"/>
-          </a:xfrm>
-          <a:prstGeom prst="straightConnector1">
-            <a:avLst/>
-          </a:prstGeom>
-          <a:ln w="19050">
-            <a:headEnd type="arrow" w="med" len="med"/>
-            <a:tailEnd type="arrow" w="med" len="med"/>
-          </a:ln>
-        </p:spPr>
-        <p:style>
-          <a:lnRef idx="1">
-            <a:schemeClr val="dk1"/>
-          </a:lnRef>
-          <a:fillRef idx="0">
-            <a:schemeClr val="dk1"/>
-          </a:fillRef>
-          <a:effectRef idx="0">
-            <a:schemeClr val="dk1"/>
-          </a:effectRef>
-          <a:fontRef idx="minor">
-            <a:schemeClr val="tx1"/>
-          </a:fontRef>
-        </p:style>
-      </p:cxnSp>
-      <p:cxnSp>
-        <p:nvCxnSpPr>
-          <p:cNvPr id="16" name="Straight Arrow Connector 15"/>
-          <p:cNvCxnSpPr/>
-          <p:nvPr/>
-        </p:nvCxnSpPr>
-        <p:spPr>
-          <a:xfrm>
-            <a:off x="3744089" y="308944"/>
-            <a:ext cx="0" cy="469550"/>
-          </a:xfrm>
-          <a:prstGeom prst="straightConnector1">
-            <a:avLst/>
-          </a:prstGeom>
-          <a:ln w="19050">
-            <a:headEnd type="arrow" w="med" len="med"/>
-            <a:tailEnd type="arrow" w="med" len="med"/>
-          </a:ln>
-        </p:spPr>
-        <p:style>
-          <a:lnRef idx="1">
-            <a:schemeClr val="dk1"/>
-          </a:lnRef>
-          <a:fillRef idx="0">
-            <a:schemeClr val="dk1"/>
-          </a:fillRef>
-          <a:effectRef idx="0">
-            <a:schemeClr val="dk1"/>
-          </a:effectRef>
-          <a:fontRef idx="minor">
-            <a:schemeClr val="tx1"/>
-          </a:fontRef>
-        </p:style>
-      </p:cxnSp>
-      <p:cxnSp>
-        <p:nvCxnSpPr>
-          <p:cNvPr id="17" name="Straight Arrow Connector 16"/>
-          <p:cNvCxnSpPr/>
-          <p:nvPr/>
-        </p:nvCxnSpPr>
-        <p:spPr>
-          <a:xfrm>
-            <a:off x="5480209" y="308944"/>
-            <a:ext cx="0" cy="469550"/>
-          </a:xfrm>
-          <a:prstGeom prst="straightConnector1">
-            <a:avLst/>
-          </a:prstGeom>
-          <a:ln w="19050">
-            <a:headEnd type="arrow" w="med" len="med"/>
-            <a:tailEnd type="arrow" w="med" len="med"/>
-          </a:ln>
-        </p:spPr>
-        <p:style>
-          <a:lnRef idx="1">
-            <a:schemeClr val="dk1"/>
-          </a:lnRef>
-          <a:fillRef idx="0">
-            <a:schemeClr val="dk1"/>
-          </a:fillRef>
-          <a:effectRef idx="0">
-            <a:schemeClr val="dk1"/>
-          </a:effectRef>
-          <a:fontRef idx="minor">
-            <a:schemeClr val="tx1"/>
-          </a:fontRef>
-        </p:style>
-      </p:cxnSp>
-      <p:cxnSp>
-        <p:nvCxnSpPr>
-          <p:cNvPr id="18" name="Straight Arrow Connector 17"/>
-          <p:cNvCxnSpPr/>
-          <p:nvPr/>
-        </p:nvCxnSpPr>
-        <p:spPr>
-          <a:xfrm>
-            <a:off x="617837" y="308944"/>
-            <a:ext cx="0" cy="469550"/>
-          </a:xfrm>
-          <a:prstGeom prst="straightConnector1">
-            <a:avLst/>
-          </a:prstGeom>
-          <a:ln w="19050">
-            <a:headEnd type="arrow" w="med" len="med"/>
-            <a:tailEnd type="arrow" w="med" len="med"/>
-          </a:ln>
-        </p:spPr>
-        <p:style>
-          <a:lnRef idx="1">
-            <a:schemeClr val="dk1"/>
-          </a:lnRef>
-          <a:fillRef idx="0">
-            <a:schemeClr val="dk1"/>
-          </a:fillRef>
-          <a:effectRef idx="0">
-            <a:schemeClr val="dk1"/>
-          </a:effectRef>
-          <a:fontRef idx="minor">
-            <a:schemeClr val="tx1"/>
-          </a:fontRef>
-        </p:style>
-      </p:cxnSp>
-      <p:sp>
-        <p:nvSpPr>
-          <p:cNvPr id="19" name="Rectangle 18"/>
-          <p:cNvSpPr/>
-          <p:nvPr/>
-        </p:nvSpPr>
-        <p:spPr>
-          <a:xfrm>
-            <a:off x="18535" y="1903643"/>
-            <a:ext cx="6042455" cy="284193"/>
-          </a:xfrm>
-          <a:prstGeom prst="rect">
-            <a:avLst/>
-          </a:prstGeom>
-          <a:solidFill>
-            <a:schemeClr val="accent1">
-              <a:lumMod val="40000"/>
-              <a:lumOff val="60000"/>
-            </a:schemeClr>
-          </a:solidFill>
-          <a:ln w="19050"/>
-        </p:spPr>
-        <p:style>
-          <a:lnRef idx="2">
-            <a:schemeClr val="dk1"/>
-          </a:lnRef>
-          <a:fillRef idx="1">
-            <a:schemeClr val="lt1"/>
-          </a:fillRef>
-          <a:effectRef idx="0">
-            <a:schemeClr val="dk1"/>
-          </a:effectRef>
-          <a:fontRef idx="minor">
-            <a:schemeClr val="dk1"/>
-          </a:fontRef>
-        </p:style>
-        <p:txBody>
-          <a:bodyPr rtlCol="0" anchor="ctr"/>
-          <a:lstStyle/>
-          <a:p>
-            <a:pPr algn="ctr"/>
-            <a:r>
-              <a:rPr lang="en-US" dirty="0"/>
-              <a:t>Shared memory for peripheral communication</a:t>
-            </a:r>
-          </a:p>
-        </p:txBody>
-      </p:sp>
-      <p:cxnSp>
-        <p:nvCxnSpPr>
-          <p:cNvPr id="20" name="Straight Arrow Connector 19"/>
-          <p:cNvCxnSpPr/>
-          <p:nvPr/>
-        </p:nvCxnSpPr>
-        <p:spPr>
-          <a:xfrm>
-            <a:off x="617837" y="1433402"/>
-            <a:ext cx="0" cy="469550"/>
-          </a:xfrm>
-          <a:prstGeom prst="straightConnector1">
-            <a:avLst/>
-          </a:prstGeom>
-          <a:ln w="19050">
-            <a:headEnd type="arrow" w="med" len="med"/>
-            <a:tailEnd type="arrow" w="med" len="med"/>
-          </a:ln>
-        </p:spPr>
-        <p:style>
-          <a:lnRef idx="1">
-            <a:schemeClr val="dk1"/>
-          </a:lnRef>
-          <a:fillRef idx="0">
-            <a:schemeClr val="dk1"/>
-          </a:fillRef>
-          <a:effectRef idx="0">
-            <a:schemeClr val="dk1"/>
-          </a:effectRef>
-          <a:fontRef idx="minor">
-            <a:schemeClr val="tx1"/>
-          </a:fontRef>
-        </p:style>
-      </p:cxnSp>
-      <p:sp>
-        <p:nvSpPr>
-          <p:cNvPr id="21" name="Rectangle 20"/>
-          <p:cNvSpPr/>
-          <p:nvPr/>
-        </p:nvSpPr>
-        <p:spPr>
-          <a:xfrm>
-            <a:off x="18535" y="2657386"/>
-            <a:ext cx="1315995" cy="469550"/>
-          </a:xfrm>
-          <a:prstGeom prst="rect">
-            <a:avLst/>
-          </a:prstGeom>
-          <a:ln w="19050"/>
-        </p:spPr>
-        <p:style>
-          <a:lnRef idx="2">
-            <a:schemeClr val="dk1"/>
-          </a:lnRef>
-          <a:fillRef idx="1">
-            <a:schemeClr val="lt1"/>
-          </a:fillRef>
-          <a:effectRef idx="0">
-            <a:schemeClr val="dk1"/>
-          </a:effectRef>
-          <a:fontRef idx="minor">
-            <a:schemeClr val="dk1"/>
-          </a:fontRef>
-        </p:style>
-        <p:txBody>
-          <a:bodyPr rtlCol="0" anchor="ctr"/>
-          <a:lstStyle/>
-          <a:p>
-            <a:pPr algn="ctr"/>
-            <a:r>
-              <a:rPr lang="en-US" dirty="0"/>
-              <a:t>Peripheral 1</a:t>
-            </a:r>
-          </a:p>
-        </p:txBody>
-      </p:sp>
-      <p:sp>
-        <p:nvSpPr>
-          <p:cNvPr id="22" name="Rectangle 21"/>
-          <p:cNvSpPr/>
-          <p:nvPr/>
-        </p:nvSpPr>
-        <p:spPr>
-          <a:xfrm>
-            <a:off x="1461184" y="2657386"/>
-            <a:ext cx="1383960" cy="469550"/>
-          </a:xfrm>
-          <a:prstGeom prst="rect">
-            <a:avLst/>
-          </a:prstGeom>
-          <a:ln w="19050"/>
-        </p:spPr>
-        <p:style>
-          <a:lnRef idx="2">
-            <a:schemeClr val="dk1"/>
-          </a:lnRef>
-          <a:fillRef idx="1">
-            <a:schemeClr val="lt1"/>
-          </a:fillRef>
-          <a:effectRef idx="0">
-            <a:schemeClr val="dk1"/>
-          </a:effectRef>
-          <a:fontRef idx="minor">
-            <a:schemeClr val="dk1"/>
-          </a:fontRef>
-        </p:style>
-        <p:txBody>
-          <a:bodyPr rtlCol="0" anchor="ctr"/>
-          <a:lstStyle/>
-          <a:p>
-            <a:pPr algn="ctr"/>
-            <a:r>
-              <a:rPr lang="en-US" dirty="0"/>
-              <a:t>Peripheral 2</a:t>
-            </a:r>
-          </a:p>
-        </p:txBody>
-      </p:sp>
-      <p:sp>
-        <p:nvSpPr>
-          <p:cNvPr id="23" name="Rectangle 22"/>
-          <p:cNvSpPr/>
-          <p:nvPr/>
-        </p:nvSpPr>
-        <p:spPr>
-          <a:xfrm>
-            <a:off x="2981050" y="2657386"/>
-            <a:ext cx="1383960" cy="469550"/>
-          </a:xfrm>
-          <a:prstGeom prst="rect">
-            <a:avLst/>
-          </a:prstGeom>
-          <a:ln w="19050"/>
-        </p:spPr>
-        <p:style>
-          <a:lnRef idx="2">
-            <a:schemeClr val="dk1"/>
-          </a:lnRef>
-          <a:fillRef idx="1">
-            <a:schemeClr val="lt1"/>
-          </a:fillRef>
-          <a:effectRef idx="0">
-            <a:schemeClr val="dk1"/>
-          </a:effectRef>
-          <a:fontRef idx="minor">
-            <a:schemeClr val="dk1"/>
-          </a:fontRef>
-        </p:style>
-        <p:txBody>
-          <a:bodyPr rtlCol="0" anchor="ctr"/>
-          <a:lstStyle/>
-          <a:p>
-            <a:pPr algn="ctr"/>
-            <a:r>
-              <a:rPr lang="en-US" dirty="0"/>
-              <a:t>Peripheral 3</a:t>
-            </a:r>
-          </a:p>
-        </p:txBody>
-      </p:sp>
-      <p:sp>
-        <p:nvSpPr>
-          <p:cNvPr id="24" name="Rectangle 23"/>
-          <p:cNvSpPr/>
-          <p:nvPr/>
-        </p:nvSpPr>
-        <p:spPr>
-          <a:xfrm>
-            <a:off x="4677030" y="2657386"/>
-            <a:ext cx="1383960" cy="469550"/>
-          </a:xfrm>
-          <a:prstGeom prst="rect">
-            <a:avLst/>
-          </a:prstGeom>
-          <a:ln w="19050"/>
-        </p:spPr>
-        <p:style>
-          <a:lnRef idx="2">
-            <a:schemeClr val="dk1"/>
-          </a:lnRef>
-          <a:fillRef idx="1">
-            <a:schemeClr val="lt1"/>
-          </a:fillRef>
-          <a:effectRef idx="0">
-            <a:schemeClr val="dk1"/>
-          </a:effectRef>
-          <a:fontRef idx="minor">
-            <a:schemeClr val="dk1"/>
-          </a:fontRef>
-        </p:style>
-        <p:txBody>
-          <a:bodyPr rtlCol="0" anchor="ctr"/>
-          <a:lstStyle/>
-          <a:p>
-            <a:pPr algn="ctr"/>
-            <a:r>
-              <a:rPr lang="en-US" dirty="0"/>
-              <a:t>Peripheral n</a:t>
-            </a:r>
-          </a:p>
-        </p:txBody>
-      </p:sp>
-      <p:cxnSp>
-        <p:nvCxnSpPr>
-          <p:cNvPr id="30" name="Straight Arrow Connector 29"/>
-          <p:cNvCxnSpPr/>
-          <p:nvPr/>
-        </p:nvCxnSpPr>
-        <p:spPr>
-          <a:xfrm>
-            <a:off x="710515" y="2187836"/>
-            <a:ext cx="0" cy="469550"/>
-          </a:xfrm>
-          <a:prstGeom prst="straightConnector1">
-            <a:avLst/>
-          </a:prstGeom>
-          <a:ln w="19050">
-            <a:headEnd type="arrow" w="med" len="med"/>
-            <a:tailEnd type="arrow" w="med" len="med"/>
-          </a:ln>
-        </p:spPr>
-        <p:style>
-          <a:lnRef idx="1">
-            <a:schemeClr val="dk1"/>
-          </a:lnRef>
-          <a:fillRef idx="0">
-            <a:schemeClr val="dk1"/>
-          </a:fillRef>
-          <a:effectRef idx="0">
-            <a:schemeClr val="dk1"/>
-          </a:effectRef>
-          <a:fontRef idx="minor">
-            <a:schemeClr val="tx1"/>
-          </a:fontRef>
-        </p:style>
-      </p:cxnSp>
-      <p:sp>
-        <p:nvSpPr>
-          <p:cNvPr id="31" name="Rectangle 30"/>
-          <p:cNvSpPr/>
-          <p:nvPr/>
-        </p:nvSpPr>
-        <p:spPr>
-          <a:xfrm>
-            <a:off x="4343398" y="2657386"/>
-            <a:ext cx="343364" cy="369332"/>
-          </a:xfrm>
-          <a:prstGeom prst="rect">
-            <a:avLst/>
-          </a:prstGeom>
-        </p:spPr>
-        <p:txBody>
-          <a:bodyPr wrap="none">
-            <a:spAutoFit/>
-          </a:bodyPr>
-          <a:lstStyle/>
-          <a:p>
-            <a:r>
-              <a:rPr lang="en-US" dirty="0"/>
-              <a:t>…</a:t>
-            </a:r>
-          </a:p>
-        </p:txBody>
-      </p:sp>
-      <p:cxnSp>
-        <p:nvCxnSpPr>
-          <p:cNvPr id="32" name="Straight Arrow Connector 31"/>
-          <p:cNvCxnSpPr/>
-          <p:nvPr/>
-        </p:nvCxnSpPr>
-        <p:spPr>
-          <a:xfrm>
-            <a:off x="2146986" y="2187836"/>
-            <a:ext cx="0" cy="469550"/>
-          </a:xfrm>
-          <a:prstGeom prst="straightConnector1">
-            <a:avLst/>
-          </a:prstGeom>
-          <a:ln w="19050">
-            <a:headEnd type="arrow" w="med" len="med"/>
-            <a:tailEnd type="arrow" w="med" len="med"/>
-          </a:ln>
-        </p:spPr>
-        <p:style>
-          <a:lnRef idx="1">
-            <a:schemeClr val="dk1"/>
-          </a:lnRef>
-          <a:fillRef idx="0">
-            <a:schemeClr val="dk1"/>
-          </a:fillRef>
-          <a:effectRef idx="0">
-            <a:schemeClr val="dk1"/>
-          </a:effectRef>
-          <a:fontRef idx="minor">
-            <a:schemeClr val="tx1"/>
-          </a:fontRef>
-        </p:style>
-      </p:cxnSp>
-      <p:cxnSp>
-        <p:nvCxnSpPr>
-          <p:cNvPr id="33" name="Straight Arrow Connector 32"/>
-          <p:cNvCxnSpPr/>
-          <p:nvPr/>
-        </p:nvCxnSpPr>
-        <p:spPr>
-          <a:xfrm>
-            <a:off x="3626709" y="2187836"/>
-            <a:ext cx="0" cy="469550"/>
-          </a:xfrm>
-          <a:prstGeom prst="straightConnector1">
-            <a:avLst/>
-          </a:prstGeom>
-          <a:ln w="19050">
-            <a:headEnd type="arrow" w="med" len="med"/>
-            <a:tailEnd type="arrow" w="med" len="med"/>
-          </a:ln>
-        </p:spPr>
-        <p:style>
-          <a:lnRef idx="1">
-            <a:schemeClr val="dk1"/>
-          </a:lnRef>
-          <a:fillRef idx="0">
-            <a:schemeClr val="dk1"/>
-          </a:fillRef>
-          <a:effectRef idx="0">
-            <a:schemeClr val="dk1"/>
-          </a:effectRef>
-          <a:fontRef idx="minor">
-            <a:schemeClr val="tx1"/>
-          </a:fontRef>
-        </p:style>
-      </p:cxnSp>
-      <p:cxnSp>
-        <p:nvCxnSpPr>
-          <p:cNvPr id="34" name="Straight Arrow Connector 33"/>
-          <p:cNvCxnSpPr/>
-          <p:nvPr/>
-        </p:nvCxnSpPr>
-        <p:spPr>
-          <a:xfrm>
-            <a:off x="5263977" y="2187836"/>
-            <a:ext cx="0" cy="469550"/>
-          </a:xfrm>
-          <a:prstGeom prst="straightConnector1">
-            <a:avLst/>
-          </a:prstGeom>
-          <a:ln w="19050">
-            <a:headEnd type="arrow" w="med" len="med"/>
-            <a:tailEnd type="arrow" w="med" len="med"/>
-          </a:ln>
-        </p:spPr>
-        <p:style>
-          <a:lnRef idx="1">
-            <a:schemeClr val="dk1"/>
-          </a:lnRef>
-          <a:fillRef idx="0">
-            <a:schemeClr val="dk1"/>
-          </a:fillRef>
-          <a:effectRef idx="0">
-            <a:schemeClr val="dk1"/>
-          </a:effectRef>
-          <a:fontRef idx="minor">
-            <a:schemeClr val="tx1"/>
-          </a:fontRef>
-        </p:style>
-      </p:cxnSp>
-    </p:spTree>
-    <p:extLst>
-      <p:ext uri="{BB962C8B-B14F-4D97-AF65-F5344CB8AC3E}">
-        <p14:creationId xmlns:p14="http://schemas.microsoft.com/office/powerpoint/2010/main" val="2292267558"/>
-      </p:ext>
-    </p:extLst>
-  </p:cSld>
-  <p:clrMapOvr>
-    <a:masterClrMapping/>
-  </p:clrMapOvr>
-</p:sld>
-</file>
-
-<file path=ppt/slides/slide20.xml><?xml version="1.0" encoding="utf-8"?>
+<file path=ppt/slides/slide21.xml><?xml version="1.0" encoding="utf-8"?>
 <p:sld xmlns:a="http://schemas.openxmlformats.org/drawingml/2006/main" xmlns:r="http://schemas.openxmlformats.org/officeDocument/2006/relationships" xmlns:p="http://schemas.openxmlformats.org/presentationml/2006/main">
   <p:cSld>
     <p:spTree>
@@ -25137,7 +26701,7 @@
 </p:sld>
 </file>
 
-<file path=ppt/slides/slide21.xml><?xml version="1.0" encoding="utf-8"?>
+<file path=ppt/slides/slide22.xml><?xml version="1.0" encoding="utf-8"?>
 <p:sld xmlns:a="http://schemas.openxmlformats.org/drawingml/2006/main" xmlns:r="http://schemas.openxmlformats.org/officeDocument/2006/relationships" xmlns:p="http://schemas.openxmlformats.org/presentationml/2006/main">
   <p:cSld>
     <p:spTree>
@@ -27041,7 +28605,7 @@
 </p:sld>
 </file>
 
-<file path=ppt/slides/slide22.xml><?xml version="1.0" encoding="utf-8"?>
+<file path=ppt/slides/slide23.xml><?xml version="1.0" encoding="utf-8"?>
 <p:sld xmlns:a="http://schemas.openxmlformats.org/drawingml/2006/main" xmlns:r="http://schemas.openxmlformats.org/officeDocument/2006/relationships" xmlns:p="http://schemas.openxmlformats.org/presentationml/2006/main">
   <p:cSld>
     <p:spTree>
@@ -28323,7 +29887,7 @@
 </p:sld>
 </file>
 
-<file path=ppt/slides/slide23.xml><?xml version="1.0" encoding="utf-8"?>
+<file path=ppt/slides/slide24.xml><?xml version="1.0" encoding="utf-8"?>
 <p:sld xmlns:a="http://schemas.openxmlformats.org/drawingml/2006/main" xmlns:r="http://schemas.openxmlformats.org/officeDocument/2006/relationships" xmlns:p="http://schemas.openxmlformats.org/presentationml/2006/main">
   <p:cSld>
     <p:spTree>
@@ -29511,7 +31075,7 @@
 </p:sld>
 </file>
 
-<file path=ppt/slides/slide24.xml><?xml version="1.0" encoding="utf-8"?>
+<file path=ppt/slides/slide25.xml><?xml version="1.0" encoding="utf-8"?>
 <p:sld xmlns:a="http://schemas.openxmlformats.org/drawingml/2006/main" xmlns:r="http://schemas.openxmlformats.org/officeDocument/2006/relationships" xmlns:p="http://schemas.openxmlformats.org/presentationml/2006/main">
   <p:cSld>
     <p:spTree>
@@ -34320,6 +35884,1939 @@
           <a:chExt cx="0" cy="0"/>
         </a:xfrm>
       </p:grpSpPr>
+      <p:pic>
+        <p:nvPicPr>
+          <p:cNvPr id="4" name="Picture 3">
+            <a:extLst>
+              <a:ext uri="{FF2B5EF4-FFF2-40B4-BE49-F238E27FC236}">
+                <a16:creationId xmlns:a16="http://schemas.microsoft.com/office/drawing/2014/main" id="{966716B3-524D-4359-A88C-03CB3D5A7830}"/>
+              </a:ext>
+            </a:extLst>
+          </p:cNvPr>
+          <p:cNvPicPr>
+            <a:picLocks noChangeAspect="1"/>
+          </p:cNvPicPr>
+          <p:nvPr/>
+        </p:nvPicPr>
+        <p:blipFill>
+          <a:blip r:embed="rId2" cstate="print">
+            <a:extLst>
+              <a:ext uri="{28A0092B-C50C-407E-A947-70E740481C1C}">
+                <a14:useLocalDpi xmlns:a14="http://schemas.microsoft.com/office/drawing/2010/main" val="0"/>
+              </a:ext>
+            </a:extLst>
+          </a:blip>
+          <a:stretch>
+            <a:fillRect/>
+          </a:stretch>
+        </p:blipFill>
+        <p:spPr>
+          <a:xfrm>
+            <a:off x="5762641" y="2747803"/>
+            <a:ext cx="736725" cy="736725"/>
+          </a:xfrm>
+          <a:prstGeom prst="rect">
+            <a:avLst/>
+          </a:prstGeom>
+        </p:spPr>
+      </p:pic>
+      <p:pic>
+        <p:nvPicPr>
+          <p:cNvPr id="12" name="Picture 11">
+            <a:extLst>
+              <a:ext uri="{FF2B5EF4-FFF2-40B4-BE49-F238E27FC236}">
+                <a16:creationId xmlns:a16="http://schemas.microsoft.com/office/drawing/2014/main" id="{5300044C-31B2-4109-A80F-484FF12B5C84}"/>
+              </a:ext>
+            </a:extLst>
+          </p:cNvPr>
+          <p:cNvPicPr>
+            <a:picLocks noChangeAspect="1"/>
+          </p:cNvPicPr>
+          <p:nvPr/>
+        </p:nvPicPr>
+        <p:blipFill>
+          <a:blip r:embed="rId3" cstate="print">
+            <a:extLst>
+              <a:ext uri="{28A0092B-C50C-407E-A947-70E740481C1C}">
+                <a14:useLocalDpi xmlns:a14="http://schemas.microsoft.com/office/drawing/2010/main" val="0"/>
+              </a:ext>
+            </a:extLst>
+          </a:blip>
+          <a:stretch>
+            <a:fillRect/>
+          </a:stretch>
+        </p:blipFill>
+        <p:spPr>
+          <a:xfrm>
+            <a:off x="26979" y="2747803"/>
+            <a:ext cx="736725" cy="736725"/>
+          </a:xfrm>
+          <a:prstGeom prst="rect">
+            <a:avLst/>
+          </a:prstGeom>
+        </p:spPr>
+      </p:pic>
+      <p:pic>
+        <p:nvPicPr>
+          <p:cNvPr id="15" name="Picture 14">
+            <a:extLst>
+              <a:ext uri="{FF2B5EF4-FFF2-40B4-BE49-F238E27FC236}">
+                <a16:creationId xmlns:a16="http://schemas.microsoft.com/office/drawing/2014/main" id="{553BEEF7-30ED-4251-9E54-FAB4B9365D13}"/>
+              </a:ext>
+            </a:extLst>
+          </p:cNvPr>
+          <p:cNvPicPr>
+            <a:picLocks noChangeAspect="1"/>
+          </p:cNvPicPr>
+          <p:nvPr/>
+        </p:nvPicPr>
+        <p:blipFill rotWithShape="1">
+          <a:blip r:embed="rId4" cstate="print">
+            <a:extLst>
+              <a:ext uri="{28A0092B-C50C-407E-A947-70E740481C1C}">
+                <a14:useLocalDpi xmlns:a14="http://schemas.microsoft.com/office/drawing/2010/main" val="0"/>
+              </a:ext>
+            </a:extLst>
+          </a:blip>
+          <a:srcRect t="7035" b="7413"/>
+          <a:stretch/>
+        </p:blipFill>
+        <p:spPr>
+          <a:xfrm>
+            <a:off x="5758669" y="1245867"/>
+            <a:ext cx="693568" cy="593367"/>
+          </a:xfrm>
+          <a:prstGeom prst="rect">
+            <a:avLst/>
+          </a:prstGeom>
+        </p:spPr>
+      </p:pic>
+      <p:sp>
+        <p:nvSpPr>
+          <p:cNvPr id="16" name="Rectangle: Rounded Corners 15">
+            <a:extLst>
+              <a:ext uri="{FF2B5EF4-FFF2-40B4-BE49-F238E27FC236}">
+                <a16:creationId xmlns:a16="http://schemas.microsoft.com/office/drawing/2014/main" id="{306FCE91-1FC8-43B9-8E79-258621712CDD}"/>
+              </a:ext>
+            </a:extLst>
+          </p:cNvPr>
+          <p:cNvSpPr/>
+          <p:nvPr/>
+        </p:nvSpPr>
+        <p:spPr>
+          <a:xfrm>
+            <a:off x="1057523" y="1029694"/>
+            <a:ext cx="4317558" cy="2449614"/>
+          </a:xfrm>
+          <a:prstGeom prst="roundRect">
+            <a:avLst>
+              <a:gd name="adj" fmla="val 1210"/>
+            </a:avLst>
+          </a:prstGeom>
+          <a:noFill/>
+          <a:ln w="19050">
+            <a:solidFill>
+              <a:schemeClr val="tx1"/>
+            </a:solidFill>
+          </a:ln>
+        </p:spPr>
+        <p:style>
+          <a:lnRef idx="2">
+            <a:schemeClr val="accent1">
+              <a:shade val="50000"/>
+            </a:schemeClr>
+          </a:lnRef>
+          <a:fillRef idx="1">
+            <a:schemeClr val="accent1"/>
+          </a:fillRef>
+          <a:effectRef idx="0">
+            <a:schemeClr val="accent1"/>
+          </a:effectRef>
+          <a:fontRef idx="minor">
+            <a:schemeClr val="lt1"/>
+          </a:fontRef>
+        </p:style>
+        <p:txBody>
+          <a:bodyPr rtlCol="0" anchor="ctr"/>
+          <a:lstStyle/>
+          <a:p>
+            <a:pPr algn="ctr"/>
+            <a:endParaRPr lang="en-US" sz="1600"/>
+          </a:p>
+        </p:txBody>
+      </p:sp>
+      <p:sp>
+        <p:nvSpPr>
+          <p:cNvPr id="17" name="Rectangle: Rounded Corners 16">
+            <a:extLst>
+              <a:ext uri="{FF2B5EF4-FFF2-40B4-BE49-F238E27FC236}">
+                <a16:creationId xmlns:a16="http://schemas.microsoft.com/office/drawing/2014/main" id="{AD5E1913-A938-4B48-B958-DC6B006A534C}"/>
+              </a:ext>
+            </a:extLst>
+          </p:cNvPr>
+          <p:cNvSpPr/>
+          <p:nvPr/>
+        </p:nvSpPr>
+        <p:spPr>
+          <a:xfrm>
+            <a:off x="1206609" y="2802834"/>
+            <a:ext cx="4019385" cy="549082"/>
+          </a:xfrm>
+          <a:prstGeom prst="roundRect">
+            <a:avLst>
+              <a:gd name="adj" fmla="val 6294"/>
+            </a:avLst>
+          </a:prstGeom>
+          <a:solidFill>
+            <a:srgbClr val="C4FDAD"/>
+          </a:solidFill>
+          <a:ln w="19050">
+            <a:solidFill>
+              <a:schemeClr val="tx1"/>
+            </a:solidFill>
+          </a:ln>
+        </p:spPr>
+        <p:style>
+          <a:lnRef idx="2">
+            <a:schemeClr val="accent1">
+              <a:shade val="50000"/>
+            </a:schemeClr>
+          </a:lnRef>
+          <a:fillRef idx="1">
+            <a:schemeClr val="accent1"/>
+          </a:fillRef>
+          <a:effectRef idx="0">
+            <a:schemeClr val="accent1"/>
+          </a:effectRef>
+          <a:fontRef idx="minor">
+            <a:schemeClr val="lt1"/>
+          </a:fontRef>
+        </p:style>
+        <p:txBody>
+          <a:bodyPr rtlCol="0" anchor="ctr"/>
+          <a:lstStyle/>
+          <a:p>
+            <a:pPr algn="ctr"/>
+            <a:r>
+              <a:rPr lang="en-US" sz="1600" dirty="0">
+                <a:solidFill>
+                  <a:schemeClr val="tx1"/>
+                </a:solidFill>
+              </a:rPr>
+              <a:t>Security Monitor (SM)</a:t>
+            </a:r>
+          </a:p>
+        </p:txBody>
+      </p:sp>
+      <p:sp>
+        <p:nvSpPr>
+          <p:cNvPr id="19" name="Rectangle: Rounded Corners 18">
+            <a:extLst>
+              <a:ext uri="{FF2B5EF4-FFF2-40B4-BE49-F238E27FC236}">
+                <a16:creationId xmlns:a16="http://schemas.microsoft.com/office/drawing/2014/main" id="{6DE10998-F8B5-4562-8B53-F3976BAE71D3}"/>
+              </a:ext>
+            </a:extLst>
+          </p:cNvPr>
+          <p:cNvSpPr/>
+          <p:nvPr/>
+        </p:nvSpPr>
+        <p:spPr>
+          <a:xfrm>
+            <a:off x="1206610" y="1989812"/>
+            <a:ext cx="1039632" cy="616227"/>
+          </a:xfrm>
+          <a:prstGeom prst="roundRect">
+            <a:avLst>
+              <a:gd name="adj" fmla="val 5649"/>
+            </a:avLst>
+          </a:prstGeom>
+          <a:solidFill>
+            <a:srgbClr val="69BAF5"/>
+          </a:solidFill>
+          <a:ln w="19050">
+            <a:solidFill>
+              <a:schemeClr val="tx1"/>
+            </a:solidFill>
+          </a:ln>
+        </p:spPr>
+        <p:style>
+          <a:lnRef idx="2">
+            <a:schemeClr val="accent1">
+              <a:shade val="50000"/>
+            </a:schemeClr>
+          </a:lnRef>
+          <a:fillRef idx="1">
+            <a:schemeClr val="accent1"/>
+          </a:fillRef>
+          <a:effectRef idx="0">
+            <a:schemeClr val="accent1"/>
+          </a:effectRef>
+          <a:fontRef idx="minor">
+            <a:schemeClr val="lt1"/>
+          </a:fontRef>
+        </p:style>
+        <p:txBody>
+          <a:bodyPr rtlCol="0" anchor="ctr"/>
+          <a:lstStyle/>
+          <a:p>
+            <a:pPr algn="ctr"/>
+            <a:r>
+              <a:rPr lang="en-US" sz="1600" dirty="0">
+                <a:solidFill>
+                  <a:schemeClr val="tx1"/>
+                </a:solidFill>
+              </a:rPr>
+              <a:t>Enc 1</a:t>
+            </a:r>
+          </a:p>
+        </p:txBody>
+      </p:sp>
+      <p:sp>
+        <p:nvSpPr>
+          <p:cNvPr id="21" name="Rectangle: Rounded Corners 20">
+            <a:extLst>
+              <a:ext uri="{FF2B5EF4-FFF2-40B4-BE49-F238E27FC236}">
+                <a16:creationId xmlns:a16="http://schemas.microsoft.com/office/drawing/2014/main" id="{DEBBAB29-E8D4-44A7-B945-733100EFF774}"/>
+              </a:ext>
+            </a:extLst>
+          </p:cNvPr>
+          <p:cNvSpPr/>
+          <p:nvPr/>
+        </p:nvSpPr>
+        <p:spPr>
+          <a:xfrm>
+            <a:off x="2561312" y="1991800"/>
+            <a:ext cx="1039632" cy="616227"/>
+          </a:xfrm>
+          <a:prstGeom prst="roundRect">
+            <a:avLst>
+              <a:gd name="adj" fmla="val 5004"/>
+            </a:avLst>
+          </a:prstGeom>
+          <a:solidFill>
+            <a:srgbClr val="FEC165"/>
+          </a:solidFill>
+          <a:ln w="19050">
+            <a:solidFill>
+              <a:schemeClr val="tx1"/>
+            </a:solidFill>
+          </a:ln>
+        </p:spPr>
+        <p:style>
+          <a:lnRef idx="2">
+            <a:schemeClr val="accent1">
+              <a:shade val="50000"/>
+            </a:schemeClr>
+          </a:lnRef>
+          <a:fillRef idx="1">
+            <a:schemeClr val="accent1"/>
+          </a:fillRef>
+          <a:effectRef idx="0">
+            <a:schemeClr val="accent1"/>
+          </a:effectRef>
+          <a:fontRef idx="minor">
+            <a:schemeClr val="lt1"/>
+          </a:fontRef>
+        </p:style>
+        <p:txBody>
+          <a:bodyPr rtlCol="0" anchor="ctr"/>
+          <a:lstStyle/>
+          <a:p>
+            <a:pPr algn="ctr"/>
+            <a:r>
+              <a:rPr lang="en-US" sz="1600" dirty="0">
+                <a:solidFill>
+                  <a:schemeClr val="tx1"/>
+                </a:solidFill>
+              </a:rPr>
+              <a:t>Enc 2</a:t>
+            </a:r>
+          </a:p>
+        </p:txBody>
+      </p:sp>
+      <p:sp>
+        <p:nvSpPr>
+          <p:cNvPr id="22" name="Rectangle: Rounded Corners 21">
+            <a:extLst>
+              <a:ext uri="{FF2B5EF4-FFF2-40B4-BE49-F238E27FC236}">
+                <a16:creationId xmlns:a16="http://schemas.microsoft.com/office/drawing/2014/main" id="{60ED6452-2DE6-47EE-BA13-1BC1933EC9DA}"/>
+              </a:ext>
+            </a:extLst>
+          </p:cNvPr>
+          <p:cNvSpPr/>
+          <p:nvPr/>
+        </p:nvSpPr>
+        <p:spPr>
+          <a:xfrm>
+            <a:off x="4186362" y="1991800"/>
+            <a:ext cx="1039632" cy="616227"/>
+          </a:xfrm>
+          <a:prstGeom prst="roundRect">
+            <a:avLst>
+              <a:gd name="adj" fmla="val 7584"/>
+            </a:avLst>
+          </a:prstGeom>
+          <a:solidFill>
+            <a:srgbClr val="FF9F9F"/>
+          </a:solidFill>
+          <a:ln w="19050">
+            <a:solidFill>
+              <a:schemeClr val="tx1"/>
+            </a:solidFill>
+          </a:ln>
+        </p:spPr>
+        <p:style>
+          <a:lnRef idx="2">
+            <a:schemeClr val="accent1">
+              <a:shade val="50000"/>
+            </a:schemeClr>
+          </a:lnRef>
+          <a:fillRef idx="1">
+            <a:schemeClr val="accent1"/>
+          </a:fillRef>
+          <a:effectRef idx="0">
+            <a:schemeClr val="accent1"/>
+          </a:effectRef>
+          <a:fontRef idx="minor">
+            <a:schemeClr val="lt1"/>
+          </a:fontRef>
+        </p:style>
+        <p:txBody>
+          <a:bodyPr rtlCol="0" anchor="ctr"/>
+          <a:lstStyle/>
+          <a:p>
+            <a:pPr algn="ctr"/>
+            <a:r>
+              <a:rPr lang="en-US" sz="1600" dirty="0">
+                <a:solidFill>
+                  <a:schemeClr val="tx1"/>
+                </a:solidFill>
+              </a:rPr>
+              <a:t>OS</a:t>
+            </a:r>
+          </a:p>
+        </p:txBody>
+      </p:sp>
+      <p:sp>
+        <p:nvSpPr>
+          <p:cNvPr id="25" name="Rectangle: Rounded Corners 24">
+            <a:extLst>
+              <a:ext uri="{FF2B5EF4-FFF2-40B4-BE49-F238E27FC236}">
+                <a16:creationId xmlns:a16="http://schemas.microsoft.com/office/drawing/2014/main" id="{8E9E899D-477F-4C54-8629-56C27233097D}"/>
+              </a:ext>
+            </a:extLst>
+          </p:cNvPr>
+          <p:cNvSpPr/>
+          <p:nvPr/>
+        </p:nvSpPr>
+        <p:spPr>
+          <a:xfrm>
+            <a:off x="982675" y="1503669"/>
+            <a:ext cx="149086" cy="77767"/>
+          </a:xfrm>
+          <a:prstGeom prst="roundRect">
+            <a:avLst>
+              <a:gd name="adj" fmla="val 0"/>
+            </a:avLst>
+          </a:prstGeom>
+          <a:solidFill>
+            <a:schemeClr val="bg1"/>
+          </a:solidFill>
+          <a:ln w="19050">
+            <a:solidFill>
+              <a:schemeClr val="tx1"/>
+            </a:solidFill>
+          </a:ln>
+        </p:spPr>
+        <p:style>
+          <a:lnRef idx="2">
+            <a:schemeClr val="accent1">
+              <a:shade val="50000"/>
+            </a:schemeClr>
+          </a:lnRef>
+          <a:fillRef idx="1">
+            <a:schemeClr val="accent1"/>
+          </a:fillRef>
+          <a:effectRef idx="0">
+            <a:schemeClr val="accent1"/>
+          </a:effectRef>
+          <a:fontRef idx="minor">
+            <a:schemeClr val="lt1"/>
+          </a:fontRef>
+        </p:style>
+        <p:txBody>
+          <a:bodyPr rtlCol="0" anchor="ctr"/>
+          <a:lstStyle/>
+          <a:p>
+            <a:pPr algn="ctr"/>
+            <a:endParaRPr lang="en-US" sz="1600"/>
+          </a:p>
+        </p:txBody>
+      </p:sp>
+      <p:sp>
+        <p:nvSpPr>
+          <p:cNvPr id="26" name="Rectangle: Rounded Corners 25">
+            <a:extLst>
+              <a:ext uri="{FF2B5EF4-FFF2-40B4-BE49-F238E27FC236}">
+                <a16:creationId xmlns:a16="http://schemas.microsoft.com/office/drawing/2014/main" id="{BBA91DC6-D4BB-49D2-B1CF-48E4E3FC5CED}"/>
+              </a:ext>
+            </a:extLst>
+          </p:cNvPr>
+          <p:cNvSpPr/>
+          <p:nvPr/>
+        </p:nvSpPr>
+        <p:spPr>
+          <a:xfrm rot="5400000">
+            <a:off x="2521556" y="990812"/>
+            <a:ext cx="149086" cy="77767"/>
+          </a:xfrm>
+          <a:prstGeom prst="roundRect">
+            <a:avLst>
+              <a:gd name="adj" fmla="val 0"/>
+            </a:avLst>
+          </a:prstGeom>
+          <a:solidFill>
+            <a:schemeClr val="bg1"/>
+          </a:solidFill>
+          <a:ln w="19050">
+            <a:solidFill>
+              <a:schemeClr val="tx1"/>
+            </a:solidFill>
+          </a:ln>
+        </p:spPr>
+        <p:style>
+          <a:lnRef idx="2">
+            <a:schemeClr val="accent1">
+              <a:shade val="50000"/>
+            </a:schemeClr>
+          </a:lnRef>
+          <a:fillRef idx="1">
+            <a:schemeClr val="accent1"/>
+          </a:fillRef>
+          <a:effectRef idx="0">
+            <a:schemeClr val="accent1"/>
+          </a:effectRef>
+          <a:fontRef idx="minor">
+            <a:schemeClr val="lt1"/>
+          </a:fontRef>
+        </p:style>
+        <p:txBody>
+          <a:bodyPr rtlCol="0" anchor="ctr"/>
+          <a:lstStyle/>
+          <a:p>
+            <a:pPr algn="ctr"/>
+            <a:endParaRPr lang="en-US" sz="1600"/>
+          </a:p>
+        </p:txBody>
+      </p:sp>
+      <p:sp>
+        <p:nvSpPr>
+          <p:cNvPr id="28" name="Rectangle: Rounded Corners 27">
+            <a:extLst>
+              <a:ext uri="{FF2B5EF4-FFF2-40B4-BE49-F238E27FC236}">
+                <a16:creationId xmlns:a16="http://schemas.microsoft.com/office/drawing/2014/main" id="{3D76D1C0-6777-4382-8D92-8DA0C22B30BD}"/>
+              </a:ext>
+            </a:extLst>
+          </p:cNvPr>
+          <p:cNvSpPr/>
+          <p:nvPr/>
+        </p:nvSpPr>
+        <p:spPr>
+          <a:xfrm>
+            <a:off x="1206610" y="1234438"/>
+            <a:ext cx="1039632" cy="616227"/>
+          </a:xfrm>
+          <a:prstGeom prst="roundRect">
+            <a:avLst>
+              <a:gd name="adj" fmla="val 5649"/>
+            </a:avLst>
+          </a:prstGeom>
+          <a:solidFill>
+            <a:srgbClr val="69BAF5"/>
+          </a:solidFill>
+          <a:ln w="19050">
+            <a:solidFill>
+              <a:schemeClr val="tx1"/>
+            </a:solidFill>
+          </a:ln>
+        </p:spPr>
+        <p:style>
+          <a:lnRef idx="2">
+            <a:schemeClr val="accent1">
+              <a:shade val="50000"/>
+            </a:schemeClr>
+          </a:lnRef>
+          <a:fillRef idx="1">
+            <a:schemeClr val="accent1"/>
+          </a:fillRef>
+          <a:effectRef idx="0">
+            <a:schemeClr val="accent1"/>
+          </a:effectRef>
+          <a:fontRef idx="minor">
+            <a:schemeClr val="lt1"/>
+          </a:fontRef>
+        </p:style>
+        <p:txBody>
+          <a:bodyPr rtlCol="0" anchor="ctr"/>
+          <a:lstStyle/>
+          <a:p>
+            <a:pPr algn="ctr"/>
+            <a:r>
+              <a:rPr lang="en-US" sz="1600" dirty="0">
+                <a:solidFill>
+                  <a:schemeClr val="tx1"/>
+                </a:solidFill>
+              </a:rPr>
+              <a:t>SPI</a:t>
+            </a:r>
+          </a:p>
+        </p:txBody>
+      </p:sp>
+      <p:sp>
+        <p:nvSpPr>
+          <p:cNvPr id="29" name="Rectangle: Rounded Corners 28">
+            <a:extLst>
+              <a:ext uri="{FF2B5EF4-FFF2-40B4-BE49-F238E27FC236}">
+                <a16:creationId xmlns:a16="http://schemas.microsoft.com/office/drawing/2014/main" id="{41618DD2-1FC4-4816-A20A-459427A7BE32}"/>
+              </a:ext>
+            </a:extLst>
+          </p:cNvPr>
+          <p:cNvSpPr/>
+          <p:nvPr/>
+        </p:nvSpPr>
+        <p:spPr>
+          <a:xfrm>
+            <a:off x="4181362" y="1234438"/>
+            <a:ext cx="1039632" cy="616227"/>
+          </a:xfrm>
+          <a:prstGeom prst="roundRect">
+            <a:avLst>
+              <a:gd name="adj" fmla="val 5649"/>
+            </a:avLst>
+          </a:prstGeom>
+          <a:solidFill>
+            <a:srgbClr val="FEC165"/>
+          </a:solidFill>
+          <a:ln w="19050">
+            <a:solidFill>
+              <a:schemeClr val="tx1"/>
+            </a:solidFill>
+          </a:ln>
+        </p:spPr>
+        <p:style>
+          <a:lnRef idx="2">
+            <a:schemeClr val="accent1">
+              <a:shade val="50000"/>
+            </a:schemeClr>
+          </a:lnRef>
+          <a:fillRef idx="1">
+            <a:schemeClr val="accent1"/>
+          </a:fillRef>
+          <a:effectRef idx="0">
+            <a:schemeClr val="accent1"/>
+          </a:effectRef>
+          <a:fontRef idx="minor">
+            <a:schemeClr val="lt1"/>
+          </a:fontRef>
+        </p:style>
+        <p:txBody>
+          <a:bodyPr rtlCol="0" anchor="ctr"/>
+          <a:lstStyle/>
+          <a:p>
+            <a:pPr algn="ctr"/>
+            <a:r>
+              <a:rPr lang="en-US" sz="1600" dirty="0">
+                <a:solidFill>
+                  <a:schemeClr val="tx1"/>
+                </a:solidFill>
+              </a:rPr>
+              <a:t>PCI</a:t>
+            </a:r>
+          </a:p>
+        </p:txBody>
+      </p:sp>
+      <p:cxnSp>
+        <p:nvCxnSpPr>
+          <p:cNvPr id="31" name="Straight Connector 30">
+            <a:extLst>
+              <a:ext uri="{FF2B5EF4-FFF2-40B4-BE49-F238E27FC236}">
+                <a16:creationId xmlns:a16="http://schemas.microsoft.com/office/drawing/2014/main" id="{658488F6-DC5E-443A-BEED-AB0DE73D8BBD}"/>
+              </a:ext>
+            </a:extLst>
+          </p:cNvPr>
+          <p:cNvCxnSpPr>
+            <a:cxnSpLocks/>
+            <a:stCxn id="26" idx="1"/>
+            <a:endCxn id="27" idx="2"/>
+          </p:cNvCxnSpPr>
+          <p:nvPr/>
+        </p:nvCxnSpPr>
+        <p:spPr>
+          <a:xfrm flipV="1">
+            <a:off x="2596099" y="846817"/>
+            <a:ext cx="1988" cy="108336"/>
+          </a:xfrm>
+          <a:prstGeom prst="line">
+            <a:avLst/>
+          </a:prstGeom>
+          <a:ln w="19050">
+            <a:solidFill>
+              <a:schemeClr val="tx1"/>
+            </a:solidFill>
+          </a:ln>
+        </p:spPr>
+        <p:style>
+          <a:lnRef idx="1">
+            <a:schemeClr val="dk1"/>
+          </a:lnRef>
+          <a:fillRef idx="0">
+            <a:schemeClr val="dk1"/>
+          </a:fillRef>
+          <a:effectRef idx="0">
+            <a:schemeClr val="dk1"/>
+          </a:effectRef>
+          <a:fontRef idx="minor">
+            <a:schemeClr val="tx1"/>
+          </a:fontRef>
+        </p:style>
+      </p:cxnSp>
+      <p:pic>
+        <p:nvPicPr>
+          <p:cNvPr id="35" name="Picture 34">
+            <a:extLst>
+              <a:ext uri="{FF2B5EF4-FFF2-40B4-BE49-F238E27FC236}">
+                <a16:creationId xmlns:a16="http://schemas.microsoft.com/office/drawing/2014/main" id="{0B7B80BC-39FC-4E35-9AA4-2CE0EBE7DE39}"/>
+              </a:ext>
+            </a:extLst>
+          </p:cNvPr>
+          <p:cNvPicPr>
+            <a:picLocks noChangeAspect="1"/>
+          </p:cNvPicPr>
+          <p:nvPr/>
+        </p:nvPicPr>
+        <p:blipFill>
+          <a:blip r:embed="rId5" cstate="print">
+            <a:extLst>
+              <a:ext uri="{28A0092B-C50C-407E-A947-70E740481C1C}">
+                <a14:useLocalDpi xmlns:a14="http://schemas.microsoft.com/office/drawing/2010/main" val="0"/>
+              </a:ext>
+            </a:extLst>
+          </a:blip>
+          <a:stretch>
+            <a:fillRect/>
+          </a:stretch>
+        </p:blipFill>
+        <p:spPr>
+          <a:xfrm rot="5400000">
+            <a:off x="389612" y="1245867"/>
+            <a:ext cx="593367" cy="593367"/>
+          </a:xfrm>
+          <a:prstGeom prst="rect">
+            <a:avLst/>
+          </a:prstGeom>
+        </p:spPr>
+      </p:pic>
+      <p:grpSp>
+        <p:nvGrpSpPr>
+          <p:cNvPr id="66" name="Group 65">
+            <a:extLst>
+              <a:ext uri="{FF2B5EF4-FFF2-40B4-BE49-F238E27FC236}">
+                <a16:creationId xmlns:a16="http://schemas.microsoft.com/office/drawing/2014/main" id="{6F135681-E830-41A0-B242-CADFC71086E8}"/>
+              </a:ext>
+            </a:extLst>
+          </p:cNvPr>
+          <p:cNvGrpSpPr/>
+          <p:nvPr/>
+        </p:nvGrpSpPr>
+        <p:grpSpPr>
+          <a:xfrm>
+            <a:off x="222635" y="135172"/>
+            <a:ext cx="6381927" cy="2544417"/>
+            <a:chOff x="2878372" y="1796995"/>
+            <a:chExt cx="6491754" cy="2544417"/>
+          </a:xfrm>
+        </p:grpSpPr>
+        <p:cxnSp>
+          <p:nvCxnSpPr>
+            <p:cNvPr id="43" name="Straight Connector 42">
+              <a:extLst>
+                <a:ext uri="{FF2B5EF4-FFF2-40B4-BE49-F238E27FC236}">
+                  <a16:creationId xmlns:a16="http://schemas.microsoft.com/office/drawing/2014/main" id="{95EEA416-A583-4786-BE4F-D6865E8AAD17}"/>
+                </a:ext>
+              </a:extLst>
+            </p:cNvPr>
+            <p:cNvCxnSpPr/>
+            <p:nvPr/>
+          </p:nvCxnSpPr>
+          <p:spPr>
+            <a:xfrm>
+              <a:off x="2878372" y="2826689"/>
+              <a:ext cx="0" cy="755374"/>
+            </a:xfrm>
+            <a:prstGeom prst="line">
+              <a:avLst/>
+            </a:prstGeom>
+            <a:ln w="19050">
+              <a:solidFill>
+                <a:srgbClr val="69BAF5"/>
+              </a:solidFill>
+            </a:ln>
+          </p:spPr>
+          <p:style>
+            <a:lnRef idx="1">
+              <a:schemeClr val="accent1"/>
+            </a:lnRef>
+            <a:fillRef idx="0">
+              <a:schemeClr val="accent1"/>
+            </a:fillRef>
+            <a:effectRef idx="0">
+              <a:schemeClr val="accent1"/>
+            </a:effectRef>
+            <a:fontRef idx="minor">
+              <a:schemeClr val="tx1"/>
+            </a:fontRef>
+          </p:style>
+        </p:cxnSp>
+        <p:cxnSp>
+          <p:nvCxnSpPr>
+            <p:cNvPr id="44" name="Straight Connector 43">
+              <a:extLst>
+                <a:ext uri="{FF2B5EF4-FFF2-40B4-BE49-F238E27FC236}">
+                  <a16:creationId xmlns:a16="http://schemas.microsoft.com/office/drawing/2014/main" id="{BA47661C-97D1-4D5D-ABD5-4B68323CD759}"/>
+                </a:ext>
+              </a:extLst>
+            </p:cNvPr>
+            <p:cNvCxnSpPr>
+              <a:cxnSpLocks/>
+            </p:cNvCxnSpPr>
+            <p:nvPr/>
+          </p:nvCxnSpPr>
+          <p:spPr>
+            <a:xfrm flipH="1">
+              <a:off x="2878374" y="2826689"/>
+              <a:ext cx="2115045" cy="0"/>
+            </a:xfrm>
+            <a:prstGeom prst="line">
+              <a:avLst/>
+            </a:prstGeom>
+            <a:ln w="19050">
+              <a:solidFill>
+                <a:srgbClr val="69BAF5"/>
+              </a:solidFill>
+            </a:ln>
+          </p:spPr>
+          <p:style>
+            <a:lnRef idx="1">
+              <a:schemeClr val="accent1"/>
+            </a:lnRef>
+            <a:fillRef idx="0">
+              <a:schemeClr val="accent1"/>
+            </a:fillRef>
+            <a:effectRef idx="0">
+              <a:schemeClr val="accent1"/>
+            </a:effectRef>
+            <a:fontRef idx="minor">
+              <a:schemeClr val="tx1"/>
+            </a:fontRef>
+          </p:style>
+        </p:cxnSp>
+        <p:cxnSp>
+          <p:nvCxnSpPr>
+            <p:cNvPr id="52" name="Straight Connector 51">
+              <a:extLst>
+                <a:ext uri="{FF2B5EF4-FFF2-40B4-BE49-F238E27FC236}">
+                  <a16:creationId xmlns:a16="http://schemas.microsoft.com/office/drawing/2014/main" id="{5D8F615C-D2C2-4B52-8EE8-14A7A2132E02}"/>
+                </a:ext>
+              </a:extLst>
+            </p:cNvPr>
+            <p:cNvCxnSpPr>
+              <a:cxnSpLocks/>
+            </p:cNvCxnSpPr>
+            <p:nvPr/>
+          </p:nvCxnSpPr>
+          <p:spPr>
+            <a:xfrm>
+              <a:off x="4989443" y="2826689"/>
+              <a:ext cx="0" cy="1514723"/>
+            </a:xfrm>
+            <a:prstGeom prst="line">
+              <a:avLst/>
+            </a:prstGeom>
+            <a:ln w="19050">
+              <a:solidFill>
+                <a:srgbClr val="69BAF5"/>
+              </a:solidFill>
+            </a:ln>
+          </p:spPr>
+          <p:style>
+            <a:lnRef idx="1">
+              <a:schemeClr val="accent1"/>
+            </a:lnRef>
+            <a:fillRef idx="0">
+              <a:schemeClr val="accent1"/>
+            </a:fillRef>
+            <a:effectRef idx="0">
+              <a:schemeClr val="accent1"/>
+            </a:effectRef>
+            <a:fontRef idx="minor">
+              <a:schemeClr val="tx1"/>
+            </a:fontRef>
+          </p:style>
+        </p:cxnSp>
+        <p:cxnSp>
+          <p:nvCxnSpPr>
+            <p:cNvPr id="54" name="Straight Connector 53">
+              <a:extLst>
+                <a:ext uri="{FF2B5EF4-FFF2-40B4-BE49-F238E27FC236}">
+                  <a16:creationId xmlns:a16="http://schemas.microsoft.com/office/drawing/2014/main" id="{FAB1BA21-A65A-4CC0-A7BF-80B249060108}"/>
+                </a:ext>
+              </a:extLst>
+            </p:cNvPr>
+            <p:cNvCxnSpPr>
+              <a:cxnSpLocks/>
+            </p:cNvCxnSpPr>
+            <p:nvPr/>
+          </p:nvCxnSpPr>
+          <p:spPr>
+            <a:xfrm flipH="1">
+              <a:off x="3828553" y="4337437"/>
+              <a:ext cx="1164867" cy="0"/>
+            </a:xfrm>
+            <a:prstGeom prst="line">
+              <a:avLst/>
+            </a:prstGeom>
+            <a:ln w="19050">
+              <a:solidFill>
+                <a:srgbClr val="69BAF5"/>
+              </a:solidFill>
+            </a:ln>
+          </p:spPr>
+          <p:style>
+            <a:lnRef idx="1">
+              <a:schemeClr val="accent1"/>
+            </a:lnRef>
+            <a:fillRef idx="0">
+              <a:schemeClr val="accent1"/>
+            </a:fillRef>
+            <a:effectRef idx="0">
+              <a:schemeClr val="accent1"/>
+            </a:effectRef>
+            <a:fontRef idx="minor">
+              <a:schemeClr val="tx1"/>
+            </a:fontRef>
+          </p:style>
+        </p:cxnSp>
+        <p:cxnSp>
+          <p:nvCxnSpPr>
+            <p:cNvPr id="56" name="Straight Connector 55">
+              <a:extLst>
+                <a:ext uri="{FF2B5EF4-FFF2-40B4-BE49-F238E27FC236}">
+                  <a16:creationId xmlns:a16="http://schemas.microsoft.com/office/drawing/2014/main" id="{9EF3CD13-EC21-4885-B0C3-077E96157FFA}"/>
+                </a:ext>
+              </a:extLst>
+            </p:cNvPr>
+            <p:cNvCxnSpPr>
+              <a:cxnSpLocks/>
+            </p:cNvCxnSpPr>
+            <p:nvPr/>
+          </p:nvCxnSpPr>
+          <p:spPr>
+            <a:xfrm flipH="1">
+              <a:off x="2878372" y="3582063"/>
+              <a:ext cx="950181" cy="0"/>
+            </a:xfrm>
+            <a:prstGeom prst="line">
+              <a:avLst/>
+            </a:prstGeom>
+            <a:ln w="19050">
+              <a:solidFill>
+                <a:srgbClr val="69BAF5"/>
+              </a:solidFill>
+            </a:ln>
+          </p:spPr>
+          <p:style>
+            <a:lnRef idx="1">
+              <a:schemeClr val="accent1"/>
+            </a:lnRef>
+            <a:fillRef idx="0">
+              <a:schemeClr val="accent1"/>
+            </a:fillRef>
+            <a:effectRef idx="0">
+              <a:schemeClr val="accent1"/>
+            </a:effectRef>
+            <a:fontRef idx="minor">
+              <a:schemeClr val="tx1"/>
+            </a:fontRef>
+          </p:style>
+        </p:cxnSp>
+        <p:cxnSp>
+          <p:nvCxnSpPr>
+            <p:cNvPr id="60" name="Straight Connector 59">
+              <a:extLst>
+                <a:ext uri="{FF2B5EF4-FFF2-40B4-BE49-F238E27FC236}">
+                  <a16:creationId xmlns:a16="http://schemas.microsoft.com/office/drawing/2014/main" id="{9A321C37-93B9-41FA-A76E-956976F8C001}"/>
+                </a:ext>
+              </a:extLst>
+            </p:cNvPr>
+            <p:cNvCxnSpPr>
+              <a:cxnSpLocks/>
+            </p:cNvCxnSpPr>
+            <p:nvPr/>
+          </p:nvCxnSpPr>
+          <p:spPr>
+            <a:xfrm>
+              <a:off x="3817620" y="3591560"/>
+              <a:ext cx="10933" cy="745877"/>
+            </a:xfrm>
+            <a:prstGeom prst="line">
+              <a:avLst/>
+            </a:prstGeom>
+            <a:ln w="19050">
+              <a:solidFill>
+                <a:srgbClr val="69BAF5"/>
+              </a:solidFill>
+            </a:ln>
+          </p:spPr>
+          <p:style>
+            <a:lnRef idx="1">
+              <a:schemeClr val="accent1"/>
+            </a:lnRef>
+            <a:fillRef idx="0">
+              <a:schemeClr val="accent1"/>
+            </a:fillRef>
+            <a:effectRef idx="0">
+              <a:schemeClr val="accent1"/>
+            </a:effectRef>
+            <a:fontRef idx="minor">
+              <a:schemeClr val="tx1"/>
+            </a:fontRef>
+          </p:style>
+        </p:cxnSp>
+        <p:cxnSp>
+          <p:nvCxnSpPr>
+            <p:cNvPr id="101" name="Straight Connector 100">
+              <a:extLst>
+                <a:ext uri="{FF2B5EF4-FFF2-40B4-BE49-F238E27FC236}">
+                  <a16:creationId xmlns:a16="http://schemas.microsoft.com/office/drawing/2014/main" id="{8C010894-8645-44FC-BF4B-650FEE2267CA}"/>
+                </a:ext>
+              </a:extLst>
+            </p:cNvPr>
+            <p:cNvCxnSpPr>
+              <a:cxnSpLocks/>
+            </p:cNvCxnSpPr>
+            <p:nvPr/>
+          </p:nvCxnSpPr>
+          <p:spPr>
+            <a:xfrm>
+              <a:off x="4613345" y="1800971"/>
+              <a:ext cx="0" cy="1025718"/>
+            </a:xfrm>
+            <a:prstGeom prst="line">
+              <a:avLst/>
+            </a:prstGeom>
+            <a:ln w="19050">
+              <a:solidFill>
+                <a:srgbClr val="69BAF5"/>
+              </a:solidFill>
+            </a:ln>
+          </p:spPr>
+          <p:style>
+            <a:lnRef idx="1">
+              <a:schemeClr val="accent1"/>
+            </a:lnRef>
+            <a:fillRef idx="0">
+              <a:schemeClr val="accent1"/>
+            </a:fillRef>
+            <a:effectRef idx="0">
+              <a:schemeClr val="accent1"/>
+            </a:effectRef>
+            <a:fontRef idx="minor">
+              <a:schemeClr val="tx1"/>
+            </a:fontRef>
+          </p:style>
+        </p:cxnSp>
+        <p:cxnSp>
+          <p:nvCxnSpPr>
+            <p:cNvPr id="104" name="Straight Connector 103">
+              <a:extLst>
+                <a:ext uri="{FF2B5EF4-FFF2-40B4-BE49-F238E27FC236}">
+                  <a16:creationId xmlns:a16="http://schemas.microsoft.com/office/drawing/2014/main" id="{BADC8A2E-5FE2-4CC9-B8D2-36B4CFF1307F}"/>
+                </a:ext>
+              </a:extLst>
+            </p:cNvPr>
+            <p:cNvCxnSpPr>
+              <a:cxnSpLocks/>
+            </p:cNvCxnSpPr>
+            <p:nvPr/>
+          </p:nvCxnSpPr>
+          <p:spPr>
+            <a:xfrm flipH="1">
+              <a:off x="4613347" y="1800971"/>
+              <a:ext cx="4756778" cy="0"/>
+            </a:xfrm>
+            <a:prstGeom prst="line">
+              <a:avLst/>
+            </a:prstGeom>
+            <a:ln w="19050">
+              <a:solidFill>
+                <a:srgbClr val="69BAF5"/>
+              </a:solidFill>
+            </a:ln>
+          </p:spPr>
+          <p:style>
+            <a:lnRef idx="1">
+              <a:schemeClr val="accent1"/>
+            </a:lnRef>
+            <a:fillRef idx="0">
+              <a:schemeClr val="accent1"/>
+            </a:fillRef>
+            <a:effectRef idx="0">
+              <a:schemeClr val="accent1"/>
+            </a:effectRef>
+            <a:fontRef idx="minor">
+              <a:schemeClr val="tx1"/>
+            </a:fontRef>
+          </p:style>
+        </p:cxnSp>
+        <p:cxnSp>
+          <p:nvCxnSpPr>
+            <p:cNvPr id="106" name="Straight Connector 105">
+              <a:extLst>
+                <a:ext uri="{FF2B5EF4-FFF2-40B4-BE49-F238E27FC236}">
+                  <a16:creationId xmlns:a16="http://schemas.microsoft.com/office/drawing/2014/main" id="{D048D44A-09BB-4266-929F-F48800619295}"/>
+                </a:ext>
+              </a:extLst>
+            </p:cNvPr>
+            <p:cNvCxnSpPr>
+              <a:cxnSpLocks/>
+            </p:cNvCxnSpPr>
+            <p:nvPr/>
+          </p:nvCxnSpPr>
+          <p:spPr>
+            <a:xfrm>
+              <a:off x="9366082" y="1796995"/>
+              <a:ext cx="0" cy="1747798"/>
+            </a:xfrm>
+            <a:prstGeom prst="line">
+              <a:avLst/>
+            </a:prstGeom>
+            <a:ln w="19050">
+              <a:solidFill>
+                <a:srgbClr val="69BAF5"/>
+              </a:solidFill>
+            </a:ln>
+          </p:spPr>
+          <p:style>
+            <a:lnRef idx="1">
+              <a:schemeClr val="accent1"/>
+            </a:lnRef>
+            <a:fillRef idx="0">
+              <a:schemeClr val="accent1"/>
+            </a:fillRef>
+            <a:effectRef idx="0">
+              <a:schemeClr val="accent1"/>
+            </a:effectRef>
+            <a:fontRef idx="minor">
+              <a:schemeClr val="tx1"/>
+            </a:fontRef>
+          </p:style>
+        </p:cxnSp>
+        <p:cxnSp>
+          <p:nvCxnSpPr>
+            <p:cNvPr id="110" name="Straight Connector 109">
+              <a:extLst>
+                <a:ext uri="{FF2B5EF4-FFF2-40B4-BE49-F238E27FC236}">
+                  <a16:creationId xmlns:a16="http://schemas.microsoft.com/office/drawing/2014/main" id="{DD26B344-FA05-4BD4-87E5-55ECC6710ABA}"/>
+                </a:ext>
+              </a:extLst>
+            </p:cNvPr>
+            <p:cNvCxnSpPr>
+              <a:cxnSpLocks/>
+            </p:cNvCxnSpPr>
+            <p:nvPr/>
+          </p:nvCxnSpPr>
+          <p:spPr>
+            <a:xfrm flipH="1">
+              <a:off x="8321691" y="3544793"/>
+              <a:ext cx="1048435" cy="0"/>
+            </a:xfrm>
+            <a:prstGeom prst="line">
+              <a:avLst/>
+            </a:prstGeom>
+            <a:ln w="19050">
+              <a:solidFill>
+                <a:srgbClr val="69BAF5"/>
+              </a:solidFill>
+            </a:ln>
+          </p:spPr>
+          <p:style>
+            <a:lnRef idx="1">
+              <a:schemeClr val="accent1"/>
+            </a:lnRef>
+            <a:fillRef idx="0">
+              <a:schemeClr val="accent1"/>
+            </a:fillRef>
+            <a:effectRef idx="0">
+              <a:schemeClr val="accent1"/>
+            </a:effectRef>
+            <a:fontRef idx="minor">
+              <a:schemeClr val="tx1"/>
+            </a:fontRef>
+          </p:style>
+        </p:cxnSp>
+      </p:grpSp>
+      <p:sp>
+        <p:nvSpPr>
+          <p:cNvPr id="69" name="Rectangle: Rounded Corners 68">
+            <a:extLst>
+              <a:ext uri="{FF2B5EF4-FFF2-40B4-BE49-F238E27FC236}">
+                <a16:creationId xmlns:a16="http://schemas.microsoft.com/office/drawing/2014/main" id="{FFA96C3E-D20C-4342-8ACF-7685E17CBC01}"/>
+              </a:ext>
+            </a:extLst>
+          </p:cNvPr>
+          <p:cNvSpPr/>
+          <p:nvPr/>
+        </p:nvSpPr>
+        <p:spPr>
+          <a:xfrm>
+            <a:off x="5303490" y="1503669"/>
+            <a:ext cx="149086" cy="77767"/>
+          </a:xfrm>
+          <a:prstGeom prst="roundRect">
+            <a:avLst>
+              <a:gd name="adj" fmla="val 0"/>
+            </a:avLst>
+          </a:prstGeom>
+          <a:solidFill>
+            <a:schemeClr val="bg1"/>
+          </a:solidFill>
+          <a:ln w="19050">
+            <a:solidFill>
+              <a:schemeClr val="tx1"/>
+            </a:solidFill>
+          </a:ln>
+        </p:spPr>
+        <p:style>
+          <a:lnRef idx="2">
+            <a:schemeClr val="accent1">
+              <a:shade val="50000"/>
+            </a:schemeClr>
+          </a:lnRef>
+          <a:fillRef idx="1">
+            <a:schemeClr val="accent1"/>
+          </a:fillRef>
+          <a:effectRef idx="0">
+            <a:schemeClr val="accent1"/>
+          </a:effectRef>
+          <a:fontRef idx="minor">
+            <a:schemeClr val="lt1"/>
+          </a:fontRef>
+        </p:style>
+        <p:txBody>
+          <a:bodyPr rtlCol="0" anchor="ctr"/>
+          <a:lstStyle/>
+          <a:p>
+            <a:pPr algn="ctr"/>
+            <a:endParaRPr lang="en-US" sz="1600"/>
+          </a:p>
+        </p:txBody>
+      </p:sp>
+      <p:cxnSp>
+        <p:nvCxnSpPr>
+          <p:cNvPr id="70" name="Straight Connector 69">
+            <a:extLst>
+              <a:ext uri="{FF2B5EF4-FFF2-40B4-BE49-F238E27FC236}">
+                <a16:creationId xmlns:a16="http://schemas.microsoft.com/office/drawing/2014/main" id="{2CF7E1F5-D6F4-4C15-81EE-6E2A3E99C4ED}"/>
+              </a:ext>
+            </a:extLst>
+          </p:cNvPr>
+          <p:cNvCxnSpPr>
+            <a:cxnSpLocks/>
+            <a:stCxn id="29" idx="3"/>
+            <a:endCxn id="69" idx="1"/>
+          </p:cNvCxnSpPr>
+          <p:nvPr/>
+        </p:nvCxnSpPr>
+        <p:spPr>
+          <a:xfrm>
+            <a:off x="5220994" y="1542552"/>
+            <a:ext cx="82496" cy="1"/>
+          </a:xfrm>
+          <a:prstGeom prst="line">
+            <a:avLst/>
+          </a:prstGeom>
+          <a:ln w="19050">
+            <a:solidFill>
+              <a:schemeClr val="tx1"/>
+            </a:solidFill>
+          </a:ln>
+        </p:spPr>
+        <p:style>
+          <a:lnRef idx="1">
+            <a:schemeClr val="dk1"/>
+          </a:lnRef>
+          <a:fillRef idx="0">
+            <a:schemeClr val="dk1"/>
+          </a:fillRef>
+          <a:effectRef idx="0">
+            <a:schemeClr val="dk1"/>
+          </a:effectRef>
+          <a:fontRef idx="minor">
+            <a:schemeClr val="tx1"/>
+          </a:fontRef>
+        </p:style>
+      </p:cxnSp>
+      <p:cxnSp>
+        <p:nvCxnSpPr>
+          <p:cNvPr id="73" name="Straight Connector 72">
+            <a:extLst>
+              <a:ext uri="{FF2B5EF4-FFF2-40B4-BE49-F238E27FC236}">
+                <a16:creationId xmlns:a16="http://schemas.microsoft.com/office/drawing/2014/main" id="{DE00B333-9365-4763-B193-3A11421A3288}"/>
+              </a:ext>
+            </a:extLst>
+          </p:cNvPr>
+          <p:cNvCxnSpPr>
+            <a:cxnSpLocks/>
+            <a:stCxn id="69" idx="3"/>
+            <a:endCxn id="15" idx="1"/>
+          </p:cNvCxnSpPr>
+          <p:nvPr/>
+        </p:nvCxnSpPr>
+        <p:spPr>
+          <a:xfrm flipV="1">
+            <a:off x="5452576" y="1542551"/>
+            <a:ext cx="306093" cy="2"/>
+          </a:xfrm>
+          <a:prstGeom prst="line">
+            <a:avLst/>
+          </a:prstGeom>
+          <a:ln w="19050">
+            <a:solidFill>
+              <a:schemeClr val="tx1"/>
+            </a:solidFill>
+          </a:ln>
+        </p:spPr>
+        <p:style>
+          <a:lnRef idx="1">
+            <a:schemeClr val="dk1"/>
+          </a:lnRef>
+          <a:fillRef idx="0">
+            <a:schemeClr val="dk1"/>
+          </a:fillRef>
+          <a:effectRef idx="0">
+            <a:schemeClr val="dk1"/>
+          </a:effectRef>
+          <a:fontRef idx="minor">
+            <a:schemeClr val="tx1"/>
+          </a:fontRef>
+        </p:style>
+      </p:cxnSp>
+      <p:sp>
+        <p:nvSpPr>
+          <p:cNvPr id="80" name="Freeform: Shape 79">
+            <a:extLst>
+              <a:ext uri="{FF2B5EF4-FFF2-40B4-BE49-F238E27FC236}">
+                <a16:creationId xmlns:a16="http://schemas.microsoft.com/office/drawing/2014/main" id="{4B4BF77E-CBE9-49F6-BCF4-2390A182DDBF}"/>
+              </a:ext>
+            </a:extLst>
+          </p:cNvPr>
+          <p:cNvSpPr/>
+          <p:nvPr/>
+        </p:nvSpPr>
+        <p:spPr>
+          <a:xfrm>
+            <a:off x="2445025" y="19881"/>
+            <a:ext cx="4082995" cy="2655732"/>
+          </a:xfrm>
+          <a:custGeom>
+            <a:avLst/>
+            <a:gdLst>
+              <a:gd name="connsiteX0" fmla="*/ 0 w 4082995"/>
+              <a:gd name="connsiteY0" fmla="*/ 2834640 h 2838616"/>
+              <a:gd name="connsiteX1" fmla="*/ 1260281 w 4082995"/>
+              <a:gd name="connsiteY1" fmla="*/ 2834640 h 2838616"/>
+              <a:gd name="connsiteX2" fmla="*/ 1260281 w 4082995"/>
+              <a:gd name="connsiteY2" fmla="*/ 178905 h 2838616"/>
+              <a:gd name="connsiteX3" fmla="*/ 3188473 w 4082995"/>
+              <a:gd name="connsiteY3" fmla="*/ 178905 h 2838616"/>
+              <a:gd name="connsiteX4" fmla="*/ 3188473 w 4082995"/>
+              <a:gd name="connsiteY4" fmla="*/ 2122999 h 2838616"/>
+              <a:gd name="connsiteX5" fmla="*/ 4082995 w 4082995"/>
+              <a:gd name="connsiteY5" fmla="*/ 2122999 h 2838616"/>
+              <a:gd name="connsiteX6" fmla="*/ 4082995 w 4082995"/>
+              <a:gd name="connsiteY6" fmla="*/ 0 h 2838616"/>
+              <a:gd name="connsiteX7" fmla="*/ 962108 w 4082995"/>
+              <a:gd name="connsiteY7" fmla="*/ 0 h 2838616"/>
+              <a:gd name="connsiteX8" fmla="*/ 962108 w 4082995"/>
+              <a:gd name="connsiteY8" fmla="*/ 2047461 h 2838616"/>
+              <a:gd name="connsiteX9" fmla="*/ 15902 w 4082995"/>
+              <a:gd name="connsiteY9" fmla="*/ 2047461 h 2838616"/>
+              <a:gd name="connsiteX10" fmla="*/ 15902 w 4082995"/>
+              <a:gd name="connsiteY10" fmla="*/ 2838616 h 2838616"/>
+            </a:gdLst>
+            <a:ahLst/>
+            <a:cxnLst>
+              <a:cxn ang="0">
+                <a:pos x="connsiteX0" y="connsiteY0"/>
+              </a:cxn>
+              <a:cxn ang="0">
+                <a:pos x="connsiteX1" y="connsiteY1"/>
+              </a:cxn>
+              <a:cxn ang="0">
+                <a:pos x="connsiteX2" y="connsiteY2"/>
+              </a:cxn>
+              <a:cxn ang="0">
+                <a:pos x="connsiteX3" y="connsiteY3"/>
+              </a:cxn>
+              <a:cxn ang="0">
+                <a:pos x="connsiteX4" y="connsiteY4"/>
+              </a:cxn>
+              <a:cxn ang="0">
+                <a:pos x="connsiteX5" y="connsiteY5"/>
+              </a:cxn>
+              <a:cxn ang="0">
+                <a:pos x="connsiteX6" y="connsiteY6"/>
+              </a:cxn>
+              <a:cxn ang="0">
+                <a:pos x="connsiteX7" y="connsiteY7"/>
+              </a:cxn>
+              <a:cxn ang="0">
+                <a:pos x="connsiteX8" y="connsiteY8"/>
+              </a:cxn>
+              <a:cxn ang="0">
+                <a:pos x="connsiteX9" y="connsiteY9"/>
+              </a:cxn>
+              <a:cxn ang="0">
+                <a:pos x="connsiteX10" y="connsiteY10"/>
+              </a:cxn>
+            </a:cxnLst>
+            <a:rect l="l" t="t" r="r" b="b"/>
+            <a:pathLst>
+              <a:path w="4082995" h="2838616">
+                <a:moveTo>
+                  <a:pt x="0" y="2834640"/>
+                </a:moveTo>
+                <a:lnTo>
+                  <a:pt x="1260281" y="2834640"/>
+                </a:lnTo>
+                <a:lnTo>
+                  <a:pt x="1260281" y="178905"/>
+                </a:lnTo>
+                <a:lnTo>
+                  <a:pt x="3188473" y="178905"/>
+                </a:lnTo>
+                <a:lnTo>
+                  <a:pt x="3188473" y="2122999"/>
+                </a:lnTo>
+                <a:lnTo>
+                  <a:pt x="4082995" y="2122999"/>
+                </a:lnTo>
+                <a:lnTo>
+                  <a:pt x="4082995" y="0"/>
+                </a:lnTo>
+                <a:lnTo>
+                  <a:pt x="962108" y="0"/>
+                </a:lnTo>
+                <a:lnTo>
+                  <a:pt x="962108" y="2047461"/>
+                </a:lnTo>
+                <a:lnTo>
+                  <a:pt x="15902" y="2047461"/>
+                </a:lnTo>
+                <a:lnTo>
+                  <a:pt x="15902" y="2838616"/>
+                </a:lnTo>
+              </a:path>
+            </a:pathLst>
+          </a:custGeom>
+          <a:noFill/>
+          <a:ln w="19050">
+            <a:solidFill>
+              <a:srgbClr val="FEC165"/>
+            </a:solidFill>
+          </a:ln>
+        </p:spPr>
+        <p:style>
+          <a:lnRef idx="2">
+            <a:schemeClr val="accent1">
+              <a:shade val="50000"/>
+            </a:schemeClr>
+          </a:lnRef>
+          <a:fillRef idx="1">
+            <a:schemeClr val="accent1"/>
+          </a:fillRef>
+          <a:effectRef idx="0">
+            <a:schemeClr val="accent1"/>
+          </a:effectRef>
+          <a:fontRef idx="minor">
+            <a:schemeClr val="lt1"/>
+          </a:fontRef>
+        </p:style>
+        <p:txBody>
+          <a:bodyPr rtlCol="0" anchor="ctr"/>
+          <a:lstStyle/>
+          <a:p>
+            <a:pPr algn="ctr"/>
+            <a:endParaRPr lang="en-US" sz="1600"/>
+          </a:p>
+        </p:txBody>
+      </p:sp>
+      <p:grpSp>
+        <p:nvGrpSpPr>
+          <p:cNvPr id="86" name="Group 85">
+            <a:extLst>
+              <a:ext uri="{FF2B5EF4-FFF2-40B4-BE49-F238E27FC236}">
+                <a16:creationId xmlns:a16="http://schemas.microsoft.com/office/drawing/2014/main" id="{95BD6A36-AAD5-4573-87A1-F39D3C838DF6}"/>
+              </a:ext>
+            </a:extLst>
+          </p:cNvPr>
+          <p:cNvGrpSpPr/>
+          <p:nvPr/>
+        </p:nvGrpSpPr>
+        <p:grpSpPr>
+          <a:xfrm>
+            <a:off x="1240401" y="445275"/>
+            <a:ext cx="2715371" cy="401542"/>
+            <a:chOff x="3896138" y="1785067"/>
+            <a:chExt cx="2715371" cy="401542"/>
+          </a:xfrm>
+        </p:grpSpPr>
+        <p:sp>
+          <p:nvSpPr>
+            <p:cNvPr id="27" name="Rectangle: Rounded Corners 26">
+              <a:extLst>
+                <a:ext uri="{FF2B5EF4-FFF2-40B4-BE49-F238E27FC236}">
+                  <a16:creationId xmlns:a16="http://schemas.microsoft.com/office/drawing/2014/main" id="{EA41E8AE-8D44-4B04-B7B6-F76B1516D2A0}"/>
+                </a:ext>
+              </a:extLst>
+            </p:cNvPr>
+            <p:cNvSpPr/>
+            <p:nvPr/>
+          </p:nvSpPr>
+          <p:spPr>
+            <a:xfrm>
+              <a:off x="3896138" y="1785068"/>
+              <a:ext cx="2715371" cy="401541"/>
+            </a:xfrm>
+            <a:prstGeom prst="roundRect">
+              <a:avLst>
+                <a:gd name="adj" fmla="val 0"/>
+              </a:avLst>
+            </a:prstGeom>
+            <a:noFill/>
+            <a:ln w="19050">
+              <a:solidFill>
+                <a:schemeClr val="tx1"/>
+              </a:solidFill>
+            </a:ln>
+          </p:spPr>
+          <p:style>
+            <a:lnRef idx="2">
+              <a:schemeClr val="accent1">
+                <a:shade val="50000"/>
+              </a:schemeClr>
+            </a:lnRef>
+            <a:fillRef idx="1">
+              <a:schemeClr val="accent1"/>
+            </a:fillRef>
+            <a:effectRef idx="0">
+              <a:schemeClr val="accent1"/>
+            </a:effectRef>
+            <a:fontRef idx="minor">
+              <a:schemeClr val="lt1"/>
+            </a:fontRef>
+          </p:style>
+          <p:txBody>
+            <a:bodyPr rtlCol="0" anchor="ctr"/>
+            <a:lstStyle/>
+            <a:p>
+              <a:pPr algn="ctr"/>
+              <a:endParaRPr lang="en-US" sz="1600"/>
+            </a:p>
+          </p:txBody>
+        </p:sp>
+        <p:sp>
+          <p:nvSpPr>
+            <p:cNvPr id="81" name="Rectangle 80">
+              <a:extLst>
+                <a:ext uri="{FF2B5EF4-FFF2-40B4-BE49-F238E27FC236}">
+                  <a16:creationId xmlns:a16="http://schemas.microsoft.com/office/drawing/2014/main" id="{B6477E82-10BB-47AC-A6B7-642BE3B27661}"/>
+                </a:ext>
+              </a:extLst>
+            </p:cNvPr>
+            <p:cNvSpPr/>
+            <p:nvPr/>
+          </p:nvSpPr>
+          <p:spPr>
+            <a:xfrm>
+              <a:off x="6057912" y="1785067"/>
+              <a:ext cx="306690" cy="401541"/>
+            </a:xfrm>
+            <a:prstGeom prst="rect">
+              <a:avLst/>
+            </a:prstGeom>
+            <a:solidFill>
+              <a:schemeClr val="bg1">
+                <a:lumMod val="85000"/>
+              </a:schemeClr>
+            </a:solidFill>
+            <a:ln w="19050">
+              <a:solidFill>
+                <a:schemeClr val="tx1"/>
+              </a:solidFill>
+            </a:ln>
+          </p:spPr>
+          <p:style>
+            <a:lnRef idx="2">
+              <a:schemeClr val="accent1">
+                <a:shade val="50000"/>
+              </a:schemeClr>
+            </a:lnRef>
+            <a:fillRef idx="1">
+              <a:schemeClr val="accent1"/>
+            </a:fillRef>
+            <a:effectRef idx="0">
+              <a:schemeClr val="accent1"/>
+            </a:effectRef>
+            <a:fontRef idx="minor">
+              <a:schemeClr val="lt1"/>
+            </a:fontRef>
+          </p:style>
+          <p:txBody>
+            <a:bodyPr rtlCol="0" anchor="ctr"/>
+            <a:lstStyle/>
+            <a:p>
+              <a:pPr algn="ctr"/>
+              <a:endParaRPr lang="en-US" sz="1600"/>
+            </a:p>
+          </p:txBody>
+        </p:sp>
+      </p:grpSp>
+      <p:sp>
+        <p:nvSpPr>
+          <p:cNvPr id="87" name="Rectangle 86">
+            <a:extLst>
+              <a:ext uri="{FF2B5EF4-FFF2-40B4-BE49-F238E27FC236}">
+                <a16:creationId xmlns:a16="http://schemas.microsoft.com/office/drawing/2014/main" id="{A85A9A10-F9A7-43EB-A979-B8CBF9D5B53D}"/>
+              </a:ext>
+            </a:extLst>
+          </p:cNvPr>
+          <p:cNvSpPr/>
+          <p:nvPr/>
+        </p:nvSpPr>
+        <p:spPr>
+          <a:xfrm>
+            <a:off x="-83947" y="3533912"/>
+            <a:ext cx="947118" cy="338554"/>
+          </a:xfrm>
+          <a:prstGeom prst="rect">
+            <a:avLst/>
+          </a:prstGeom>
+        </p:spPr>
+        <p:txBody>
+          <a:bodyPr wrap="none">
+            <a:spAutoFit/>
+          </a:bodyPr>
+          <a:lstStyle/>
+          <a:p>
+            <a:pPr algn="ctr"/>
+            <a:r>
+              <a:rPr lang="en-US" sz="1600" dirty="0"/>
+              <a:t>Verifier 1</a:t>
+            </a:r>
+          </a:p>
+        </p:txBody>
+      </p:sp>
+      <p:sp>
+        <p:nvSpPr>
+          <p:cNvPr id="88" name="Rectangle 87">
+            <a:extLst>
+              <a:ext uri="{FF2B5EF4-FFF2-40B4-BE49-F238E27FC236}">
+                <a16:creationId xmlns:a16="http://schemas.microsoft.com/office/drawing/2014/main" id="{2DF2FEC6-909D-4C7C-9C09-39BF3A8C4DDE}"/>
+              </a:ext>
+            </a:extLst>
+          </p:cNvPr>
+          <p:cNvSpPr/>
+          <p:nvPr/>
+        </p:nvSpPr>
+        <p:spPr>
+          <a:xfrm>
+            <a:off x="5657443" y="3533912"/>
+            <a:ext cx="947119" cy="338554"/>
+          </a:xfrm>
+          <a:prstGeom prst="rect">
+            <a:avLst/>
+          </a:prstGeom>
+        </p:spPr>
+        <p:txBody>
+          <a:bodyPr wrap="none">
+            <a:spAutoFit/>
+          </a:bodyPr>
+          <a:lstStyle/>
+          <a:p>
+            <a:pPr algn="ctr"/>
+            <a:r>
+              <a:rPr lang="en-US" sz="1600" dirty="0"/>
+              <a:t>Verifier 2</a:t>
+            </a:r>
+          </a:p>
+        </p:txBody>
+      </p:sp>
+      <p:cxnSp>
+        <p:nvCxnSpPr>
+          <p:cNvPr id="90" name="Straight Arrow Connector 89">
+            <a:extLst>
+              <a:ext uri="{FF2B5EF4-FFF2-40B4-BE49-F238E27FC236}">
+                <a16:creationId xmlns:a16="http://schemas.microsoft.com/office/drawing/2014/main" id="{1671D8D3-CBDB-46CC-92B7-CF761F81ACD9}"/>
+              </a:ext>
+            </a:extLst>
+          </p:cNvPr>
+          <p:cNvCxnSpPr>
+            <a:cxnSpLocks/>
+          </p:cNvCxnSpPr>
+          <p:nvPr/>
+        </p:nvCxnSpPr>
+        <p:spPr>
+          <a:xfrm flipV="1">
+            <a:off x="389612" y="2178038"/>
+            <a:ext cx="0" cy="457200"/>
+          </a:xfrm>
+          <a:prstGeom prst="straightConnector1">
+            <a:avLst/>
+          </a:prstGeom>
+          <a:ln w="19050">
+            <a:solidFill>
+              <a:srgbClr val="69BAF5"/>
+            </a:solidFill>
+            <a:tailEnd type="triangle"/>
+          </a:ln>
+        </p:spPr>
+        <p:style>
+          <a:lnRef idx="1">
+            <a:schemeClr val="accent1"/>
+          </a:lnRef>
+          <a:fillRef idx="0">
+            <a:schemeClr val="accent1"/>
+          </a:fillRef>
+          <a:effectRef idx="0">
+            <a:schemeClr val="accent1"/>
+          </a:effectRef>
+          <a:fontRef idx="minor">
+            <a:schemeClr val="tx1"/>
+          </a:fontRef>
+        </p:style>
+      </p:cxnSp>
+      <p:cxnSp>
+        <p:nvCxnSpPr>
+          <p:cNvPr id="91" name="Straight Arrow Connector 90">
+            <a:extLst>
+              <a:ext uri="{FF2B5EF4-FFF2-40B4-BE49-F238E27FC236}">
+                <a16:creationId xmlns:a16="http://schemas.microsoft.com/office/drawing/2014/main" id="{2CE9D243-9F9B-49A1-BDDA-F4A7AE4FFA6E}"/>
+              </a:ext>
+            </a:extLst>
+          </p:cNvPr>
+          <p:cNvCxnSpPr>
+            <a:cxnSpLocks/>
+          </p:cNvCxnSpPr>
+          <p:nvPr/>
+        </p:nvCxnSpPr>
+        <p:spPr>
+          <a:xfrm flipV="1">
+            <a:off x="6131002" y="2178038"/>
+            <a:ext cx="0" cy="457200"/>
+          </a:xfrm>
+          <a:prstGeom prst="straightConnector1">
+            <a:avLst/>
+          </a:prstGeom>
+          <a:ln w="19050">
+            <a:solidFill>
+              <a:srgbClr val="FEC165"/>
+            </a:solidFill>
+            <a:tailEnd type="triangle"/>
+          </a:ln>
+        </p:spPr>
+        <p:style>
+          <a:lnRef idx="1">
+            <a:schemeClr val="accent1"/>
+          </a:lnRef>
+          <a:fillRef idx="0">
+            <a:schemeClr val="accent1"/>
+          </a:fillRef>
+          <a:effectRef idx="0">
+            <a:schemeClr val="accent1"/>
+          </a:effectRef>
+          <a:fontRef idx="minor">
+            <a:schemeClr val="tx1"/>
+          </a:fontRef>
+        </p:style>
+      </p:cxnSp>
+      <p:sp>
+        <p:nvSpPr>
+          <p:cNvPr id="94" name="Rectangle 93">
+            <a:extLst>
+              <a:ext uri="{FF2B5EF4-FFF2-40B4-BE49-F238E27FC236}">
+                <a16:creationId xmlns:a16="http://schemas.microsoft.com/office/drawing/2014/main" id="{B55D3279-648C-4067-9ACA-BDA377C14663}"/>
+              </a:ext>
+            </a:extLst>
+          </p:cNvPr>
+          <p:cNvSpPr/>
+          <p:nvPr/>
+        </p:nvSpPr>
+        <p:spPr>
+          <a:xfrm>
+            <a:off x="408850" y="2284950"/>
+            <a:ext cx="680251" cy="338554"/>
+          </a:xfrm>
+          <a:prstGeom prst="rect">
+            <a:avLst/>
+          </a:prstGeom>
+        </p:spPr>
+        <p:txBody>
+          <a:bodyPr wrap="none">
+            <a:spAutoFit/>
+          </a:bodyPr>
+          <a:lstStyle/>
+          <a:p>
+            <a:r>
+              <a:rPr lang="en-US" sz="1600" dirty="0"/>
+              <a:t>Attest</a:t>
+            </a:r>
+          </a:p>
+        </p:txBody>
+      </p:sp>
+      <p:sp>
+        <p:nvSpPr>
+          <p:cNvPr id="95" name="Rectangle 94">
+            <a:extLst>
+              <a:ext uri="{FF2B5EF4-FFF2-40B4-BE49-F238E27FC236}">
+                <a16:creationId xmlns:a16="http://schemas.microsoft.com/office/drawing/2014/main" id="{C650A5AC-FD02-4D9F-B1F2-09A5EF19115F}"/>
+              </a:ext>
+            </a:extLst>
+          </p:cNvPr>
+          <p:cNvSpPr/>
+          <p:nvPr/>
+        </p:nvSpPr>
+        <p:spPr>
+          <a:xfrm>
+            <a:off x="5439242" y="2301470"/>
+            <a:ext cx="680251" cy="338554"/>
+          </a:xfrm>
+          <a:prstGeom prst="rect">
+            <a:avLst/>
+          </a:prstGeom>
+        </p:spPr>
+        <p:txBody>
+          <a:bodyPr wrap="none">
+            <a:spAutoFit/>
+          </a:bodyPr>
+          <a:lstStyle/>
+          <a:p>
+            <a:r>
+              <a:rPr lang="en-US" sz="1600" dirty="0"/>
+              <a:t>Attest</a:t>
+            </a:r>
+          </a:p>
+        </p:txBody>
+      </p:sp>
+      <p:sp>
+        <p:nvSpPr>
+          <p:cNvPr id="96" name="Rectangle 95">
+            <a:extLst>
+              <a:ext uri="{FF2B5EF4-FFF2-40B4-BE49-F238E27FC236}">
+                <a16:creationId xmlns:a16="http://schemas.microsoft.com/office/drawing/2014/main" id="{FF5171E1-F4E6-4302-9A0F-11CA40642F1C}"/>
+              </a:ext>
+            </a:extLst>
+          </p:cNvPr>
+          <p:cNvSpPr/>
+          <p:nvPr/>
+        </p:nvSpPr>
+        <p:spPr>
+          <a:xfrm>
+            <a:off x="171711" y="467259"/>
+            <a:ext cx="900631" cy="338554"/>
+          </a:xfrm>
+          <a:prstGeom prst="rect">
+            <a:avLst/>
+          </a:prstGeom>
+        </p:spPr>
+        <p:txBody>
+          <a:bodyPr wrap="none">
+            <a:spAutoFit/>
+          </a:bodyPr>
+          <a:lstStyle/>
+          <a:p>
+            <a:r>
+              <a:rPr lang="en-US" sz="1600" dirty="0"/>
+              <a:t>Memory</a:t>
+            </a:r>
+          </a:p>
+        </p:txBody>
+      </p:sp>
+      <p:sp>
+        <p:nvSpPr>
+          <p:cNvPr id="98" name="Rectangle 97">
+            <a:extLst>
+              <a:ext uri="{FF2B5EF4-FFF2-40B4-BE49-F238E27FC236}">
+                <a16:creationId xmlns:a16="http://schemas.microsoft.com/office/drawing/2014/main" id="{6308EDBC-C071-459F-8100-F9468F390A80}"/>
+              </a:ext>
+            </a:extLst>
+          </p:cNvPr>
+          <p:cNvSpPr/>
+          <p:nvPr/>
+        </p:nvSpPr>
+        <p:spPr>
+          <a:xfrm>
+            <a:off x="2716870" y="3533912"/>
+            <a:ext cx="998864" cy="338554"/>
+          </a:xfrm>
+          <a:prstGeom prst="rect">
+            <a:avLst/>
+          </a:prstGeom>
+        </p:spPr>
+        <p:txBody>
+          <a:bodyPr wrap="none">
+            <a:spAutoFit/>
+          </a:bodyPr>
+          <a:lstStyle/>
+          <a:p>
+            <a:pPr algn="ctr"/>
+            <a:r>
+              <a:rPr lang="en-US" sz="1600" dirty="0"/>
+              <a:t>Processor</a:t>
+            </a:r>
+          </a:p>
+        </p:txBody>
+      </p:sp>
+    </p:spTree>
+    <p:extLst>
+      <p:ext uri="{BB962C8B-B14F-4D97-AF65-F5344CB8AC3E}">
+        <p14:creationId xmlns:p14="http://schemas.microsoft.com/office/powerpoint/2010/main" val="976037662"/>
+      </p:ext>
+    </p:extLst>
+  </p:cSld>
+  <p:clrMapOvr>
+    <a:masterClrMapping/>
+  </p:clrMapOvr>
+</p:sld>
+</file>
+
+<file path=ppt/slides/slide9.xml><?xml version="1.0" encoding="utf-8"?>
+<p:sld xmlns:a="http://schemas.openxmlformats.org/drawingml/2006/main" xmlns:r="http://schemas.openxmlformats.org/officeDocument/2006/relationships" xmlns:p="http://schemas.openxmlformats.org/presentationml/2006/main">
+  <p:cSld>
+    <p:spTree>
+      <p:nvGrpSpPr>
+        <p:cNvPr id="1" name=""/>
+        <p:cNvGrpSpPr/>
+        <p:nvPr/>
+      </p:nvGrpSpPr>
+      <p:grpSpPr>
+        <a:xfrm>
+          <a:off x="0" y="0"/>
+          <a:ext cx="0" cy="0"/>
+          <a:chOff x="0" y="0"/>
+          <a:chExt cx="0" cy="0"/>
+        </a:xfrm>
+      </p:grpSpPr>
       <p:cxnSp>
         <p:nvCxnSpPr>
           <p:cNvPr id="47" name="Straight Arrow Connector 46"/>
@@ -34948,7 +38445,7 @@
           <p:nvPr/>
         </p:nvPicPr>
         <p:blipFill>
-          <a:blip r:embed="rId4" cstate="print">
+          <a:blip r:embed="rId2" cstate="print">
             <a:extLst>
               <a:ext uri="{28A0092B-C50C-407E-A947-70E740481C1C}">
                 <a14:useLocalDpi xmlns:a14="http://schemas.microsoft.com/office/drawing/2010/main" val="0"/>
@@ -35995,1569 +39492,6 @@
     <p:extLst>
       <p:ext uri="{BB962C8B-B14F-4D97-AF65-F5344CB8AC3E}">
         <p14:creationId xmlns:p14="http://schemas.microsoft.com/office/powerpoint/2010/main" val="107336654"/>
-      </p:ext>
-    </p:extLst>
-  </p:cSld>
-  <p:clrMapOvr>
-    <a:masterClrMapping/>
-  </p:clrMapOvr>
-</p:sld>
-</file>
-
-<file path=ppt/slides/slide9.xml><?xml version="1.0" encoding="utf-8"?>
-<p:sld xmlns:a="http://schemas.openxmlformats.org/drawingml/2006/main" xmlns:r="http://schemas.openxmlformats.org/officeDocument/2006/relationships" xmlns:p="http://schemas.openxmlformats.org/presentationml/2006/main">
-  <p:cSld>
-    <p:spTree>
-      <p:nvGrpSpPr>
-        <p:cNvPr id="1" name=""/>
-        <p:cNvGrpSpPr/>
-        <p:nvPr/>
-      </p:nvGrpSpPr>
-      <p:grpSpPr>
-        <a:xfrm>
-          <a:off x="0" y="0"/>
-          <a:ext cx="0" cy="0"/>
-          <a:chOff x="0" y="0"/>
-          <a:chExt cx="0" cy="0"/>
-        </a:xfrm>
-      </p:grpSpPr>
-      <p:cxnSp>
-        <p:nvCxnSpPr>
-          <p:cNvPr id="47" name="Straight Arrow Connector 46"/>
-          <p:cNvCxnSpPr/>
-          <p:nvPr/>
-        </p:nvCxnSpPr>
-        <p:spPr>
-          <a:xfrm>
-            <a:off x="495319" y="2511590"/>
-            <a:ext cx="2164399" cy="0"/>
-          </a:xfrm>
-          <a:prstGeom prst="straightConnector1">
-            <a:avLst/>
-          </a:prstGeom>
-          <a:ln w="19050">
-            <a:headEnd type="none" w="med" len="med"/>
-            <a:tailEnd type="triangle" w="med" len="med"/>
-          </a:ln>
-        </p:spPr>
-        <p:style>
-          <a:lnRef idx="1">
-            <a:schemeClr val="dk1"/>
-          </a:lnRef>
-          <a:fillRef idx="0">
-            <a:schemeClr val="dk1"/>
-          </a:fillRef>
-          <a:effectRef idx="0">
-            <a:schemeClr val="dk1"/>
-          </a:effectRef>
-          <a:fontRef idx="minor">
-            <a:schemeClr val="tx1"/>
-          </a:fontRef>
-        </p:style>
-      </p:cxnSp>
-      <p:sp>
-        <p:nvSpPr>
-          <p:cNvPr id="50" name="TextBox 49"/>
-          <p:cNvSpPr txBox="1"/>
-          <p:nvPr/>
-        </p:nvSpPr>
-        <p:spPr>
-          <a:xfrm>
-            <a:off x="680323" y="2324088"/>
-            <a:ext cx="1718163" cy="369332"/>
-          </a:xfrm>
-          <a:prstGeom prst="rect">
-            <a:avLst/>
-          </a:prstGeom>
-          <a:solidFill>
-            <a:schemeClr val="bg1"/>
-          </a:solidFill>
-        </p:spPr>
-        <p:txBody>
-          <a:bodyPr wrap="none" rtlCol="0">
-            <a:spAutoFit/>
-          </a:bodyPr>
-          <a:lstStyle/>
-          <a:p>
-            <a:r>
-              <a:rPr lang="en-US" dirty="0"/>
-              <a:t>Firmware report</a:t>
-            </a:r>
-          </a:p>
-        </p:txBody>
-      </p:sp>
-      <p:cxnSp>
-        <p:nvCxnSpPr>
-          <p:cNvPr id="46" name="Straight Arrow Connector 45"/>
-          <p:cNvCxnSpPr/>
-          <p:nvPr/>
-        </p:nvCxnSpPr>
-        <p:spPr>
-          <a:xfrm>
-            <a:off x="4830617" y="3319736"/>
-            <a:ext cx="1474077" cy="0"/>
-          </a:xfrm>
-          <a:prstGeom prst="straightConnector1">
-            <a:avLst/>
-          </a:prstGeom>
-          <a:ln w="19050">
-            <a:tailEnd type="triangle"/>
-          </a:ln>
-        </p:spPr>
-        <p:style>
-          <a:lnRef idx="1">
-            <a:schemeClr val="dk1"/>
-          </a:lnRef>
-          <a:fillRef idx="0">
-            <a:schemeClr val="dk1"/>
-          </a:fillRef>
-          <a:effectRef idx="0">
-            <a:schemeClr val="dk1"/>
-          </a:effectRef>
-          <a:fontRef idx="minor">
-            <a:schemeClr val="tx1"/>
-          </a:fontRef>
-        </p:style>
-      </p:cxnSp>
-      <p:cxnSp>
-        <p:nvCxnSpPr>
-          <p:cNvPr id="51" name="Straight Arrow Connector 50"/>
-          <p:cNvCxnSpPr/>
-          <p:nvPr/>
-        </p:nvCxnSpPr>
-        <p:spPr>
-          <a:xfrm flipH="1">
-            <a:off x="4817899" y="4447237"/>
-            <a:ext cx="1474073" cy="0"/>
-          </a:xfrm>
-          <a:prstGeom prst="straightConnector1">
-            <a:avLst/>
-          </a:prstGeom>
-          <a:ln w="19050">
-            <a:tailEnd type="triangle"/>
-          </a:ln>
-        </p:spPr>
-        <p:style>
-          <a:lnRef idx="1">
-            <a:schemeClr val="dk1"/>
-          </a:lnRef>
-          <a:fillRef idx="0">
-            <a:schemeClr val="dk1"/>
-          </a:fillRef>
-          <a:effectRef idx="0">
-            <a:schemeClr val="dk1"/>
-          </a:effectRef>
-          <a:fontRef idx="minor">
-            <a:schemeClr val="tx1"/>
-          </a:fontRef>
-        </p:style>
-      </p:cxnSp>
-      <p:sp>
-        <p:nvSpPr>
-          <p:cNvPr id="45" name="TextBox 44"/>
-          <p:cNvSpPr txBox="1"/>
-          <p:nvPr/>
-        </p:nvSpPr>
-        <p:spPr>
-          <a:xfrm>
-            <a:off x="4951169" y="3017102"/>
-            <a:ext cx="1237052" cy="646331"/>
-          </a:xfrm>
-          <a:prstGeom prst="rect">
-            <a:avLst/>
-          </a:prstGeom>
-          <a:solidFill>
-            <a:schemeClr val="bg1"/>
-          </a:solidFill>
-        </p:spPr>
-        <p:txBody>
-          <a:bodyPr wrap="square" rtlCol="0">
-            <a:spAutoFit/>
-          </a:bodyPr>
-          <a:lstStyle/>
-          <a:p>
-            <a:pPr algn="ctr"/>
-            <a:r>
-              <a:rPr lang="en-US" dirty="0"/>
-              <a:t>AE report + </a:t>
-            </a:r>
-          </a:p>
-          <a:p>
-            <a:pPr algn="ctr"/>
-            <a:r>
-              <a:rPr lang="en-US" dirty="0"/>
-              <a:t>CE list</a:t>
-            </a:r>
-          </a:p>
-        </p:txBody>
-      </p:sp>
-      <p:sp>
-        <p:nvSpPr>
-          <p:cNvPr id="27" name="Rounded Rectangle 26"/>
-          <p:cNvSpPr/>
-          <p:nvPr/>
-        </p:nvSpPr>
-        <p:spPr>
-          <a:xfrm>
-            <a:off x="13782" y="9390"/>
-            <a:ext cx="1022487" cy="1506154"/>
-          </a:xfrm>
-          <a:prstGeom prst="roundRect">
-            <a:avLst>
-              <a:gd name="adj" fmla="val 8425"/>
-            </a:avLst>
-          </a:prstGeom>
-          <a:solidFill>
-            <a:srgbClr val="EBD481"/>
-          </a:solidFill>
-          <a:ln>
-            <a:solidFill>
-              <a:schemeClr val="tx1"/>
-            </a:solidFill>
-          </a:ln>
-        </p:spPr>
-        <p:style>
-          <a:lnRef idx="2">
-            <a:schemeClr val="accent4">
-              <a:shade val="50000"/>
-            </a:schemeClr>
-          </a:lnRef>
-          <a:fillRef idx="1">
-            <a:schemeClr val="accent4"/>
-          </a:fillRef>
-          <a:effectRef idx="0">
-            <a:schemeClr val="accent4"/>
-          </a:effectRef>
-          <a:fontRef idx="minor">
-            <a:schemeClr val="lt1"/>
-          </a:fontRef>
-        </p:style>
-        <p:txBody>
-          <a:bodyPr rtlCol="0" anchor="ctr"/>
-          <a:lstStyle/>
-          <a:p>
-            <a:pPr algn="ctr"/>
-            <a:endParaRPr lang="en-US"/>
-          </a:p>
-        </p:txBody>
-      </p:sp>
-      <p:sp>
-        <p:nvSpPr>
-          <p:cNvPr id="2" name="Rounded Rectangle 1"/>
-          <p:cNvSpPr/>
-          <p:nvPr/>
-        </p:nvSpPr>
-        <p:spPr>
-          <a:xfrm>
-            <a:off x="1549272" y="9390"/>
-            <a:ext cx="4032031" cy="1492117"/>
-          </a:xfrm>
-          <a:prstGeom prst="roundRect">
-            <a:avLst>
-              <a:gd name="adj" fmla="val 5919"/>
-            </a:avLst>
-          </a:prstGeom>
-          <a:solidFill>
-            <a:srgbClr val="E2F0D9"/>
-          </a:solidFill>
-          <a:ln>
-            <a:solidFill>
-              <a:schemeClr val="tx1"/>
-            </a:solidFill>
-          </a:ln>
-        </p:spPr>
-        <p:style>
-          <a:lnRef idx="2">
-            <a:schemeClr val="accent4">
-              <a:shade val="50000"/>
-            </a:schemeClr>
-          </a:lnRef>
-          <a:fillRef idx="1">
-            <a:schemeClr val="accent4"/>
-          </a:fillRef>
-          <a:effectRef idx="0">
-            <a:schemeClr val="accent4"/>
-          </a:effectRef>
-          <a:fontRef idx="minor">
-            <a:schemeClr val="lt1"/>
-          </a:fontRef>
-        </p:style>
-        <p:txBody>
-          <a:bodyPr rtlCol="0" anchor="ctr"/>
-          <a:lstStyle/>
-          <a:p>
-            <a:pPr algn="ctr"/>
-            <a:endParaRPr lang="en-US"/>
-          </a:p>
-        </p:txBody>
-      </p:sp>
-      <p:pic>
-        <p:nvPicPr>
-          <p:cNvPr id="4" name="Picture 3"/>
-          <p:cNvPicPr>
-            <a:picLocks noChangeAspect="1"/>
-          </p:cNvPicPr>
-          <p:nvPr/>
-        </p:nvPicPr>
-        <p:blipFill>
-          <a:blip r:embed="rId2" cstate="print">
-            <a:extLst>
-              <a:ext uri="{28A0092B-C50C-407E-A947-70E740481C1C}">
-                <a14:useLocalDpi xmlns:a14="http://schemas.microsoft.com/office/drawing/2010/main" val="0"/>
-              </a:ext>
-            </a:extLst>
-          </a:blip>
-          <a:stretch>
-            <a:fillRect/>
-          </a:stretch>
-        </p:blipFill>
-        <p:spPr>
-          <a:xfrm>
-            <a:off x="3265728" y="114421"/>
-            <a:ext cx="556685" cy="556685"/>
-          </a:xfrm>
-          <a:prstGeom prst="rect">
-            <a:avLst/>
-          </a:prstGeom>
-        </p:spPr>
-      </p:pic>
-      <p:pic>
-        <p:nvPicPr>
-          <p:cNvPr id="10" name="Picture 9"/>
-          <p:cNvPicPr>
-            <a:picLocks noChangeAspect="1"/>
-          </p:cNvPicPr>
-          <p:nvPr/>
-        </p:nvPicPr>
-        <p:blipFill rotWithShape="1">
-          <a:blip r:embed="rId3" cstate="print">
-            <a:extLst>
-              <a:ext uri="{28A0092B-C50C-407E-A947-70E740481C1C}">
-                <a14:useLocalDpi xmlns:a14="http://schemas.microsoft.com/office/drawing/2010/main" val="0"/>
-              </a:ext>
-            </a:extLst>
-          </a:blip>
-          <a:srcRect t="5113" b="5382"/>
-          <a:stretch/>
-        </p:blipFill>
-        <p:spPr>
-          <a:xfrm>
-            <a:off x="4310196" y="449384"/>
-            <a:ext cx="611155" cy="547005"/>
-          </a:xfrm>
-          <a:prstGeom prst="rect">
-            <a:avLst/>
-          </a:prstGeom>
-        </p:spPr>
-      </p:pic>
-      <p:grpSp>
-        <p:nvGrpSpPr>
-          <p:cNvPr id="14" name="Group 13"/>
-          <p:cNvGrpSpPr/>
-          <p:nvPr/>
-        </p:nvGrpSpPr>
-        <p:grpSpPr>
-          <a:xfrm>
-            <a:off x="2137924" y="449384"/>
-            <a:ext cx="761394" cy="701823"/>
-            <a:chOff x="2454472" y="621868"/>
-            <a:chExt cx="761394" cy="701823"/>
-          </a:xfrm>
-        </p:grpSpPr>
-        <p:pic>
-          <p:nvPicPr>
-            <p:cNvPr id="11" name="Picture 10"/>
-            <p:cNvPicPr>
-              <a:picLocks noChangeAspect="1"/>
-            </p:cNvPicPr>
-            <p:nvPr/>
-          </p:nvPicPr>
-          <p:blipFill rotWithShape="1">
-            <a:blip r:embed="rId3" cstate="print">
-              <a:extLst>
-                <a:ext uri="{28A0092B-C50C-407E-A947-70E740481C1C}">
-                  <a14:useLocalDpi xmlns:a14="http://schemas.microsoft.com/office/drawing/2010/main" val="0"/>
-                </a:ext>
-              </a:extLst>
-            </a:blip>
-            <a:srcRect t="5113" b="5382"/>
-            <a:stretch/>
-          </p:blipFill>
-          <p:spPr>
-            <a:xfrm>
-              <a:off x="2454472" y="621868"/>
-              <a:ext cx="611155" cy="547005"/>
-            </a:xfrm>
-            <a:prstGeom prst="rect">
-              <a:avLst/>
-            </a:prstGeom>
-          </p:spPr>
-        </p:pic>
-        <p:pic>
-          <p:nvPicPr>
-            <p:cNvPr id="12" name="Picture 11"/>
-            <p:cNvPicPr>
-              <a:picLocks noChangeAspect="1"/>
-            </p:cNvPicPr>
-            <p:nvPr/>
-          </p:nvPicPr>
-          <p:blipFill>
-            <a:blip r:embed="rId4" cstate="print">
-              <a:extLst>
-                <a:ext uri="{28A0092B-C50C-407E-A947-70E740481C1C}">
-                  <a14:useLocalDpi xmlns:a14="http://schemas.microsoft.com/office/drawing/2010/main" val="0"/>
-                </a:ext>
-              </a:extLst>
-            </a:blip>
-            <a:stretch>
-              <a:fillRect/>
-            </a:stretch>
-          </p:blipFill>
-          <p:spPr>
-            <a:xfrm>
-              <a:off x="2672963" y="780788"/>
-              <a:ext cx="542903" cy="542903"/>
-            </a:xfrm>
-            <a:prstGeom prst="rect">
-              <a:avLst/>
-            </a:prstGeom>
-          </p:spPr>
-        </p:pic>
-      </p:grpSp>
-      <p:pic>
-        <p:nvPicPr>
-          <p:cNvPr id="13" name="Picture 12"/>
-          <p:cNvPicPr>
-            <a:picLocks noChangeAspect="1"/>
-          </p:cNvPicPr>
-          <p:nvPr/>
-        </p:nvPicPr>
-        <p:blipFill>
-          <a:blip r:embed="rId4" cstate="print">
-            <a:extLst>
-              <a:ext uri="{28A0092B-C50C-407E-A947-70E740481C1C}">
-                <a14:useLocalDpi xmlns:a14="http://schemas.microsoft.com/office/drawing/2010/main" val="0"/>
-              </a:ext>
-            </a:extLst>
-          </a:blip>
-          <a:stretch>
-            <a:fillRect/>
-          </a:stretch>
-        </p:blipFill>
-        <p:spPr>
-          <a:xfrm>
-            <a:off x="218241" y="530282"/>
-            <a:ext cx="542903" cy="542903"/>
-          </a:xfrm>
-          <a:prstGeom prst="rect">
-            <a:avLst/>
-          </a:prstGeom>
-        </p:spPr>
-      </p:pic>
-      <p:cxnSp>
-        <p:nvCxnSpPr>
-          <p:cNvPr id="16" name="Straight Arrow Connector 15"/>
-          <p:cNvCxnSpPr/>
-          <p:nvPr/>
-        </p:nvCxnSpPr>
-        <p:spPr>
-          <a:xfrm>
-            <a:off x="497593" y="1771769"/>
-            <a:ext cx="2164399" cy="0"/>
-          </a:xfrm>
-          <a:prstGeom prst="straightConnector1">
-            <a:avLst/>
-          </a:prstGeom>
-          <a:ln w="19050">
-            <a:tailEnd type="triangle"/>
-          </a:ln>
-        </p:spPr>
-        <p:style>
-          <a:lnRef idx="1">
-            <a:schemeClr val="dk1"/>
-          </a:lnRef>
-          <a:fillRef idx="0">
-            <a:schemeClr val="dk1"/>
-          </a:fillRef>
-          <a:effectRef idx="0">
-            <a:schemeClr val="dk1"/>
-          </a:effectRef>
-          <a:fontRef idx="minor">
-            <a:schemeClr val="tx1"/>
-          </a:fontRef>
-        </p:style>
-      </p:cxnSp>
-      <p:sp>
-        <p:nvSpPr>
-          <p:cNvPr id="17" name="TextBox 16"/>
-          <p:cNvSpPr txBox="1"/>
-          <p:nvPr/>
-        </p:nvSpPr>
-        <p:spPr>
-          <a:xfrm>
-            <a:off x="1199128" y="1589828"/>
-            <a:ext cx="789896" cy="369332"/>
-          </a:xfrm>
-          <a:prstGeom prst="rect">
-            <a:avLst/>
-          </a:prstGeom>
-          <a:solidFill>
-            <a:schemeClr val="bg1"/>
-          </a:solidFill>
-        </p:spPr>
-        <p:txBody>
-          <a:bodyPr wrap="none" rtlCol="0">
-            <a:spAutoFit/>
-          </a:bodyPr>
-          <a:lstStyle/>
-          <a:p>
-            <a:r>
-              <a:rPr lang="en-US" dirty="0"/>
-              <a:t>Attach</a:t>
-            </a:r>
-          </a:p>
-        </p:txBody>
-      </p:sp>
-      <p:cxnSp>
-        <p:nvCxnSpPr>
-          <p:cNvPr id="20" name="Straight Arrow Connector 19"/>
-          <p:cNvCxnSpPr/>
-          <p:nvPr/>
-        </p:nvCxnSpPr>
-        <p:spPr>
-          <a:xfrm flipH="1">
-            <a:off x="2672924" y="2629712"/>
-            <a:ext cx="2157693" cy="0"/>
-          </a:xfrm>
-          <a:prstGeom prst="straightConnector1">
-            <a:avLst/>
-          </a:prstGeom>
-          <a:ln w="19050">
-            <a:tailEnd type="triangle"/>
-          </a:ln>
-        </p:spPr>
-        <p:style>
-          <a:lnRef idx="1">
-            <a:schemeClr val="dk1"/>
-          </a:lnRef>
-          <a:fillRef idx="0">
-            <a:schemeClr val="dk1"/>
-          </a:fillRef>
-          <a:effectRef idx="0">
-            <a:schemeClr val="dk1"/>
-          </a:effectRef>
-          <a:fontRef idx="minor">
-            <a:schemeClr val="tx1"/>
-          </a:fontRef>
-        </p:style>
-      </p:cxnSp>
-      <p:cxnSp>
-        <p:nvCxnSpPr>
-          <p:cNvPr id="23" name="Straight Connector 22"/>
-          <p:cNvCxnSpPr/>
-          <p:nvPr/>
-        </p:nvCxnSpPr>
-        <p:spPr>
-          <a:xfrm>
-            <a:off x="497593" y="1669244"/>
-            <a:ext cx="0" cy="2921236"/>
-          </a:xfrm>
-          <a:prstGeom prst="line">
-            <a:avLst/>
-          </a:prstGeom>
-          <a:ln w="12700"/>
-        </p:spPr>
-        <p:style>
-          <a:lnRef idx="1">
-            <a:schemeClr val="dk1"/>
-          </a:lnRef>
-          <a:fillRef idx="0">
-            <a:schemeClr val="dk1"/>
-          </a:fillRef>
-          <a:effectRef idx="0">
-            <a:schemeClr val="dk1"/>
-          </a:effectRef>
-          <a:fontRef idx="minor">
-            <a:schemeClr val="tx1"/>
-          </a:fontRef>
-        </p:style>
-      </p:cxnSp>
-      <p:cxnSp>
-        <p:nvCxnSpPr>
-          <p:cNvPr id="24" name="Straight Connector 23"/>
-          <p:cNvCxnSpPr/>
-          <p:nvPr/>
-        </p:nvCxnSpPr>
-        <p:spPr>
-          <a:xfrm>
-            <a:off x="2672923" y="1501507"/>
-            <a:ext cx="0" cy="3531332"/>
-          </a:xfrm>
-          <a:prstGeom prst="line">
-            <a:avLst/>
-          </a:prstGeom>
-          <a:ln w="12700"/>
-        </p:spPr>
-        <p:style>
-          <a:lnRef idx="1">
-            <a:schemeClr val="dk1"/>
-          </a:lnRef>
-          <a:fillRef idx="0">
-            <a:schemeClr val="dk1"/>
-          </a:fillRef>
-          <a:effectRef idx="0">
-            <a:schemeClr val="dk1"/>
-          </a:effectRef>
-          <a:fontRef idx="minor">
-            <a:schemeClr val="tx1"/>
-          </a:fontRef>
-        </p:style>
-      </p:cxnSp>
-      <p:cxnSp>
-        <p:nvCxnSpPr>
-          <p:cNvPr id="25" name="Straight Connector 24"/>
-          <p:cNvCxnSpPr/>
-          <p:nvPr/>
-        </p:nvCxnSpPr>
-        <p:spPr>
-          <a:xfrm>
-            <a:off x="4830618" y="1669244"/>
-            <a:ext cx="0" cy="3363595"/>
-          </a:xfrm>
-          <a:prstGeom prst="line">
-            <a:avLst/>
-          </a:prstGeom>
-          <a:ln w="12700"/>
-        </p:spPr>
-        <p:style>
-          <a:lnRef idx="1">
-            <a:schemeClr val="dk1"/>
-          </a:lnRef>
-          <a:fillRef idx="0">
-            <a:schemeClr val="dk1"/>
-          </a:fillRef>
-          <a:effectRef idx="0">
-            <a:schemeClr val="dk1"/>
-          </a:effectRef>
-          <a:fontRef idx="minor">
-            <a:schemeClr val="tx1"/>
-          </a:fontRef>
-        </p:style>
-      </p:cxnSp>
-      <p:sp>
-        <p:nvSpPr>
-          <p:cNvPr id="21" name="TextBox 20"/>
-          <p:cNvSpPr txBox="1"/>
-          <p:nvPr/>
-        </p:nvSpPr>
-        <p:spPr>
-          <a:xfrm>
-            <a:off x="-19247" y="1146212"/>
-            <a:ext cx="1091517" cy="369332"/>
-          </a:xfrm>
-          <a:prstGeom prst="rect">
-            <a:avLst/>
-          </a:prstGeom>
-          <a:noFill/>
-        </p:spPr>
-        <p:txBody>
-          <a:bodyPr wrap="none" rtlCol="0">
-            <a:spAutoFit/>
-          </a:bodyPr>
-          <a:lstStyle/>
-          <a:p>
-            <a:r>
-              <a:rPr lang="en-US" b="1" dirty="0"/>
-              <a:t>Firmware</a:t>
-            </a:r>
-          </a:p>
-        </p:txBody>
-      </p:sp>
-      <p:sp>
-        <p:nvSpPr>
-          <p:cNvPr id="22" name="TextBox 21"/>
-          <p:cNvSpPr txBox="1"/>
-          <p:nvPr/>
-        </p:nvSpPr>
-        <p:spPr>
-          <a:xfrm>
-            <a:off x="1484167" y="1146212"/>
-            <a:ext cx="1918667" cy="369332"/>
-          </a:xfrm>
-          <a:prstGeom prst="rect">
-            <a:avLst/>
-          </a:prstGeom>
-          <a:noFill/>
-        </p:spPr>
-        <p:txBody>
-          <a:bodyPr wrap="none" rtlCol="0">
-            <a:spAutoFit/>
-          </a:bodyPr>
-          <a:lstStyle/>
-          <a:p>
-            <a:r>
-              <a:rPr lang="en-US" b="1" dirty="0"/>
-              <a:t>Controller enclave</a:t>
-            </a:r>
-          </a:p>
-        </p:txBody>
-      </p:sp>
-      <p:sp>
-        <p:nvSpPr>
-          <p:cNvPr id="26" name="TextBox 25"/>
-          <p:cNvSpPr txBox="1"/>
-          <p:nvPr/>
-        </p:nvSpPr>
-        <p:spPr>
-          <a:xfrm>
-            <a:off x="3565706" y="1146212"/>
-            <a:ext cx="2049728" cy="369332"/>
-          </a:xfrm>
-          <a:prstGeom prst="rect">
-            <a:avLst/>
-          </a:prstGeom>
-          <a:noFill/>
-        </p:spPr>
-        <p:txBody>
-          <a:bodyPr wrap="none" rtlCol="0">
-            <a:spAutoFit/>
-          </a:bodyPr>
-          <a:lstStyle/>
-          <a:p>
-            <a:r>
-              <a:rPr lang="en-US" b="1" dirty="0"/>
-              <a:t>Application enclave</a:t>
-            </a:r>
-          </a:p>
-        </p:txBody>
-      </p:sp>
-      <p:sp>
-        <p:nvSpPr>
-          <p:cNvPr id="30" name="TextBox 29"/>
-          <p:cNvSpPr txBox="1"/>
-          <p:nvPr/>
-        </p:nvSpPr>
-        <p:spPr>
-          <a:xfrm>
-            <a:off x="3212500" y="2450085"/>
-            <a:ext cx="963725" cy="369332"/>
-          </a:xfrm>
-          <a:prstGeom prst="rect">
-            <a:avLst/>
-          </a:prstGeom>
-          <a:solidFill>
-            <a:schemeClr val="bg1"/>
-          </a:solidFill>
-        </p:spPr>
-        <p:txBody>
-          <a:bodyPr wrap="none" rtlCol="0">
-            <a:spAutoFit/>
-          </a:bodyPr>
-          <a:lstStyle/>
-          <a:p>
-            <a:r>
-              <a:rPr lang="en-US" dirty="0"/>
-              <a:t>Connect</a:t>
-            </a:r>
-          </a:p>
-        </p:txBody>
-      </p:sp>
-      <p:pic>
-        <p:nvPicPr>
-          <p:cNvPr id="31" name="Picture 30"/>
-          <p:cNvPicPr>
-            <a:picLocks noChangeAspect="1"/>
-          </p:cNvPicPr>
-          <p:nvPr/>
-        </p:nvPicPr>
-        <p:blipFill>
-          <a:blip r:embed="rId5" cstate="print">
-            <a:extLst>
-              <a:ext uri="{28A0092B-C50C-407E-A947-70E740481C1C}">
-                <a14:useLocalDpi xmlns:a14="http://schemas.microsoft.com/office/drawing/2010/main" val="0"/>
-              </a:ext>
-            </a:extLst>
-          </a:blip>
-          <a:stretch>
-            <a:fillRect/>
-          </a:stretch>
-        </p:blipFill>
-        <p:spPr>
-          <a:xfrm>
-            <a:off x="5873013" y="239941"/>
-            <a:ext cx="736725" cy="736725"/>
-          </a:xfrm>
-          <a:prstGeom prst="rect">
-            <a:avLst/>
-          </a:prstGeom>
-        </p:spPr>
-      </p:pic>
-      <p:sp>
-        <p:nvSpPr>
-          <p:cNvPr id="34" name="TextBox 33"/>
-          <p:cNvSpPr txBox="1"/>
-          <p:nvPr/>
-        </p:nvSpPr>
-        <p:spPr>
-          <a:xfrm>
-            <a:off x="5697837" y="1024267"/>
-            <a:ext cx="1188269" cy="646331"/>
-          </a:xfrm>
-          <a:prstGeom prst="rect">
-            <a:avLst/>
-          </a:prstGeom>
-          <a:noFill/>
-        </p:spPr>
-        <p:txBody>
-          <a:bodyPr wrap="square" rtlCol="0">
-            <a:spAutoFit/>
-          </a:bodyPr>
-          <a:lstStyle/>
-          <a:p>
-            <a:pPr algn="ctr"/>
-            <a:r>
-              <a:rPr lang="en-US" b="1" dirty="0"/>
-              <a:t>Remote verifier</a:t>
-            </a:r>
-          </a:p>
-        </p:txBody>
-      </p:sp>
-      <p:cxnSp>
-        <p:nvCxnSpPr>
-          <p:cNvPr id="39" name="Straight Arrow Connector 38"/>
-          <p:cNvCxnSpPr/>
-          <p:nvPr/>
-        </p:nvCxnSpPr>
-        <p:spPr>
-          <a:xfrm flipH="1">
-            <a:off x="4830621" y="2275568"/>
-            <a:ext cx="1474073" cy="0"/>
-          </a:xfrm>
-          <a:prstGeom prst="straightConnector1">
-            <a:avLst/>
-          </a:prstGeom>
-          <a:ln w="19050">
-            <a:tailEnd type="triangle"/>
-          </a:ln>
-        </p:spPr>
-        <p:style>
-          <a:lnRef idx="1">
-            <a:schemeClr val="dk1"/>
-          </a:lnRef>
-          <a:fillRef idx="0">
-            <a:schemeClr val="dk1"/>
-          </a:fillRef>
-          <a:effectRef idx="0">
-            <a:schemeClr val="dk1"/>
-          </a:effectRef>
-          <a:fontRef idx="minor">
-            <a:schemeClr val="tx1"/>
-          </a:fontRef>
-        </p:style>
-      </p:cxnSp>
-      <p:sp>
-        <p:nvSpPr>
-          <p:cNvPr id="40" name="TextBox 39"/>
-          <p:cNvSpPr txBox="1"/>
-          <p:nvPr/>
-        </p:nvSpPr>
-        <p:spPr>
-          <a:xfrm>
-            <a:off x="4981299" y="1936304"/>
-            <a:ext cx="1200008" cy="646331"/>
-          </a:xfrm>
-          <a:prstGeom prst="rect">
-            <a:avLst/>
-          </a:prstGeom>
-          <a:solidFill>
-            <a:schemeClr val="bg1"/>
-          </a:solidFill>
-        </p:spPr>
-        <p:txBody>
-          <a:bodyPr wrap="none" rtlCol="0">
-            <a:spAutoFit/>
-          </a:bodyPr>
-          <a:lstStyle/>
-          <a:p>
-            <a:pPr algn="ctr"/>
-            <a:r>
-              <a:rPr lang="en-US" dirty="0"/>
-              <a:t>Remote </a:t>
-            </a:r>
-          </a:p>
-          <a:p>
-            <a:pPr algn="ctr"/>
-            <a:r>
-              <a:rPr lang="en-US" dirty="0"/>
-              <a:t>attestation</a:t>
-            </a:r>
-          </a:p>
-        </p:txBody>
-      </p:sp>
-      <p:cxnSp>
-        <p:nvCxnSpPr>
-          <p:cNvPr id="41" name="Straight Connector 40"/>
-          <p:cNvCxnSpPr/>
-          <p:nvPr/>
-        </p:nvCxnSpPr>
-        <p:spPr>
-          <a:xfrm>
-            <a:off x="6298516" y="1700136"/>
-            <a:ext cx="0" cy="2747101"/>
-          </a:xfrm>
-          <a:prstGeom prst="line">
-            <a:avLst/>
-          </a:prstGeom>
-          <a:ln w="12700"/>
-        </p:spPr>
-        <p:style>
-          <a:lnRef idx="1">
-            <a:schemeClr val="dk1"/>
-          </a:lnRef>
-          <a:fillRef idx="0">
-            <a:schemeClr val="dk1"/>
-          </a:fillRef>
-          <a:effectRef idx="0">
-            <a:schemeClr val="dk1"/>
-          </a:effectRef>
-          <a:fontRef idx="minor">
-            <a:schemeClr val="tx1"/>
-          </a:fontRef>
-        </p:style>
-      </p:cxnSp>
-      <p:cxnSp>
-        <p:nvCxnSpPr>
-          <p:cNvPr id="48" name="Straight Arrow Connector 47"/>
-          <p:cNvCxnSpPr/>
-          <p:nvPr/>
-        </p:nvCxnSpPr>
-        <p:spPr>
-          <a:xfrm flipH="1">
-            <a:off x="4833287" y="1814638"/>
-            <a:ext cx="1471407" cy="0"/>
-          </a:xfrm>
-          <a:prstGeom prst="straightConnector1">
-            <a:avLst/>
-          </a:prstGeom>
-          <a:ln w="19050">
-            <a:tailEnd type="triangle"/>
-          </a:ln>
-        </p:spPr>
-        <p:style>
-          <a:lnRef idx="1">
-            <a:schemeClr val="dk1"/>
-          </a:lnRef>
-          <a:fillRef idx="0">
-            <a:schemeClr val="dk1"/>
-          </a:fillRef>
-          <a:effectRef idx="0">
-            <a:schemeClr val="dk1"/>
-          </a:effectRef>
-          <a:fontRef idx="minor">
-            <a:schemeClr val="tx1"/>
-          </a:fontRef>
-        </p:style>
-      </p:cxnSp>
-      <p:sp>
-        <p:nvSpPr>
-          <p:cNvPr id="49" name="TextBox 48"/>
-          <p:cNvSpPr txBox="1"/>
-          <p:nvPr/>
-        </p:nvSpPr>
-        <p:spPr>
-          <a:xfrm>
-            <a:off x="5093069" y="1635011"/>
-            <a:ext cx="842282" cy="369332"/>
-          </a:xfrm>
-          <a:prstGeom prst="rect">
-            <a:avLst/>
-          </a:prstGeom>
-          <a:solidFill>
-            <a:schemeClr val="bg1"/>
-          </a:solidFill>
-        </p:spPr>
-        <p:txBody>
-          <a:bodyPr wrap="none" rtlCol="0">
-            <a:spAutoFit/>
-          </a:bodyPr>
-          <a:lstStyle/>
-          <a:p>
-            <a:r>
-              <a:rPr lang="en-US" dirty="0"/>
-              <a:t>Deploy</a:t>
-            </a:r>
-          </a:p>
-        </p:txBody>
-      </p:sp>
-      <p:sp>
-        <p:nvSpPr>
-          <p:cNvPr id="36" name="Rounded Rectangle 35"/>
-          <p:cNvSpPr/>
-          <p:nvPr/>
-        </p:nvSpPr>
-        <p:spPr>
-          <a:xfrm>
-            <a:off x="307034" y="1945489"/>
-            <a:ext cx="2484475" cy="357082"/>
-          </a:xfrm>
-          <a:prstGeom prst="roundRect">
-            <a:avLst>
-              <a:gd name="adj" fmla="val 5919"/>
-            </a:avLst>
-          </a:prstGeom>
-          <a:solidFill>
-            <a:srgbClr val="E2F0D9"/>
-          </a:solidFill>
-          <a:ln>
-            <a:solidFill>
-              <a:schemeClr val="tx1"/>
-            </a:solidFill>
-          </a:ln>
-        </p:spPr>
-        <p:style>
-          <a:lnRef idx="2">
-            <a:schemeClr val="accent4">
-              <a:shade val="50000"/>
-            </a:schemeClr>
-          </a:lnRef>
-          <a:fillRef idx="1">
-            <a:schemeClr val="accent4"/>
-          </a:fillRef>
-          <a:effectRef idx="0">
-            <a:schemeClr val="accent4"/>
-          </a:effectRef>
-          <a:fontRef idx="minor">
-            <a:schemeClr val="lt1"/>
-          </a:fontRef>
-        </p:style>
-        <p:txBody>
-          <a:bodyPr rtlCol="0" anchor="ctr"/>
-          <a:lstStyle/>
-          <a:p>
-            <a:pPr algn="ctr"/>
-            <a:endParaRPr lang="en-US"/>
-          </a:p>
-        </p:txBody>
-      </p:sp>
-      <p:sp>
-        <p:nvSpPr>
-          <p:cNvPr id="37" name="TextBox 36"/>
-          <p:cNvSpPr txBox="1"/>
-          <p:nvPr/>
-        </p:nvSpPr>
-        <p:spPr>
-          <a:xfrm>
-            <a:off x="272727" y="1933239"/>
-            <a:ext cx="2530476" cy="369332"/>
-          </a:xfrm>
-          <a:prstGeom prst="rect">
-            <a:avLst/>
-          </a:prstGeom>
-          <a:noFill/>
-        </p:spPr>
-        <p:txBody>
-          <a:bodyPr wrap="square" rtlCol="0">
-            <a:spAutoFit/>
-          </a:bodyPr>
-          <a:lstStyle/>
-          <a:p>
-            <a:pPr algn="ctr"/>
-            <a:r>
-              <a:rPr lang="en-US" dirty="0"/>
-              <a:t>Establish shared memory</a:t>
-            </a:r>
-          </a:p>
-        </p:txBody>
-      </p:sp>
-      <p:sp>
-        <p:nvSpPr>
-          <p:cNvPr id="43" name="Rounded Rectangle 42"/>
-          <p:cNvSpPr/>
-          <p:nvPr/>
-        </p:nvSpPr>
-        <p:spPr>
-          <a:xfrm>
-            <a:off x="2561561" y="2760612"/>
-            <a:ext cx="2484475" cy="357082"/>
-          </a:xfrm>
-          <a:prstGeom prst="roundRect">
-            <a:avLst>
-              <a:gd name="adj" fmla="val 5919"/>
-            </a:avLst>
-          </a:prstGeom>
-          <a:solidFill>
-            <a:srgbClr val="E2F0D9"/>
-          </a:solidFill>
-          <a:ln>
-            <a:solidFill>
-              <a:schemeClr val="tx1"/>
-            </a:solidFill>
-          </a:ln>
-        </p:spPr>
-        <p:style>
-          <a:lnRef idx="2">
-            <a:schemeClr val="accent4">
-              <a:shade val="50000"/>
-            </a:schemeClr>
-          </a:lnRef>
-          <a:fillRef idx="1">
-            <a:schemeClr val="accent4"/>
-          </a:fillRef>
-          <a:effectRef idx="0">
-            <a:schemeClr val="accent4"/>
-          </a:effectRef>
-          <a:fontRef idx="minor">
-            <a:schemeClr val="lt1"/>
-          </a:fontRef>
-        </p:style>
-        <p:txBody>
-          <a:bodyPr rtlCol="0" anchor="ctr"/>
-          <a:lstStyle/>
-          <a:p>
-            <a:pPr algn="ctr"/>
-            <a:endParaRPr lang="en-US"/>
-          </a:p>
-        </p:txBody>
-      </p:sp>
-      <p:sp>
-        <p:nvSpPr>
-          <p:cNvPr id="44" name="TextBox 43"/>
-          <p:cNvSpPr txBox="1"/>
-          <p:nvPr/>
-        </p:nvSpPr>
-        <p:spPr>
-          <a:xfrm>
-            <a:off x="2531195" y="2748362"/>
-            <a:ext cx="2530476" cy="369332"/>
-          </a:xfrm>
-          <a:prstGeom prst="rect">
-            <a:avLst/>
-          </a:prstGeom>
-          <a:noFill/>
-        </p:spPr>
-        <p:txBody>
-          <a:bodyPr wrap="square" rtlCol="0">
-            <a:spAutoFit/>
-          </a:bodyPr>
-          <a:lstStyle/>
-          <a:p>
-            <a:pPr algn="ctr"/>
-            <a:r>
-              <a:rPr lang="en-US" dirty="0"/>
-              <a:t>Establish shared memory</a:t>
-            </a:r>
-          </a:p>
-        </p:txBody>
-      </p:sp>
-      <p:sp>
-        <p:nvSpPr>
-          <p:cNvPr id="53" name="Rounded Rectangle 52"/>
-          <p:cNvSpPr/>
-          <p:nvPr/>
-        </p:nvSpPr>
-        <p:spPr>
-          <a:xfrm>
-            <a:off x="314864" y="4553401"/>
-            <a:ext cx="2484475" cy="357082"/>
-          </a:xfrm>
-          <a:prstGeom prst="roundRect">
-            <a:avLst>
-              <a:gd name="adj" fmla="val 5919"/>
-            </a:avLst>
-          </a:prstGeom>
-          <a:solidFill>
-            <a:srgbClr val="E2F0D9"/>
-          </a:solidFill>
-          <a:ln>
-            <a:solidFill>
-              <a:schemeClr val="tx1"/>
-            </a:solidFill>
-          </a:ln>
-        </p:spPr>
-        <p:style>
-          <a:lnRef idx="2">
-            <a:schemeClr val="accent4">
-              <a:shade val="50000"/>
-            </a:schemeClr>
-          </a:lnRef>
-          <a:fillRef idx="1">
-            <a:schemeClr val="accent4"/>
-          </a:fillRef>
-          <a:effectRef idx="0">
-            <a:schemeClr val="accent4"/>
-          </a:effectRef>
-          <a:fontRef idx="minor">
-            <a:schemeClr val="lt1"/>
-          </a:fontRef>
-        </p:style>
-        <p:txBody>
-          <a:bodyPr rtlCol="0" anchor="ctr"/>
-          <a:lstStyle/>
-          <a:p>
-            <a:pPr algn="ctr"/>
-            <a:endParaRPr lang="en-US"/>
-          </a:p>
-        </p:txBody>
-      </p:sp>
-      <p:sp>
-        <p:nvSpPr>
-          <p:cNvPr id="54" name="TextBox 53"/>
-          <p:cNvSpPr txBox="1"/>
-          <p:nvPr/>
-        </p:nvSpPr>
-        <p:spPr>
-          <a:xfrm>
-            <a:off x="276280" y="4541151"/>
-            <a:ext cx="2530476" cy="369332"/>
-          </a:xfrm>
-          <a:prstGeom prst="rect">
-            <a:avLst/>
-          </a:prstGeom>
-          <a:noFill/>
-        </p:spPr>
-        <p:txBody>
-          <a:bodyPr wrap="square" rtlCol="0">
-            <a:spAutoFit/>
-          </a:bodyPr>
-          <a:lstStyle/>
-          <a:p>
-            <a:pPr algn="ctr"/>
-            <a:r>
-              <a:rPr lang="en-US" dirty="0"/>
-              <a:t>Shared memory </a:t>
-            </a:r>
-            <a:r>
-              <a:rPr lang="en-US" dirty="0" err="1"/>
-              <a:t>comm</a:t>
-            </a:r>
-            <a:endParaRPr lang="en-US" dirty="0"/>
-          </a:p>
-        </p:txBody>
-      </p:sp>
-      <p:sp>
-        <p:nvSpPr>
-          <p:cNvPr id="55" name="Rounded Rectangle 54"/>
-          <p:cNvSpPr/>
-          <p:nvPr/>
-        </p:nvSpPr>
-        <p:spPr>
-          <a:xfrm>
-            <a:off x="2508005" y="4995760"/>
-            <a:ext cx="2484475" cy="357082"/>
-          </a:xfrm>
-          <a:prstGeom prst="roundRect">
-            <a:avLst>
-              <a:gd name="adj" fmla="val 5919"/>
-            </a:avLst>
-          </a:prstGeom>
-          <a:solidFill>
-            <a:srgbClr val="E2F0D9"/>
-          </a:solidFill>
-          <a:ln>
-            <a:solidFill>
-              <a:schemeClr val="tx1"/>
-            </a:solidFill>
-          </a:ln>
-        </p:spPr>
-        <p:style>
-          <a:lnRef idx="2">
-            <a:schemeClr val="accent4">
-              <a:shade val="50000"/>
-            </a:schemeClr>
-          </a:lnRef>
-          <a:fillRef idx="1">
-            <a:schemeClr val="accent4"/>
-          </a:fillRef>
-          <a:effectRef idx="0">
-            <a:schemeClr val="accent4"/>
-          </a:effectRef>
-          <a:fontRef idx="minor">
-            <a:schemeClr val="lt1"/>
-          </a:fontRef>
-        </p:style>
-        <p:txBody>
-          <a:bodyPr rtlCol="0" anchor="ctr"/>
-          <a:lstStyle/>
-          <a:p>
-            <a:pPr algn="ctr"/>
-            <a:endParaRPr lang="en-US"/>
-          </a:p>
-        </p:txBody>
-      </p:sp>
-      <p:sp>
-        <p:nvSpPr>
-          <p:cNvPr id="56" name="TextBox 55"/>
-          <p:cNvSpPr txBox="1"/>
-          <p:nvPr/>
-        </p:nvSpPr>
-        <p:spPr>
-          <a:xfrm>
-            <a:off x="2469421" y="4983510"/>
-            <a:ext cx="2530476" cy="369332"/>
-          </a:xfrm>
-          <a:prstGeom prst="rect">
-            <a:avLst/>
-          </a:prstGeom>
-          <a:noFill/>
-        </p:spPr>
-        <p:txBody>
-          <a:bodyPr wrap="square" rtlCol="0">
-            <a:spAutoFit/>
-          </a:bodyPr>
-          <a:lstStyle/>
-          <a:p>
-            <a:pPr algn="ctr"/>
-            <a:r>
-              <a:rPr lang="en-US" dirty="0"/>
-              <a:t>Shared memory </a:t>
-            </a:r>
-            <a:r>
-              <a:rPr lang="en-US" dirty="0" err="1"/>
-              <a:t>comm</a:t>
-            </a:r>
-            <a:endParaRPr lang="en-US" dirty="0"/>
-          </a:p>
-        </p:txBody>
-      </p:sp>
-      <p:cxnSp>
-        <p:nvCxnSpPr>
-          <p:cNvPr id="58" name="Curved Connector 57"/>
-          <p:cNvCxnSpPr>
-            <a:stCxn id="54" idx="3"/>
-            <a:endCxn id="56" idx="0"/>
-          </p:cNvCxnSpPr>
-          <p:nvPr/>
-        </p:nvCxnSpPr>
-        <p:spPr>
-          <a:xfrm>
-            <a:off x="2806756" y="4725817"/>
-            <a:ext cx="927903" cy="257693"/>
-          </a:xfrm>
-          <a:prstGeom prst="curvedConnector2">
-            <a:avLst/>
-          </a:prstGeom>
-          <a:ln w="12700">
-            <a:headEnd type="triangle"/>
-            <a:tailEnd type="triangle"/>
-          </a:ln>
-        </p:spPr>
-        <p:style>
-          <a:lnRef idx="1">
-            <a:schemeClr val="dk1"/>
-          </a:lnRef>
-          <a:fillRef idx="0">
-            <a:schemeClr val="dk1"/>
-          </a:fillRef>
-          <a:effectRef idx="0">
-            <a:schemeClr val="dk1"/>
-          </a:effectRef>
-          <a:fontRef idx="minor">
-            <a:schemeClr val="tx1"/>
-          </a:fontRef>
-        </p:style>
-      </p:cxnSp>
-      <p:cxnSp>
-        <p:nvCxnSpPr>
-          <p:cNvPr id="57" name="Straight Arrow Connector 56"/>
-          <p:cNvCxnSpPr/>
-          <p:nvPr/>
-        </p:nvCxnSpPr>
-        <p:spPr>
-          <a:xfrm flipH="1">
-            <a:off x="2672924" y="3732606"/>
-            <a:ext cx="3631770" cy="0"/>
-          </a:xfrm>
-          <a:prstGeom prst="straightConnector1">
-            <a:avLst/>
-          </a:prstGeom>
-          <a:ln w="19050">
-            <a:tailEnd type="triangle"/>
-          </a:ln>
-        </p:spPr>
-        <p:style>
-          <a:lnRef idx="1">
-            <a:schemeClr val="dk1"/>
-          </a:lnRef>
-          <a:fillRef idx="0">
-            <a:schemeClr val="dk1"/>
-          </a:fillRef>
-          <a:effectRef idx="0">
-            <a:schemeClr val="dk1"/>
-          </a:effectRef>
-          <a:fontRef idx="minor">
-            <a:schemeClr val="tx1"/>
-          </a:fontRef>
-        </p:style>
-      </p:cxnSp>
-      <p:sp>
-        <p:nvSpPr>
-          <p:cNvPr id="59" name="TextBox 58"/>
-          <p:cNvSpPr txBox="1"/>
-          <p:nvPr/>
-        </p:nvSpPr>
-        <p:spPr>
-          <a:xfrm>
-            <a:off x="3356823" y="3537851"/>
-            <a:ext cx="1972944" cy="369332"/>
-          </a:xfrm>
-          <a:prstGeom prst="rect">
-            <a:avLst/>
-          </a:prstGeom>
-          <a:solidFill>
-            <a:schemeClr val="bg1"/>
-          </a:solidFill>
-        </p:spPr>
-        <p:txBody>
-          <a:bodyPr wrap="square" rtlCol="0">
-            <a:spAutoFit/>
-          </a:bodyPr>
-          <a:lstStyle/>
-          <a:p>
-            <a:pPr algn="ctr"/>
-            <a:r>
-              <a:rPr lang="en-US" dirty="0"/>
-              <a:t>Remote attestation</a:t>
-            </a:r>
-          </a:p>
-        </p:txBody>
-      </p:sp>
-      <p:cxnSp>
-        <p:nvCxnSpPr>
-          <p:cNvPr id="60" name="Straight Arrow Connector 59"/>
-          <p:cNvCxnSpPr/>
-          <p:nvPr/>
-        </p:nvCxnSpPr>
-        <p:spPr>
-          <a:xfrm flipV="1">
-            <a:off x="2672642" y="4082907"/>
-            <a:ext cx="3632052" cy="14030"/>
-          </a:xfrm>
-          <a:prstGeom prst="straightConnector1">
-            <a:avLst/>
-          </a:prstGeom>
-          <a:ln w="19050">
-            <a:tailEnd type="triangle"/>
-          </a:ln>
-        </p:spPr>
-        <p:style>
-          <a:lnRef idx="1">
-            <a:schemeClr val="dk1"/>
-          </a:lnRef>
-          <a:fillRef idx="0">
-            <a:schemeClr val="dk1"/>
-          </a:fillRef>
-          <a:effectRef idx="0">
-            <a:schemeClr val="dk1"/>
-          </a:effectRef>
-          <a:fontRef idx="minor">
-            <a:schemeClr val="tx1"/>
-          </a:fontRef>
-        </p:style>
-      </p:cxnSp>
-      <p:sp>
-        <p:nvSpPr>
-          <p:cNvPr id="61" name="TextBox 60"/>
-          <p:cNvSpPr txBox="1"/>
-          <p:nvPr/>
-        </p:nvSpPr>
-        <p:spPr>
-          <a:xfrm>
-            <a:off x="3356823" y="3912271"/>
-            <a:ext cx="2139753" cy="369332"/>
-          </a:xfrm>
-          <a:prstGeom prst="rect">
-            <a:avLst/>
-          </a:prstGeom>
-          <a:solidFill>
-            <a:schemeClr val="bg1"/>
-          </a:solidFill>
-        </p:spPr>
-        <p:txBody>
-          <a:bodyPr wrap="none" rtlCol="0">
-            <a:spAutoFit/>
-          </a:bodyPr>
-          <a:lstStyle/>
-          <a:p>
-            <a:pPr algn="ctr"/>
-            <a:r>
-              <a:rPr lang="en-US" dirty="0"/>
-              <a:t>CE + firmware report</a:t>
-            </a:r>
-          </a:p>
-        </p:txBody>
-      </p:sp>
-      <p:sp>
-        <p:nvSpPr>
-          <p:cNvPr id="52" name="TextBox 51"/>
-          <p:cNvSpPr txBox="1"/>
-          <p:nvPr/>
-        </p:nvSpPr>
-        <p:spPr>
-          <a:xfrm>
-            <a:off x="5042960" y="4192077"/>
-            <a:ext cx="1047146" cy="646331"/>
-          </a:xfrm>
-          <a:prstGeom prst="rect">
-            <a:avLst/>
-          </a:prstGeom>
-          <a:solidFill>
-            <a:schemeClr val="bg1"/>
-          </a:solidFill>
-        </p:spPr>
-        <p:txBody>
-          <a:bodyPr wrap="none" rtlCol="0">
-            <a:spAutoFit/>
-          </a:bodyPr>
-          <a:lstStyle/>
-          <a:p>
-            <a:pPr algn="ctr"/>
-            <a:r>
-              <a:rPr lang="en-US" dirty="0"/>
-              <a:t>Secret</a:t>
-            </a:r>
-          </a:p>
-          <a:p>
-            <a:pPr algn="ctr"/>
-            <a:r>
-              <a:rPr lang="en-US" dirty="0"/>
-              <a:t>provision</a:t>
-            </a:r>
-          </a:p>
-        </p:txBody>
-      </p:sp>
-      <p:pic>
-        <p:nvPicPr>
-          <p:cNvPr id="6" name="Picture 5"/>
-          <p:cNvPicPr>
-            <a:picLocks noChangeAspect="1"/>
-          </p:cNvPicPr>
-          <p:nvPr/>
-        </p:nvPicPr>
-        <p:blipFill rotWithShape="1">
-          <a:blip r:embed="rId6" cstate="print">
-            <a:extLst>
-              <a:ext uri="{28A0092B-C50C-407E-A947-70E740481C1C}">
-                <a14:useLocalDpi xmlns:a14="http://schemas.microsoft.com/office/drawing/2010/main" val="0"/>
-              </a:ext>
-            </a:extLst>
-          </a:blip>
-          <a:srcRect t="11125" b="11634"/>
-          <a:stretch/>
-        </p:blipFill>
-        <p:spPr>
-          <a:xfrm>
-            <a:off x="241503" y="78009"/>
-            <a:ext cx="507631" cy="392096"/>
-          </a:xfrm>
-          <a:prstGeom prst="rect">
-            <a:avLst/>
-          </a:prstGeom>
-        </p:spPr>
-      </p:pic>
-    </p:spTree>
-    <p:extLst>
-      <p:ext uri="{BB962C8B-B14F-4D97-AF65-F5344CB8AC3E}">
-        <p14:creationId xmlns:p14="http://schemas.microsoft.com/office/powerpoint/2010/main" val="4265577516"/>
       </p:ext>
     </p:extLst>
   </p:cSld>

--- a/chapters/PIE/images/systemDesign.pptx
+++ b/chapters/PIE/images/systemDesign.pptx
@@ -36693,8 +36693,8 @@
           </p:nvCxnSpPr>
           <p:spPr>
             <a:xfrm flipH="1">
-              <a:off x="2878374" y="2826689"/>
-              <a:ext cx="2115045" cy="0"/>
+              <a:off x="2878375" y="2826689"/>
+              <a:ext cx="1734970" cy="0"/>
             </a:xfrm>
             <a:prstGeom prst="line">
               <a:avLst/>
@@ -36908,8 +36908,8 @@
           </p:nvCxnSpPr>
           <p:spPr>
             <a:xfrm>
-              <a:off x="4613345" y="1800971"/>
-              <a:ext cx="0" cy="1025718"/>
+              <a:off x="4613345" y="1796995"/>
+              <a:ext cx="0" cy="1029694"/>
             </a:xfrm>
             <a:prstGeom prst="line">
               <a:avLst/>
@@ -37037,8 +37037,180 @@
           </p:nvCxnSpPr>
           <p:spPr>
             <a:xfrm flipH="1">
-              <a:off x="8321691" y="3544793"/>
-              <a:ext cx="1048435" cy="0"/>
+              <a:off x="8462672" y="3544793"/>
+              <a:ext cx="907454" cy="0"/>
+            </a:xfrm>
+            <a:prstGeom prst="line">
+              <a:avLst/>
+            </a:prstGeom>
+            <a:ln w="19050">
+              <a:solidFill>
+                <a:srgbClr val="69BAF5"/>
+              </a:solidFill>
+            </a:ln>
+          </p:spPr>
+          <p:style>
+            <a:lnRef idx="1">
+              <a:schemeClr val="accent1"/>
+            </a:lnRef>
+            <a:fillRef idx="0">
+              <a:schemeClr val="accent1"/>
+            </a:fillRef>
+            <a:effectRef idx="0">
+              <a:schemeClr val="accent1"/>
+            </a:effectRef>
+            <a:fontRef idx="minor">
+              <a:schemeClr val="tx1"/>
+            </a:fontRef>
+          </p:style>
+        </p:cxnSp>
+        <p:cxnSp>
+          <p:nvCxnSpPr>
+            <p:cNvPr id="114" name="Straight Connector 113">
+              <a:extLst>
+                <a:ext uri="{FF2B5EF4-FFF2-40B4-BE49-F238E27FC236}">
+                  <a16:creationId xmlns:a16="http://schemas.microsoft.com/office/drawing/2014/main" id="{221CC36F-2326-4719-A40F-A3613840A0D0}"/>
+                </a:ext>
+              </a:extLst>
+            </p:cNvPr>
+            <p:cNvCxnSpPr>
+              <a:cxnSpLocks/>
+            </p:cNvCxnSpPr>
+            <p:nvPr/>
+          </p:nvCxnSpPr>
+          <p:spPr>
+            <a:xfrm>
+              <a:off x="8473007" y="1908203"/>
+              <a:ext cx="0" cy="1636590"/>
+            </a:xfrm>
+            <a:prstGeom prst="line">
+              <a:avLst/>
+            </a:prstGeom>
+            <a:ln w="19050">
+              <a:solidFill>
+                <a:srgbClr val="69BAF5"/>
+              </a:solidFill>
+            </a:ln>
+          </p:spPr>
+          <p:style>
+            <a:lnRef idx="1">
+              <a:schemeClr val="accent1"/>
+            </a:lnRef>
+            <a:fillRef idx="0">
+              <a:schemeClr val="accent1"/>
+            </a:fillRef>
+            <a:effectRef idx="0">
+              <a:schemeClr val="accent1"/>
+            </a:effectRef>
+            <a:fontRef idx="minor">
+              <a:schemeClr val="tx1"/>
+            </a:fontRef>
+          </p:style>
+        </p:cxnSp>
+        <p:cxnSp>
+          <p:nvCxnSpPr>
+            <p:cNvPr id="116" name="Straight Connector 115">
+              <a:extLst>
+                <a:ext uri="{FF2B5EF4-FFF2-40B4-BE49-F238E27FC236}">
+                  <a16:creationId xmlns:a16="http://schemas.microsoft.com/office/drawing/2014/main" id="{F022FB31-5D35-4E56-AA3E-05F2A90676C4}"/>
+                </a:ext>
+              </a:extLst>
+            </p:cNvPr>
+            <p:cNvCxnSpPr>
+              <a:cxnSpLocks/>
+            </p:cNvCxnSpPr>
+            <p:nvPr/>
+          </p:nvCxnSpPr>
+          <p:spPr>
+            <a:xfrm flipH="1">
+              <a:off x="4891983" y="1908203"/>
+              <a:ext cx="3581026" cy="0"/>
+            </a:xfrm>
+            <a:prstGeom prst="line">
+              <a:avLst/>
+            </a:prstGeom>
+            <a:ln w="19050">
+              <a:solidFill>
+                <a:srgbClr val="69BAF5"/>
+              </a:solidFill>
+            </a:ln>
+          </p:spPr>
+          <p:style>
+            <a:lnRef idx="1">
+              <a:schemeClr val="accent1"/>
+            </a:lnRef>
+            <a:fillRef idx="0">
+              <a:schemeClr val="accent1"/>
+            </a:fillRef>
+            <a:effectRef idx="0">
+              <a:schemeClr val="accent1"/>
+            </a:effectRef>
+            <a:fontRef idx="minor">
+              <a:schemeClr val="tx1"/>
+            </a:fontRef>
+          </p:style>
+        </p:cxnSp>
+        <p:cxnSp>
+          <p:nvCxnSpPr>
+            <p:cNvPr id="134" name="Straight Connector 133">
+              <a:extLst>
+                <a:ext uri="{FF2B5EF4-FFF2-40B4-BE49-F238E27FC236}">
+                  <a16:creationId xmlns:a16="http://schemas.microsoft.com/office/drawing/2014/main" id="{3078445D-15AB-4B24-9050-48DBE9D800AD}"/>
+                </a:ext>
+              </a:extLst>
+            </p:cNvPr>
+            <p:cNvCxnSpPr>
+              <a:cxnSpLocks/>
+            </p:cNvCxnSpPr>
+            <p:nvPr/>
+          </p:nvCxnSpPr>
+          <p:spPr>
+            <a:xfrm>
+              <a:off x="4892386" y="1900856"/>
+              <a:ext cx="0" cy="925833"/>
+            </a:xfrm>
+            <a:prstGeom prst="line">
+              <a:avLst/>
+            </a:prstGeom>
+            <a:ln w="19050">
+              <a:solidFill>
+                <a:srgbClr val="69BAF5"/>
+              </a:solidFill>
+            </a:ln>
+          </p:spPr>
+          <p:style>
+            <a:lnRef idx="1">
+              <a:schemeClr val="accent1"/>
+            </a:lnRef>
+            <a:fillRef idx="0">
+              <a:schemeClr val="accent1"/>
+            </a:fillRef>
+            <a:effectRef idx="0">
+              <a:schemeClr val="accent1"/>
+            </a:effectRef>
+            <a:fontRef idx="minor">
+              <a:schemeClr val="tx1"/>
+            </a:fontRef>
+          </p:style>
+        </p:cxnSp>
+        <p:cxnSp>
+          <p:nvCxnSpPr>
+            <p:cNvPr id="137" name="Straight Connector 136">
+              <a:extLst>
+                <a:ext uri="{FF2B5EF4-FFF2-40B4-BE49-F238E27FC236}">
+                  <a16:creationId xmlns:a16="http://schemas.microsoft.com/office/drawing/2014/main" id="{F837E8F4-803F-45A6-8330-00B16FA27671}"/>
+                </a:ext>
+              </a:extLst>
+            </p:cNvPr>
+            <p:cNvCxnSpPr>
+              <a:cxnSpLocks/>
+            </p:cNvCxnSpPr>
+            <p:nvPr/>
+          </p:nvCxnSpPr>
+          <p:spPr>
+            <a:xfrm flipH="1">
+              <a:off x="4891983" y="2826689"/>
+              <a:ext cx="97460" cy="0"/>
             </a:xfrm>
             <a:prstGeom prst="line">
               <a:avLst/>
@@ -37451,6 +37623,62 @@
             <a:xfrm>
               <a:off x="6057912" y="1785067"/>
               <a:ext cx="306690" cy="401541"/>
+            </a:xfrm>
+            <a:prstGeom prst="rect">
+              <a:avLst/>
+            </a:prstGeom>
+            <a:solidFill>
+              <a:schemeClr val="bg1">
+                <a:lumMod val="85000"/>
+              </a:schemeClr>
+            </a:solidFill>
+            <a:ln w="19050">
+              <a:solidFill>
+                <a:schemeClr val="tx1"/>
+              </a:solidFill>
+            </a:ln>
+          </p:spPr>
+          <p:style>
+            <a:lnRef idx="2">
+              <a:schemeClr val="accent1">
+                <a:shade val="50000"/>
+              </a:schemeClr>
+            </a:lnRef>
+            <a:fillRef idx="1">
+              <a:schemeClr val="accent1"/>
+            </a:fillRef>
+            <a:effectRef idx="0">
+              <a:schemeClr val="accent1"/>
+            </a:effectRef>
+            <a:fontRef idx="minor">
+              <a:schemeClr val="lt1"/>
+            </a:fontRef>
+          </p:style>
+          <p:txBody>
+            <a:bodyPr rtlCol="0" anchor="ctr"/>
+            <a:lstStyle/>
+            <a:p>
+              <a:pPr algn="ctr"/>
+              <a:endParaRPr lang="en-US" sz="1600"/>
+            </a:p>
+          </p:txBody>
+        </p:sp>
+        <p:sp>
+          <p:nvSpPr>
+            <p:cNvPr id="140" name="Rectangle 139">
+              <a:extLst>
+                <a:ext uri="{FF2B5EF4-FFF2-40B4-BE49-F238E27FC236}">
+                  <a16:creationId xmlns:a16="http://schemas.microsoft.com/office/drawing/2014/main" id="{609135B6-7061-4387-934D-B4999BB4D0EC}"/>
+                </a:ext>
+              </a:extLst>
+            </p:cNvPr>
+            <p:cNvSpPr/>
+            <p:nvPr/>
+          </p:nvSpPr>
+          <p:spPr>
+            <a:xfrm>
+              <a:off x="4579242" y="1785067"/>
+              <a:ext cx="274613" cy="401541"/>
             </a:xfrm>
             <a:prstGeom prst="rect">
               <a:avLst/>
